--- a/springboard/capstone 2/capstone 2 slides.pptx
+++ b/springboard/capstone 2/capstone 2 slides.pptx
@@ -8,12 +8,25 @@
     <p:sldId id="260" r:id="rId2"/>
     <p:sldId id="261" r:id="rId3"/>
     <p:sldId id="262" r:id="rId4"/>
-    <p:sldId id="263" r:id="rId5"/>
-    <p:sldId id="264" r:id="rId6"/>
-    <p:sldId id="256" r:id="rId7"/>
-    <p:sldId id="257" r:id="rId8"/>
-    <p:sldId id="258" r:id="rId9"/>
-    <p:sldId id="259" r:id="rId10"/>
+    <p:sldId id="280" r:id="rId5"/>
+    <p:sldId id="263" r:id="rId6"/>
+    <p:sldId id="264" r:id="rId7"/>
+    <p:sldId id="256" r:id="rId8"/>
+    <p:sldId id="257" r:id="rId9"/>
+    <p:sldId id="258" r:id="rId10"/>
+    <p:sldId id="259" r:id="rId11"/>
+    <p:sldId id="281" r:id="rId12"/>
+    <p:sldId id="273" r:id="rId13"/>
+    <p:sldId id="282" r:id="rId14"/>
+    <p:sldId id="272" r:id="rId15"/>
+    <p:sldId id="274" r:id="rId16"/>
+    <p:sldId id="275" r:id="rId17"/>
+    <p:sldId id="276" r:id="rId18"/>
+    <p:sldId id="277" r:id="rId19"/>
+    <p:sldId id="278" r:id="rId20"/>
+    <p:sldId id="269" r:id="rId21"/>
+    <p:sldId id="279" r:id="rId22"/>
+    <p:sldId id="270" r:id="rId23"/>
   </p:sldIdLst>
   <p:sldSz cx="12192000" cy="6858000"/>
   <p:notesSz cx="6858000" cy="9144000"/>
@@ -112,6 +125,11 @@
       </a:defRPr>
     </a:lvl9pPr>
   </p:defaultTextStyle>
+  <p:extLst>
+    <p:ext uri="{EFAFB233-063F-42B5-8137-9DF3F51BA10A}">
+      <p15:sldGuideLst xmlns:p15="http://schemas.microsoft.com/office/powerpoint/2012/main"/>
+    </p:ext>
+  </p:extLst>
 </p:presentation>
 </file>
 
@@ -262,7 +280,7 @@
           <a:p>
             <a:fld id="{47657923-87D3-433B-95AD-A10C60566D7A}" type="datetimeFigureOut">
               <a:rPr lang="en-US" smtClean="0"/>
-              <a:t>4/25/2020</a:t>
+              <a:t>6/7/2020</a:t>
             </a:fld>
             <a:endParaRPr lang="en-US"/>
           </a:p>
@@ -460,7 +478,7 @@
           <a:p>
             <a:fld id="{47657923-87D3-433B-95AD-A10C60566D7A}" type="datetimeFigureOut">
               <a:rPr lang="en-US" smtClean="0"/>
-              <a:t>4/25/2020</a:t>
+              <a:t>6/7/2020</a:t>
             </a:fld>
             <a:endParaRPr lang="en-US"/>
           </a:p>
@@ -668,7 +686,7 @@
           <a:p>
             <a:fld id="{47657923-87D3-433B-95AD-A10C60566D7A}" type="datetimeFigureOut">
               <a:rPr lang="en-US" smtClean="0"/>
-              <a:t>4/25/2020</a:t>
+              <a:t>6/7/2020</a:t>
             </a:fld>
             <a:endParaRPr lang="en-US"/>
           </a:p>
@@ -866,7 +884,7 @@
           <a:p>
             <a:fld id="{47657923-87D3-433B-95AD-A10C60566D7A}" type="datetimeFigureOut">
               <a:rPr lang="en-US" smtClean="0"/>
-              <a:t>4/25/2020</a:t>
+              <a:t>6/7/2020</a:t>
             </a:fld>
             <a:endParaRPr lang="en-US"/>
           </a:p>
@@ -1141,7 +1159,7 @@
           <a:p>
             <a:fld id="{47657923-87D3-433B-95AD-A10C60566D7A}" type="datetimeFigureOut">
               <a:rPr lang="en-US" smtClean="0"/>
-              <a:t>4/25/2020</a:t>
+              <a:t>6/7/2020</a:t>
             </a:fld>
             <a:endParaRPr lang="en-US"/>
           </a:p>
@@ -1406,7 +1424,7 @@
           <a:p>
             <a:fld id="{47657923-87D3-433B-95AD-A10C60566D7A}" type="datetimeFigureOut">
               <a:rPr lang="en-US" smtClean="0"/>
-              <a:t>4/25/2020</a:t>
+              <a:t>6/7/2020</a:t>
             </a:fld>
             <a:endParaRPr lang="en-US"/>
           </a:p>
@@ -1818,7 +1836,7 @@
           <a:p>
             <a:fld id="{47657923-87D3-433B-95AD-A10C60566D7A}" type="datetimeFigureOut">
               <a:rPr lang="en-US" smtClean="0"/>
-              <a:t>4/25/2020</a:t>
+              <a:t>6/7/2020</a:t>
             </a:fld>
             <a:endParaRPr lang="en-US"/>
           </a:p>
@@ -1959,7 +1977,7 @@
           <a:p>
             <a:fld id="{47657923-87D3-433B-95AD-A10C60566D7A}" type="datetimeFigureOut">
               <a:rPr lang="en-US" smtClean="0"/>
-              <a:t>4/25/2020</a:t>
+              <a:t>6/7/2020</a:t>
             </a:fld>
             <a:endParaRPr lang="en-US"/>
           </a:p>
@@ -2072,7 +2090,7 @@
           <a:p>
             <a:fld id="{47657923-87D3-433B-95AD-A10C60566D7A}" type="datetimeFigureOut">
               <a:rPr lang="en-US" smtClean="0"/>
-              <a:t>4/25/2020</a:t>
+              <a:t>6/7/2020</a:t>
             </a:fld>
             <a:endParaRPr lang="en-US"/>
           </a:p>
@@ -2383,7 +2401,7 @@
           <a:p>
             <a:fld id="{47657923-87D3-433B-95AD-A10C60566D7A}" type="datetimeFigureOut">
               <a:rPr lang="en-US" smtClean="0"/>
-              <a:t>4/25/2020</a:t>
+              <a:t>6/7/2020</a:t>
             </a:fld>
             <a:endParaRPr lang="en-US"/>
           </a:p>
@@ -2671,7 +2689,7 @@
           <a:p>
             <a:fld id="{47657923-87D3-433B-95AD-A10C60566D7A}" type="datetimeFigureOut">
               <a:rPr lang="en-US" smtClean="0"/>
-              <a:t>4/25/2020</a:t>
+              <a:t>6/7/2020</a:t>
             </a:fld>
             <a:endParaRPr lang="en-US"/>
           </a:p>
@@ -2912,7 +2930,7 @@
           <a:p>
             <a:fld id="{47657923-87D3-433B-95AD-A10C60566D7A}" type="datetimeFigureOut">
               <a:rPr lang="en-US" smtClean="0"/>
-              <a:t>4/25/2020</a:t>
+              <a:t>6/7/2020</a:t>
             </a:fld>
             <a:endParaRPr lang="en-US"/>
           </a:p>
@@ -3408,6 +3426,2010 @@
 </p:sld>
 </file>
 
+<file path=ppt/slides/slide10.xml><?xml version="1.0" encoding="utf-8"?>
+<p:sld xmlns:a="http://schemas.openxmlformats.org/drawingml/2006/main" xmlns:r="http://schemas.openxmlformats.org/officeDocument/2006/relationships" xmlns:p="http://schemas.openxmlformats.org/presentationml/2006/main">
+  <p:cSld>
+    <p:spTree>
+      <p:nvGrpSpPr>
+        <p:cNvPr id="1" name=""/>
+        <p:cNvGrpSpPr/>
+        <p:nvPr/>
+      </p:nvGrpSpPr>
+      <p:grpSpPr>
+        <a:xfrm>
+          <a:off x="0" y="0"/>
+          <a:ext cx="0" cy="0"/>
+          <a:chOff x="0" y="0"/>
+          <a:chExt cx="0" cy="0"/>
+        </a:xfrm>
+      </p:grpSpPr>
+      <p:sp>
+        <p:nvSpPr>
+          <p:cNvPr id="5" name="Title 4">
+            <a:extLst>
+              <a:ext uri="{FF2B5EF4-FFF2-40B4-BE49-F238E27FC236}">
+                <a16:creationId xmlns:a16="http://schemas.microsoft.com/office/drawing/2014/main" id="{B3E90897-EC0E-4105-856F-898EEAD95FCE}"/>
+              </a:ext>
+            </a:extLst>
+          </p:cNvPr>
+          <p:cNvSpPr>
+            <a:spLocks noGrp="1"/>
+          </p:cNvSpPr>
+          <p:nvPr>
+            <p:ph type="title"/>
+          </p:nvPr>
+        </p:nvSpPr>
+        <p:spPr>
+          <a:xfrm>
+            <a:off x="123825" y="88901"/>
+            <a:ext cx="10515600" cy="711200"/>
+          </a:xfrm>
+        </p:spPr>
+        <p:txBody>
+          <a:bodyPr>
+            <a:normAutofit/>
+          </a:bodyPr>
+          <a:lstStyle/>
+          <a:p>
+            <a:r>
+              <a:rPr lang="en-US" sz="2400" b="1" dirty="0"/>
+              <a:t>50 Day moving avg vs 200 day moving Avg.</a:t>
+            </a:r>
+          </a:p>
+        </p:txBody>
+      </p:sp>
+      <p:pic>
+        <p:nvPicPr>
+          <p:cNvPr id="4100" name="Picture 4">
+            <a:extLst>
+              <a:ext uri="{FF2B5EF4-FFF2-40B4-BE49-F238E27FC236}">
+                <a16:creationId xmlns:a16="http://schemas.microsoft.com/office/drawing/2014/main" id="{2919B41D-C0C0-4996-8300-026E8D74BA4F}"/>
+              </a:ext>
+            </a:extLst>
+          </p:cNvPr>
+          <p:cNvPicPr>
+            <a:picLocks noChangeAspect="1" noChangeArrowheads="1"/>
+          </p:cNvPicPr>
+          <p:nvPr/>
+        </p:nvPicPr>
+        <p:blipFill>
+          <a:blip r:embed="rId2">
+            <a:extLst>
+              <a:ext uri="{28A0092B-C50C-407E-A947-70E740481C1C}">
+                <a14:useLocalDpi xmlns:a14="http://schemas.microsoft.com/office/drawing/2010/main" val="0"/>
+              </a:ext>
+            </a:extLst>
+          </a:blip>
+          <a:srcRect/>
+          <a:stretch>
+            <a:fillRect/>
+          </a:stretch>
+        </p:blipFill>
+        <p:spPr bwMode="auto">
+          <a:xfrm>
+            <a:off x="2166938" y="800101"/>
+            <a:ext cx="6791325" cy="4295775"/>
+          </a:xfrm>
+          <a:prstGeom prst="rect">
+            <a:avLst/>
+          </a:prstGeom>
+          <a:noFill/>
+          <a:extLst>
+            <a:ext uri="{909E8E84-426E-40DD-AFC4-6F175D3DCCD1}">
+              <a14:hiddenFill xmlns:a14="http://schemas.microsoft.com/office/drawing/2010/main">
+                <a:solidFill>
+                  <a:srgbClr val="FFFFFF"/>
+                </a:solidFill>
+              </a14:hiddenFill>
+            </a:ext>
+          </a:extLst>
+        </p:spPr>
+      </p:pic>
+      <p:sp>
+        <p:nvSpPr>
+          <p:cNvPr id="6" name="TextBox 5">
+            <a:extLst>
+              <a:ext uri="{FF2B5EF4-FFF2-40B4-BE49-F238E27FC236}">
+                <a16:creationId xmlns:a16="http://schemas.microsoft.com/office/drawing/2014/main" id="{BABF1BC8-C178-42E2-8973-F749C07C8270}"/>
+              </a:ext>
+            </a:extLst>
+          </p:cNvPr>
+          <p:cNvSpPr txBox="1"/>
+          <p:nvPr/>
+        </p:nvSpPr>
+        <p:spPr>
+          <a:xfrm>
+            <a:off x="561975" y="5180736"/>
+            <a:ext cx="11068050" cy="1754326"/>
+          </a:xfrm>
+          <a:prstGeom prst="rect">
+            <a:avLst/>
+          </a:prstGeom>
+          <a:noFill/>
+        </p:spPr>
+        <p:txBody>
+          <a:bodyPr wrap="square" rtlCol="0">
+            <a:spAutoFit/>
+          </a:bodyPr>
+          <a:lstStyle/>
+          <a:p>
+            <a:r>
+              <a:rPr lang="en-US" dirty="0"/>
+              <a:t>- When 50day moving average cuts the 200day moving average, it is called the golden cross</a:t>
+            </a:r>
+          </a:p>
+          <a:p>
+            <a:r>
+              <a:rPr lang="en-US" dirty="0"/>
+              <a:t>- 50day moving average cuts the 200day moving average and the slop is positive, it’s a bullish signal (buy)</a:t>
+            </a:r>
+          </a:p>
+          <a:p>
+            <a:r>
+              <a:rPr lang="en-US" dirty="0"/>
+              <a:t>- 50day moving average cuts the 200day moving average and the slop is positive, it’s a bearish signal (sell)</a:t>
+            </a:r>
+          </a:p>
+          <a:p>
+            <a:endParaRPr lang="en-US" dirty="0"/>
+          </a:p>
+          <a:p>
+            <a:r>
+              <a:rPr lang="en-US" dirty="0"/>
+              <a:t>The figure above for the ticker ‘ABBV’ (a pharmaceutical stock) validates the above-mentioned fact</a:t>
+            </a:r>
+          </a:p>
+          <a:p>
+            <a:endParaRPr lang="en-US" dirty="0"/>
+          </a:p>
+        </p:txBody>
+      </p:sp>
+      <p:cxnSp>
+        <p:nvCxnSpPr>
+          <p:cNvPr id="8" name="Straight Arrow Connector 7">
+            <a:extLst>
+              <a:ext uri="{FF2B5EF4-FFF2-40B4-BE49-F238E27FC236}">
+                <a16:creationId xmlns:a16="http://schemas.microsoft.com/office/drawing/2014/main" id="{6148C440-39C3-4E58-B819-0E3E3946ADDB}"/>
+              </a:ext>
+            </a:extLst>
+          </p:cNvPr>
+          <p:cNvCxnSpPr/>
+          <p:nvPr/>
+        </p:nvCxnSpPr>
+        <p:spPr>
+          <a:xfrm flipV="1">
+            <a:off x="5486400" y="1609725"/>
+            <a:ext cx="1238250" cy="1628775"/>
+          </a:xfrm>
+          <a:prstGeom prst="straightConnector1">
+            <a:avLst/>
+          </a:prstGeom>
+          <a:ln w="25400">
+            <a:solidFill>
+              <a:schemeClr val="tx1"/>
+            </a:solidFill>
+            <a:tailEnd type="triangle"/>
+          </a:ln>
+        </p:spPr>
+        <p:style>
+          <a:lnRef idx="1">
+            <a:schemeClr val="accent1"/>
+          </a:lnRef>
+          <a:fillRef idx="0">
+            <a:schemeClr val="accent1"/>
+          </a:fillRef>
+          <a:effectRef idx="0">
+            <a:schemeClr val="accent1"/>
+          </a:effectRef>
+          <a:fontRef idx="minor">
+            <a:schemeClr val="tx1"/>
+          </a:fontRef>
+        </p:style>
+      </p:cxnSp>
+      <p:cxnSp>
+        <p:nvCxnSpPr>
+          <p:cNvPr id="11" name="Straight Arrow Connector 10">
+            <a:extLst>
+              <a:ext uri="{FF2B5EF4-FFF2-40B4-BE49-F238E27FC236}">
+                <a16:creationId xmlns:a16="http://schemas.microsoft.com/office/drawing/2014/main" id="{9B7EF204-4492-4300-B632-4DC7C7254737}"/>
+              </a:ext>
+            </a:extLst>
+          </p:cNvPr>
+          <p:cNvCxnSpPr>
+            <a:cxnSpLocks/>
+          </p:cNvCxnSpPr>
+          <p:nvPr/>
+        </p:nvCxnSpPr>
+        <p:spPr>
+          <a:xfrm>
+            <a:off x="7179052" y="1677880"/>
+            <a:ext cx="961771" cy="1038163"/>
+          </a:xfrm>
+          <a:prstGeom prst="straightConnector1">
+            <a:avLst/>
+          </a:prstGeom>
+          <a:ln w="25400">
+            <a:tailEnd type="triangle"/>
+          </a:ln>
+        </p:spPr>
+        <p:style>
+          <a:lnRef idx="1">
+            <a:schemeClr val="dk1"/>
+          </a:lnRef>
+          <a:fillRef idx="0">
+            <a:schemeClr val="dk1"/>
+          </a:fillRef>
+          <a:effectRef idx="0">
+            <a:schemeClr val="dk1"/>
+          </a:effectRef>
+          <a:fontRef idx="minor">
+            <a:schemeClr val="tx1"/>
+          </a:fontRef>
+        </p:style>
+      </p:cxnSp>
+      <p:sp>
+        <p:nvSpPr>
+          <p:cNvPr id="14" name="TextBox 13">
+            <a:extLst>
+              <a:ext uri="{FF2B5EF4-FFF2-40B4-BE49-F238E27FC236}">
+                <a16:creationId xmlns:a16="http://schemas.microsoft.com/office/drawing/2014/main" id="{5C31E1AE-D6D5-43CC-A0DE-51475F90C17C}"/>
+              </a:ext>
+            </a:extLst>
+          </p:cNvPr>
+          <p:cNvSpPr txBox="1"/>
+          <p:nvPr/>
+        </p:nvSpPr>
+        <p:spPr>
+          <a:xfrm>
+            <a:off x="4762500" y="2061731"/>
+            <a:ext cx="1057275" cy="369332"/>
+          </a:xfrm>
+          <a:prstGeom prst="rect">
+            <a:avLst/>
+          </a:prstGeom>
+          <a:noFill/>
+        </p:spPr>
+        <p:txBody>
+          <a:bodyPr wrap="square" rtlCol="0">
+            <a:spAutoFit/>
+          </a:bodyPr>
+          <a:lstStyle/>
+          <a:p>
+            <a:r>
+              <a:rPr lang="en-US" dirty="0"/>
+              <a:t>bullish</a:t>
+            </a:r>
+          </a:p>
+        </p:txBody>
+      </p:sp>
+      <p:sp>
+        <p:nvSpPr>
+          <p:cNvPr id="15" name="Rectangle 14">
+            <a:extLst>
+              <a:ext uri="{FF2B5EF4-FFF2-40B4-BE49-F238E27FC236}">
+                <a16:creationId xmlns:a16="http://schemas.microsoft.com/office/drawing/2014/main" id="{81A77BC7-40E6-43F7-BF6F-C899A0FB9827}"/>
+              </a:ext>
+            </a:extLst>
+          </p:cNvPr>
+          <p:cNvSpPr/>
+          <p:nvPr/>
+        </p:nvSpPr>
+        <p:spPr>
+          <a:xfrm>
+            <a:off x="7563591" y="1620685"/>
+            <a:ext cx="877163" cy="369332"/>
+          </a:xfrm>
+          <a:prstGeom prst="rect">
+            <a:avLst/>
+          </a:prstGeom>
+        </p:spPr>
+        <p:txBody>
+          <a:bodyPr wrap="none">
+            <a:spAutoFit/>
+          </a:bodyPr>
+          <a:lstStyle/>
+          <a:p>
+            <a:r>
+              <a:rPr lang="en-US" dirty="0"/>
+              <a:t>bearish</a:t>
+            </a:r>
+          </a:p>
+        </p:txBody>
+      </p:sp>
+    </p:spTree>
+    <p:extLst>
+      <p:ext uri="{BB962C8B-B14F-4D97-AF65-F5344CB8AC3E}">
+        <p14:creationId xmlns:p14="http://schemas.microsoft.com/office/powerpoint/2010/main" val="1760148057"/>
+      </p:ext>
+    </p:extLst>
+  </p:cSld>
+  <p:clrMapOvr>
+    <a:masterClrMapping/>
+  </p:clrMapOvr>
+</p:sld>
+</file>
+
+<file path=ppt/slides/slide11.xml><?xml version="1.0" encoding="utf-8"?>
+<p:sld xmlns:a="http://schemas.openxmlformats.org/drawingml/2006/main" xmlns:r="http://schemas.openxmlformats.org/officeDocument/2006/relationships" xmlns:p="http://schemas.openxmlformats.org/presentationml/2006/main">
+  <p:cSld>
+    <p:spTree>
+      <p:nvGrpSpPr>
+        <p:cNvPr id="1" name=""/>
+        <p:cNvGrpSpPr/>
+        <p:nvPr/>
+      </p:nvGrpSpPr>
+      <p:grpSpPr>
+        <a:xfrm>
+          <a:off x="0" y="0"/>
+          <a:ext cx="0" cy="0"/>
+          <a:chOff x="0" y="0"/>
+          <a:chExt cx="0" cy="0"/>
+        </a:xfrm>
+      </p:grpSpPr>
+      <p:sp>
+        <p:nvSpPr>
+          <p:cNvPr id="2" name="Title 1">
+            <a:extLst>
+              <a:ext uri="{FF2B5EF4-FFF2-40B4-BE49-F238E27FC236}">
+                <a16:creationId xmlns:a16="http://schemas.microsoft.com/office/drawing/2014/main" id="{816E23C6-D69D-4A24-9360-545175DF8A1F}"/>
+              </a:ext>
+            </a:extLst>
+          </p:cNvPr>
+          <p:cNvSpPr>
+            <a:spLocks noGrp="1"/>
+          </p:cNvSpPr>
+          <p:nvPr>
+            <p:ph type="title"/>
+          </p:nvPr>
+        </p:nvSpPr>
+        <p:spPr/>
+        <p:txBody>
+          <a:bodyPr/>
+          <a:lstStyle/>
+          <a:p>
+            <a:r>
+              <a:rPr lang="en-US" dirty="0"/>
+              <a:t>Filtering </a:t>
+            </a:r>
+          </a:p>
+        </p:txBody>
+      </p:sp>
+      <p:sp>
+        <p:nvSpPr>
+          <p:cNvPr id="3" name="Content Placeholder 2">
+            <a:extLst>
+              <a:ext uri="{FF2B5EF4-FFF2-40B4-BE49-F238E27FC236}">
+                <a16:creationId xmlns:a16="http://schemas.microsoft.com/office/drawing/2014/main" id="{33C9E83F-9B87-4C6F-8BC6-0D0C28DFD3C7}"/>
+              </a:ext>
+            </a:extLst>
+          </p:cNvPr>
+          <p:cNvSpPr>
+            <a:spLocks noGrp="1"/>
+          </p:cNvSpPr>
+          <p:nvPr>
+            <p:ph idx="1"/>
+          </p:nvPr>
+        </p:nvSpPr>
+        <p:spPr/>
+        <p:txBody>
+          <a:bodyPr>
+            <a:normAutofit lnSpcReduction="10000"/>
+          </a:bodyPr>
+          <a:lstStyle/>
+          <a:p>
+            <a:r>
+              <a:rPr lang="en-US" sz="2400" dirty="0"/>
+              <a:t>Used filtering based on users choice to filter stocks to buy.</a:t>
+            </a:r>
+          </a:p>
+          <a:p>
+            <a:r>
+              <a:rPr lang="en-US" sz="2400" dirty="0"/>
+              <a:t>For example, see the following filtering: here user wants </a:t>
+            </a:r>
+            <a:r>
+              <a:rPr lang="en-US" sz="2400" dirty="0" err="1"/>
+              <a:t>tofilter</a:t>
+            </a:r>
+            <a:r>
+              <a:rPr lang="en-US" sz="2400" dirty="0"/>
+              <a:t> stocks that have market cap over 10B, beta values less than 1 (less risky stocks), </a:t>
+            </a:r>
+            <a:r>
+              <a:rPr lang="en-US" sz="2400" dirty="0" err="1"/>
+              <a:t>pct</a:t>
+            </a:r>
+            <a:r>
+              <a:rPr lang="en-US" sz="2400" dirty="0"/>
+              <a:t> change greater than 10 (greater reward), pays dividend greater than 3%, and pe ratio less than 30 ( not overpriced)</a:t>
+            </a:r>
+          </a:p>
+          <a:p>
+            <a:pPr marL="0" indent="0">
+              <a:buNone/>
+            </a:pPr>
+            <a:r>
+              <a:rPr lang="en-US" sz="2400" dirty="0"/>
+              <a:t>filter = </a:t>
+            </a:r>
+            <a:r>
+              <a:rPr lang="en-US" sz="2400" dirty="0" err="1"/>
+              <a:t>stocks_filter</a:t>
+            </a:r>
+            <a:r>
+              <a:rPr lang="en-US" sz="2400" dirty="0"/>
+              <a:t>[(</a:t>
+            </a:r>
+            <a:r>
+              <a:rPr lang="en-US" sz="2400" dirty="0" err="1"/>
+              <a:t>stocks_filter.market_cap</a:t>
+            </a:r>
+            <a:r>
+              <a:rPr lang="en-US" sz="2400" dirty="0"/>
+              <a:t>&gt; 10000000000) &amp; (</a:t>
+            </a:r>
+            <a:r>
+              <a:rPr lang="en-US" sz="2400" dirty="0" err="1"/>
+              <a:t>stocks_filter.beta</a:t>
+            </a:r>
+            <a:r>
+              <a:rPr lang="en-US" sz="2400" dirty="0"/>
+              <a:t> &lt; 1)  &amp; (</a:t>
+            </a:r>
+            <a:r>
+              <a:rPr lang="en-US" sz="2400" dirty="0" err="1"/>
+              <a:t>stocks_filter.change</a:t>
+            </a:r>
+            <a:r>
+              <a:rPr lang="en-US" sz="2400" dirty="0"/>
+              <a:t> &gt;10) &amp; (</a:t>
+            </a:r>
+            <a:r>
+              <a:rPr lang="en-US" sz="2400" dirty="0" err="1"/>
+              <a:t>stocks_filter.pe_ratio</a:t>
+            </a:r>
+            <a:r>
+              <a:rPr lang="en-US" sz="2400" dirty="0"/>
+              <a:t> &lt;30) &amp; (</a:t>
+            </a:r>
+            <a:r>
+              <a:rPr lang="en-US" sz="2400" dirty="0" err="1"/>
+              <a:t>stocks_filter.dividend</a:t>
+            </a:r>
+            <a:r>
+              <a:rPr lang="en-US" sz="2400" dirty="0"/>
+              <a:t> &gt;3)]</a:t>
+            </a:r>
+          </a:p>
+          <a:p>
+            <a:endParaRPr lang="en-US" sz="2400" dirty="0"/>
+          </a:p>
+          <a:p>
+            <a:r>
+              <a:rPr lang="en-US" sz="2400" dirty="0"/>
+              <a:t>The filtering criterion resulted with the following 4 tickers JNJ, AMGN, PM, UNH</a:t>
+            </a:r>
+          </a:p>
+          <a:p>
+            <a:r>
+              <a:rPr lang="en-US" sz="2400" dirty="0"/>
+              <a:t> Notice that 3 out of 4 stocks are pharmaceutical, wall street expects higher return from pharma stocks in future as response to </a:t>
+            </a:r>
+            <a:r>
+              <a:rPr lang="en-US" sz="2400" dirty="0" err="1"/>
+              <a:t>covid</a:t>
+            </a:r>
+            <a:r>
+              <a:rPr lang="en-US" sz="2400" dirty="0"/>
+              <a:t> 19</a:t>
+            </a:r>
+          </a:p>
+        </p:txBody>
+      </p:sp>
+    </p:spTree>
+    <p:extLst>
+      <p:ext uri="{BB962C8B-B14F-4D97-AF65-F5344CB8AC3E}">
+        <p14:creationId xmlns:p14="http://schemas.microsoft.com/office/powerpoint/2010/main" val="2446936804"/>
+      </p:ext>
+    </p:extLst>
+  </p:cSld>
+  <p:clrMapOvr>
+    <a:masterClrMapping/>
+  </p:clrMapOvr>
+</p:sld>
+</file>
+
+<file path=ppt/slides/slide12.xml><?xml version="1.0" encoding="utf-8"?>
+<p:sld xmlns:a="http://schemas.openxmlformats.org/drawingml/2006/main" xmlns:r="http://schemas.openxmlformats.org/officeDocument/2006/relationships" xmlns:p="http://schemas.openxmlformats.org/presentationml/2006/main">
+  <p:cSld>
+    <p:spTree>
+      <p:nvGrpSpPr>
+        <p:cNvPr id="1" name=""/>
+        <p:cNvGrpSpPr/>
+        <p:nvPr/>
+      </p:nvGrpSpPr>
+      <p:grpSpPr>
+        <a:xfrm>
+          <a:off x="0" y="0"/>
+          <a:ext cx="0" cy="0"/>
+          <a:chOff x="0" y="0"/>
+          <a:chExt cx="0" cy="0"/>
+        </a:xfrm>
+      </p:grpSpPr>
+      <p:sp>
+        <p:nvSpPr>
+          <p:cNvPr id="2" name="Title 1">
+            <a:extLst>
+              <a:ext uri="{FF2B5EF4-FFF2-40B4-BE49-F238E27FC236}">
+                <a16:creationId xmlns:a16="http://schemas.microsoft.com/office/drawing/2014/main" id="{484389F1-45CD-437E-92C2-2AD394063B20}"/>
+              </a:ext>
+            </a:extLst>
+          </p:cNvPr>
+          <p:cNvSpPr>
+            <a:spLocks noGrp="1"/>
+          </p:cNvSpPr>
+          <p:nvPr>
+            <p:ph type="title"/>
+          </p:nvPr>
+        </p:nvSpPr>
+        <p:spPr/>
+        <p:txBody>
+          <a:bodyPr/>
+          <a:lstStyle/>
+          <a:p>
+            <a:r>
+              <a:rPr lang="en-US" dirty="0"/>
+              <a:t>Dividend (example JNJ)</a:t>
+            </a:r>
+          </a:p>
+        </p:txBody>
+      </p:sp>
+      <p:pic>
+        <p:nvPicPr>
+          <p:cNvPr id="2050" name="Picture 2">
+            <a:extLst>
+              <a:ext uri="{FF2B5EF4-FFF2-40B4-BE49-F238E27FC236}">
+                <a16:creationId xmlns:a16="http://schemas.microsoft.com/office/drawing/2014/main" id="{2DA4ED02-C6C9-4B38-ACD4-D9434F2E7716}"/>
+              </a:ext>
+            </a:extLst>
+          </p:cNvPr>
+          <p:cNvPicPr>
+            <a:picLocks noChangeAspect="1" noChangeArrowheads="1"/>
+          </p:cNvPicPr>
+          <p:nvPr/>
+        </p:nvPicPr>
+        <p:blipFill>
+          <a:blip r:embed="rId2">
+            <a:extLst>
+              <a:ext uri="{28A0092B-C50C-407E-A947-70E740481C1C}">
+                <a14:useLocalDpi xmlns:a14="http://schemas.microsoft.com/office/drawing/2010/main" val="0"/>
+              </a:ext>
+            </a:extLst>
+          </a:blip>
+          <a:srcRect/>
+          <a:stretch>
+            <a:fillRect/>
+          </a:stretch>
+        </p:blipFill>
+        <p:spPr bwMode="auto">
+          <a:xfrm>
+            <a:off x="2319338" y="2105024"/>
+            <a:ext cx="6167437" cy="4058776"/>
+          </a:xfrm>
+          <a:prstGeom prst="rect">
+            <a:avLst/>
+          </a:prstGeom>
+          <a:noFill/>
+          <a:extLst>
+            <a:ext uri="{909E8E84-426E-40DD-AFC4-6F175D3DCCD1}">
+              <a14:hiddenFill xmlns:a14="http://schemas.microsoft.com/office/drawing/2010/main">
+                <a:solidFill>
+                  <a:srgbClr val="FFFFFF"/>
+                </a:solidFill>
+              </a14:hiddenFill>
+            </a:ext>
+          </a:extLst>
+        </p:spPr>
+      </p:pic>
+    </p:spTree>
+    <p:extLst>
+      <p:ext uri="{BB962C8B-B14F-4D97-AF65-F5344CB8AC3E}">
+        <p14:creationId xmlns:p14="http://schemas.microsoft.com/office/powerpoint/2010/main" val="2969160593"/>
+      </p:ext>
+    </p:extLst>
+  </p:cSld>
+  <p:clrMapOvr>
+    <a:masterClrMapping/>
+  </p:clrMapOvr>
+</p:sld>
+</file>
+
+<file path=ppt/slides/slide13.xml><?xml version="1.0" encoding="utf-8"?>
+<p:sld xmlns:a="http://schemas.openxmlformats.org/drawingml/2006/main" xmlns:r="http://schemas.openxmlformats.org/officeDocument/2006/relationships" xmlns:p="http://schemas.openxmlformats.org/presentationml/2006/main">
+  <p:cSld>
+    <p:spTree>
+      <p:nvGrpSpPr>
+        <p:cNvPr id="1" name=""/>
+        <p:cNvGrpSpPr/>
+        <p:nvPr/>
+      </p:nvGrpSpPr>
+      <p:grpSpPr>
+        <a:xfrm>
+          <a:off x="0" y="0"/>
+          <a:ext cx="0" cy="0"/>
+          <a:chOff x="0" y="0"/>
+          <a:chExt cx="0" cy="0"/>
+        </a:xfrm>
+      </p:grpSpPr>
+      <p:sp>
+        <p:nvSpPr>
+          <p:cNvPr id="2" name="Title 1">
+            <a:extLst>
+              <a:ext uri="{FF2B5EF4-FFF2-40B4-BE49-F238E27FC236}">
+                <a16:creationId xmlns:a16="http://schemas.microsoft.com/office/drawing/2014/main" id="{9BE9A6D1-62F2-4C99-B3FE-C9BFA80D3A0D}"/>
+              </a:ext>
+            </a:extLst>
+          </p:cNvPr>
+          <p:cNvSpPr>
+            <a:spLocks noGrp="1"/>
+          </p:cNvSpPr>
+          <p:nvPr>
+            <p:ph type="title"/>
+          </p:nvPr>
+        </p:nvSpPr>
+        <p:spPr>
+          <a:xfrm>
+            <a:off x="200025" y="75350"/>
+            <a:ext cx="4429125" cy="539750"/>
+          </a:xfrm>
+        </p:spPr>
+        <p:txBody>
+          <a:bodyPr>
+            <a:normAutofit/>
+          </a:bodyPr>
+          <a:lstStyle/>
+          <a:p>
+            <a:r>
+              <a:rPr lang="en-US" sz="2400" b="1" dirty="0"/>
+              <a:t>Correlation between stock price </a:t>
+            </a:r>
+          </a:p>
+        </p:txBody>
+      </p:sp>
+      <p:sp>
+        <p:nvSpPr>
+          <p:cNvPr id="5" name="TextBox 4">
+            <a:extLst>
+              <a:ext uri="{FF2B5EF4-FFF2-40B4-BE49-F238E27FC236}">
+                <a16:creationId xmlns:a16="http://schemas.microsoft.com/office/drawing/2014/main" id="{B8953D56-F061-4D13-9EB3-A0C4B67C47BC}"/>
+              </a:ext>
+            </a:extLst>
+          </p:cNvPr>
+          <p:cNvSpPr txBox="1"/>
+          <p:nvPr/>
+        </p:nvSpPr>
+        <p:spPr>
+          <a:xfrm>
+            <a:off x="609600" y="5200650"/>
+            <a:ext cx="10839450" cy="646331"/>
+          </a:xfrm>
+          <a:prstGeom prst="rect">
+            <a:avLst/>
+          </a:prstGeom>
+          <a:noFill/>
+        </p:spPr>
+        <p:txBody>
+          <a:bodyPr wrap="square" rtlCol="0">
+            <a:spAutoFit/>
+          </a:bodyPr>
+          <a:lstStyle/>
+          <a:p>
+            <a:r>
+              <a:rPr lang="en-US" dirty="0"/>
+              <a:t>- Correlation between stocks can be used to identify similar stocks. For example SPY (S&amp;P500 index P 500 index are heavily correlated)) and pharma stocks are </a:t>
+            </a:r>
+            <a:r>
+              <a:rPr lang="en-US"/>
+              <a:t>heavily correlated</a:t>
+            </a:r>
+            <a:endParaRPr lang="en-US" dirty="0"/>
+          </a:p>
+        </p:txBody>
+      </p:sp>
+      <p:pic>
+        <p:nvPicPr>
+          <p:cNvPr id="10242" name="Picture 2">
+            <a:extLst>
+              <a:ext uri="{FF2B5EF4-FFF2-40B4-BE49-F238E27FC236}">
+                <a16:creationId xmlns:a16="http://schemas.microsoft.com/office/drawing/2014/main" id="{B55C3246-64D1-4C61-99D3-98711391F52A}"/>
+              </a:ext>
+            </a:extLst>
+          </p:cNvPr>
+          <p:cNvPicPr>
+            <a:picLocks noChangeAspect="1" noChangeArrowheads="1"/>
+          </p:cNvPicPr>
+          <p:nvPr/>
+        </p:nvPicPr>
+        <p:blipFill>
+          <a:blip r:embed="rId2">
+            <a:extLst>
+              <a:ext uri="{28A0092B-C50C-407E-A947-70E740481C1C}">
+                <a14:useLocalDpi xmlns:a14="http://schemas.microsoft.com/office/drawing/2010/main" val="0"/>
+              </a:ext>
+            </a:extLst>
+          </a:blip>
+          <a:srcRect/>
+          <a:stretch>
+            <a:fillRect/>
+          </a:stretch>
+        </p:blipFill>
+        <p:spPr bwMode="auto">
+          <a:xfrm>
+            <a:off x="2744771" y="1283562"/>
+            <a:ext cx="5353050" cy="3048000"/>
+          </a:xfrm>
+          <a:prstGeom prst="rect">
+            <a:avLst/>
+          </a:prstGeom>
+          <a:noFill/>
+          <a:extLst>
+            <a:ext uri="{909E8E84-426E-40DD-AFC4-6F175D3DCCD1}">
+              <a14:hiddenFill xmlns:a14="http://schemas.microsoft.com/office/drawing/2010/main">
+                <a:solidFill>
+                  <a:srgbClr val="FFFFFF"/>
+                </a:solidFill>
+              </a14:hiddenFill>
+            </a:ext>
+          </a:extLst>
+        </p:spPr>
+      </p:pic>
+    </p:spTree>
+    <p:extLst>
+      <p:ext uri="{BB962C8B-B14F-4D97-AF65-F5344CB8AC3E}">
+        <p14:creationId xmlns:p14="http://schemas.microsoft.com/office/powerpoint/2010/main" val="3633984262"/>
+      </p:ext>
+    </p:extLst>
+  </p:cSld>
+  <p:clrMapOvr>
+    <a:masterClrMapping/>
+  </p:clrMapOvr>
+</p:sld>
+</file>
+
+<file path=ppt/slides/slide14.xml><?xml version="1.0" encoding="utf-8"?>
+<p:sld xmlns:a="http://schemas.openxmlformats.org/drawingml/2006/main" xmlns:r="http://schemas.openxmlformats.org/officeDocument/2006/relationships" xmlns:p="http://schemas.openxmlformats.org/presentationml/2006/main">
+  <p:cSld>
+    <p:spTree>
+      <p:nvGrpSpPr>
+        <p:cNvPr id="1" name=""/>
+        <p:cNvGrpSpPr/>
+        <p:nvPr/>
+      </p:nvGrpSpPr>
+      <p:grpSpPr>
+        <a:xfrm>
+          <a:off x="0" y="0"/>
+          <a:ext cx="0" cy="0"/>
+          <a:chOff x="0" y="0"/>
+          <a:chExt cx="0" cy="0"/>
+        </a:xfrm>
+      </p:grpSpPr>
+      <p:sp>
+        <p:nvSpPr>
+          <p:cNvPr id="2" name="Title 1">
+            <a:extLst>
+              <a:ext uri="{FF2B5EF4-FFF2-40B4-BE49-F238E27FC236}">
+                <a16:creationId xmlns:a16="http://schemas.microsoft.com/office/drawing/2014/main" id="{23D28ECE-C2BB-48F2-A9E0-4B6B98ADA180}"/>
+              </a:ext>
+            </a:extLst>
+          </p:cNvPr>
+          <p:cNvSpPr>
+            <a:spLocks noGrp="1"/>
+          </p:cNvSpPr>
+          <p:nvPr>
+            <p:ph type="title"/>
+          </p:nvPr>
+        </p:nvSpPr>
+        <p:spPr>
+          <a:xfrm>
+            <a:off x="200025" y="155576"/>
+            <a:ext cx="10515600" cy="663575"/>
+          </a:xfrm>
+        </p:spPr>
+        <p:txBody>
+          <a:bodyPr>
+            <a:normAutofit fontScale="90000"/>
+          </a:bodyPr>
+          <a:lstStyle/>
+          <a:p>
+            <a:r>
+              <a:rPr lang="en-US" dirty="0"/>
+              <a:t>Summary of the LSTM model and parameters</a:t>
+            </a:r>
+          </a:p>
+        </p:txBody>
+      </p:sp>
+      <p:pic>
+        <p:nvPicPr>
+          <p:cNvPr id="4" name="Picture 3">
+            <a:extLst>
+              <a:ext uri="{FF2B5EF4-FFF2-40B4-BE49-F238E27FC236}">
+                <a16:creationId xmlns:a16="http://schemas.microsoft.com/office/drawing/2014/main" id="{3D79D7D1-21DD-4566-84BA-98DFC4ED8CDB}"/>
+              </a:ext>
+            </a:extLst>
+          </p:cNvPr>
+          <p:cNvPicPr>
+            <a:picLocks noChangeAspect="1"/>
+          </p:cNvPicPr>
+          <p:nvPr/>
+        </p:nvPicPr>
+        <p:blipFill>
+          <a:blip r:embed="rId2"/>
+          <a:stretch>
+            <a:fillRect/>
+          </a:stretch>
+        </p:blipFill>
+        <p:spPr>
+          <a:xfrm>
+            <a:off x="2900362" y="1552238"/>
+            <a:ext cx="6234113" cy="4486611"/>
+          </a:xfrm>
+          <a:prstGeom prst="rect">
+            <a:avLst/>
+          </a:prstGeom>
+        </p:spPr>
+      </p:pic>
+    </p:spTree>
+    <p:extLst>
+      <p:ext uri="{BB962C8B-B14F-4D97-AF65-F5344CB8AC3E}">
+        <p14:creationId xmlns:p14="http://schemas.microsoft.com/office/powerpoint/2010/main" val="3214566069"/>
+      </p:ext>
+    </p:extLst>
+  </p:cSld>
+  <p:clrMapOvr>
+    <a:masterClrMapping/>
+  </p:clrMapOvr>
+</p:sld>
+</file>
+
+<file path=ppt/slides/slide15.xml><?xml version="1.0" encoding="utf-8"?>
+<p:sld xmlns:a="http://schemas.openxmlformats.org/drawingml/2006/main" xmlns:r="http://schemas.openxmlformats.org/officeDocument/2006/relationships" xmlns:p="http://schemas.openxmlformats.org/presentationml/2006/main">
+  <p:cSld>
+    <p:spTree>
+      <p:nvGrpSpPr>
+        <p:cNvPr id="1" name=""/>
+        <p:cNvGrpSpPr/>
+        <p:nvPr/>
+      </p:nvGrpSpPr>
+      <p:grpSpPr>
+        <a:xfrm>
+          <a:off x="0" y="0"/>
+          <a:ext cx="0" cy="0"/>
+          <a:chOff x="0" y="0"/>
+          <a:chExt cx="0" cy="0"/>
+        </a:xfrm>
+      </p:grpSpPr>
+      <p:sp>
+        <p:nvSpPr>
+          <p:cNvPr id="2" name="Title 1">
+            <a:extLst>
+              <a:ext uri="{FF2B5EF4-FFF2-40B4-BE49-F238E27FC236}">
+                <a16:creationId xmlns:a16="http://schemas.microsoft.com/office/drawing/2014/main" id="{C7080DE4-D539-4EDA-ACC3-651A117D2034}"/>
+              </a:ext>
+            </a:extLst>
+          </p:cNvPr>
+          <p:cNvSpPr>
+            <a:spLocks noGrp="1"/>
+          </p:cNvSpPr>
+          <p:nvPr>
+            <p:ph type="title"/>
+          </p:nvPr>
+        </p:nvSpPr>
+        <p:spPr>
+          <a:xfrm>
+            <a:off x="314325" y="107155"/>
+            <a:ext cx="10515600" cy="1325563"/>
+          </a:xfrm>
+        </p:spPr>
+        <p:txBody>
+          <a:bodyPr/>
+          <a:lstStyle/>
+          <a:p>
+            <a:r>
+              <a:rPr lang="en-US" dirty="0"/>
+              <a:t>JNJ</a:t>
+            </a:r>
+          </a:p>
+        </p:txBody>
+      </p:sp>
+      <p:pic>
+        <p:nvPicPr>
+          <p:cNvPr id="3074" name="Picture 2">
+            <a:extLst>
+              <a:ext uri="{FF2B5EF4-FFF2-40B4-BE49-F238E27FC236}">
+                <a16:creationId xmlns:a16="http://schemas.microsoft.com/office/drawing/2014/main" id="{C2DCB34D-96AD-438B-956A-BA9952FD1A22}"/>
+              </a:ext>
+            </a:extLst>
+          </p:cNvPr>
+          <p:cNvPicPr>
+            <a:picLocks noChangeAspect="1" noChangeArrowheads="1"/>
+          </p:cNvPicPr>
+          <p:nvPr/>
+        </p:nvPicPr>
+        <p:blipFill>
+          <a:blip r:embed="rId2">
+            <a:extLst>
+              <a:ext uri="{28A0092B-C50C-407E-A947-70E740481C1C}">
+                <a14:useLocalDpi xmlns:a14="http://schemas.microsoft.com/office/drawing/2010/main" val="0"/>
+              </a:ext>
+            </a:extLst>
+          </a:blip>
+          <a:srcRect/>
+          <a:stretch>
+            <a:fillRect/>
+          </a:stretch>
+        </p:blipFill>
+        <p:spPr bwMode="auto">
+          <a:xfrm>
+            <a:off x="727529" y="1432718"/>
+            <a:ext cx="5216071" cy="3505200"/>
+          </a:xfrm>
+          <a:prstGeom prst="rect">
+            <a:avLst/>
+          </a:prstGeom>
+          <a:noFill/>
+          <a:extLst>
+            <a:ext uri="{909E8E84-426E-40DD-AFC4-6F175D3DCCD1}">
+              <a14:hiddenFill xmlns:a14="http://schemas.microsoft.com/office/drawing/2010/main">
+                <a:solidFill>
+                  <a:srgbClr val="FFFFFF"/>
+                </a:solidFill>
+              </a14:hiddenFill>
+            </a:ext>
+          </a:extLst>
+        </p:spPr>
+      </p:pic>
+      <p:pic>
+        <p:nvPicPr>
+          <p:cNvPr id="3076" name="Picture 4">
+            <a:extLst>
+              <a:ext uri="{FF2B5EF4-FFF2-40B4-BE49-F238E27FC236}">
+                <a16:creationId xmlns:a16="http://schemas.microsoft.com/office/drawing/2014/main" id="{035CDAFF-40CF-4258-BD98-31005AD4F130}"/>
+              </a:ext>
+            </a:extLst>
+          </p:cNvPr>
+          <p:cNvPicPr>
+            <a:picLocks noChangeAspect="1" noChangeArrowheads="1"/>
+          </p:cNvPicPr>
+          <p:nvPr/>
+        </p:nvPicPr>
+        <p:blipFill>
+          <a:blip r:embed="rId3">
+            <a:extLst>
+              <a:ext uri="{28A0092B-C50C-407E-A947-70E740481C1C}">
+                <a14:useLocalDpi xmlns:a14="http://schemas.microsoft.com/office/drawing/2010/main" val="0"/>
+              </a:ext>
+            </a:extLst>
+          </a:blip>
+          <a:srcRect/>
+          <a:stretch>
+            <a:fillRect/>
+          </a:stretch>
+        </p:blipFill>
+        <p:spPr bwMode="auto">
+          <a:xfrm>
+            <a:off x="6248402" y="1432718"/>
+            <a:ext cx="5157788" cy="3438525"/>
+          </a:xfrm>
+          <a:prstGeom prst="rect">
+            <a:avLst/>
+          </a:prstGeom>
+          <a:noFill/>
+          <a:extLst>
+            <a:ext uri="{909E8E84-426E-40DD-AFC4-6F175D3DCCD1}">
+              <a14:hiddenFill xmlns:a14="http://schemas.microsoft.com/office/drawing/2010/main">
+                <a:solidFill>
+                  <a:srgbClr val="FFFFFF"/>
+                </a:solidFill>
+              </a14:hiddenFill>
+            </a:ext>
+          </a:extLst>
+        </p:spPr>
+      </p:pic>
+      <p:sp>
+        <p:nvSpPr>
+          <p:cNvPr id="4" name="TextBox 3">
+            <a:extLst>
+              <a:ext uri="{FF2B5EF4-FFF2-40B4-BE49-F238E27FC236}">
+                <a16:creationId xmlns:a16="http://schemas.microsoft.com/office/drawing/2014/main" id="{7A4BAC5B-4341-418D-9230-D2EACC4EFC5B}"/>
+              </a:ext>
+            </a:extLst>
+          </p:cNvPr>
+          <p:cNvSpPr txBox="1"/>
+          <p:nvPr/>
+        </p:nvSpPr>
+        <p:spPr>
+          <a:xfrm>
+            <a:off x="1466850" y="5524500"/>
+            <a:ext cx="3981450" cy="646331"/>
+          </a:xfrm>
+          <a:prstGeom prst="rect">
+            <a:avLst/>
+          </a:prstGeom>
+          <a:noFill/>
+        </p:spPr>
+        <p:txBody>
+          <a:bodyPr wrap="square" rtlCol="0">
+            <a:spAutoFit/>
+          </a:bodyPr>
+          <a:lstStyle/>
+          <a:p>
+            <a:r>
+              <a:rPr lang="en-US" dirty="0"/>
+              <a:t>Time series data from 2005 to 2019 (training data )</a:t>
+            </a:r>
+          </a:p>
+        </p:txBody>
+      </p:sp>
+      <p:sp>
+        <p:nvSpPr>
+          <p:cNvPr id="7" name="TextBox 6">
+            <a:extLst>
+              <a:ext uri="{FF2B5EF4-FFF2-40B4-BE49-F238E27FC236}">
+                <a16:creationId xmlns:a16="http://schemas.microsoft.com/office/drawing/2014/main" id="{698408CE-ABCF-466E-B03E-39848B5A8D10}"/>
+              </a:ext>
+            </a:extLst>
+          </p:cNvPr>
+          <p:cNvSpPr txBox="1"/>
+          <p:nvPr/>
+        </p:nvSpPr>
+        <p:spPr>
+          <a:xfrm>
+            <a:off x="7234237" y="5425282"/>
+            <a:ext cx="3981450" cy="1200329"/>
+          </a:xfrm>
+          <a:prstGeom prst="rect">
+            <a:avLst/>
+          </a:prstGeom>
+          <a:noFill/>
+        </p:spPr>
+        <p:txBody>
+          <a:bodyPr wrap="square" rtlCol="0">
+            <a:spAutoFit/>
+          </a:bodyPr>
+          <a:lstStyle/>
+          <a:p>
+            <a:r>
+              <a:rPr lang="en-US" dirty="0"/>
+              <a:t>Time series data from for the 5 months of 2020(test data). Red line shows the predicted stock prices using LSTM model</a:t>
+            </a:r>
+          </a:p>
+          <a:p>
+            <a:endParaRPr lang="en-US" dirty="0"/>
+          </a:p>
+        </p:txBody>
+      </p:sp>
+    </p:spTree>
+    <p:extLst>
+      <p:ext uri="{BB962C8B-B14F-4D97-AF65-F5344CB8AC3E}">
+        <p14:creationId xmlns:p14="http://schemas.microsoft.com/office/powerpoint/2010/main" val="1838918681"/>
+      </p:ext>
+    </p:extLst>
+  </p:cSld>
+  <p:clrMapOvr>
+    <a:masterClrMapping/>
+  </p:clrMapOvr>
+</p:sld>
+</file>
+
+<file path=ppt/slides/slide16.xml><?xml version="1.0" encoding="utf-8"?>
+<p:sld xmlns:a="http://schemas.openxmlformats.org/drawingml/2006/main" xmlns:r="http://schemas.openxmlformats.org/officeDocument/2006/relationships" xmlns:p="http://schemas.openxmlformats.org/presentationml/2006/main">
+  <p:cSld>
+    <p:spTree>
+      <p:nvGrpSpPr>
+        <p:cNvPr id="1" name=""/>
+        <p:cNvGrpSpPr/>
+        <p:nvPr/>
+      </p:nvGrpSpPr>
+      <p:grpSpPr>
+        <a:xfrm>
+          <a:off x="0" y="0"/>
+          <a:ext cx="0" cy="0"/>
+          <a:chOff x="0" y="0"/>
+          <a:chExt cx="0" cy="0"/>
+        </a:xfrm>
+      </p:grpSpPr>
+      <p:sp>
+        <p:nvSpPr>
+          <p:cNvPr id="2" name="Title 1">
+            <a:extLst>
+              <a:ext uri="{FF2B5EF4-FFF2-40B4-BE49-F238E27FC236}">
+                <a16:creationId xmlns:a16="http://schemas.microsoft.com/office/drawing/2014/main" id="{24EBA15A-6E79-40D2-8303-192C3BFC04D1}"/>
+              </a:ext>
+            </a:extLst>
+          </p:cNvPr>
+          <p:cNvSpPr>
+            <a:spLocks noGrp="1"/>
+          </p:cNvSpPr>
+          <p:nvPr>
+            <p:ph type="title"/>
+          </p:nvPr>
+        </p:nvSpPr>
+        <p:spPr/>
+        <p:txBody>
+          <a:bodyPr/>
+          <a:lstStyle/>
+          <a:p>
+            <a:r>
+              <a:rPr lang="en-US" dirty="0"/>
+              <a:t>AMGN</a:t>
+            </a:r>
+          </a:p>
+        </p:txBody>
+      </p:sp>
+      <p:pic>
+        <p:nvPicPr>
+          <p:cNvPr id="4098" name="Picture 2">
+            <a:extLst>
+              <a:ext uri="{FF2B5EF4-FFF2-40B4-BE49-F238E27FC236}">
+                <a16:creationId xmlns:a16="http://schemas.microsoft.com/office/drawing/2014/main" id="{D12654C1-E0E8-4982-AE12-A035AB0BB87B}"/>
+              </a:ext>
+            </a:extLst>
+          </p:cNvPr>
+          <p:cNvPicPr>
+            <a:picLocks noChangeAspect="1" noChangeArrowheads="1"/>
+          </p:cNvPicPr>
+          <p:nvPr/>
+        </p:nvPicPr>
+        <p:blipFill>
+          <a:blip r:embed="rId2">
+            <a:extLst>
+              <a:ext uri="{28A0092B-C50C-407E-A947-70E740481C1C}">
+                <a14:useLocalDpi xmlns:a14="http://schemas.microsoft.com/office/drawing/2010/main" val="0"/>
+              </a:ext>
+            </a:extLst>
+          </a:blip>
+          <a:srcRect/>
+          <a:stretch>
+            <a:fillRect/>
+          </a:stretch>
+        </p:blipFill>
+        <p:spPr bwMode="auto">
+          <a:xfrm>
+            <a:off x="766763" y="1857375"/>
+            <a:ext cx="5329464" cy="3581400"/>
+          </a:xfrm>
+          <a:prstGeom prst="rect">
+            <a:avLst/>
+          </a:prstGeom>
+          <a:noFill/>
+          <a:extLst>
+            <a:ext uri="{909E8E84-426E-40DD-AFC4-6F175D3DCCD1}">
+              <a14:hiddenFill xmlns:a14="http://schemas.microsoft.com/office/drawing/2010/main">
+                <a:solidFill>
+                  <a:srgbClr val="FFFFFF"/>
+                </a:solidFill>
+              </a14:hiddenFill>
+            </a:ext>
+          </a:extLst>
+        </p:spPr>
+      </p:pic>
+      <p:pic>
+        <p:nvPicPr>
+          <p:cNvPr id="4100" name="Picture 4">
+            <a:extLst>
+              <a:ext uri="{FF2B5EF4-FFF2-40B4-BE49-F238E27FC236}">
+                <a16:creationId xmlns:a16="http://schemas.microsoft.com/office/drawing/2014/main" id="{E3BCD134-DC1E-438F-BDEC-4FC4CDBAAF7E}"/>
+              </a:ext>
+            </a:extLst>
+          </p:cNvPr>
+          <p:cNvPicPr>
+            <a:picLocks noChangeAspect="1" noChangeArrowheads="1"/>
+          </p:cNvPicPr>
+          <p:nvPr/>
+        </p:nvPicPr>
+        <p:blipFill>
+          <a:blip r:embed="rId3">
+            <a:extLst>
+              <a:ext uri="{28A0092B-C50C-407E-A947-70E740481C1C}">
+                <a14:useLocalDpi xmlns:a14="http://schemas.microsoft.com/office/drawing/2010/main" val="0"/>
+              </a:ext>
+            </a:extLst>
+          </a:blip>
+          <a:srcRect/>
+          <a:stretch>
+            <a:fillRect/>
+          </a:stretch>
+        </p:blipFill>
+        <p:spPr bwMode="auto">
+          <a:xfrm>
+            <a:off x="6267450" y="1771650"/>
+            <a:ext cx="5500688" cy="3667125"/>
+          </a:xfrm>
+          <a:prstGeom prst="rect">
+            <a:avLst/>
+          </a:prstGeom>
+          <a:noFill/>
+          <a:extLst>
+            <a:ext uri="{909E8E84-426E-40DD-AFC4-6F175D3DCCD1}">
+              <a14:hiddenFill xmlns:a14="http://schemas.microsoft.com/office/drawing/2010/main">
+                <a:solidFill>
+                  <a:srgbClr val="FFFFFF"/>
+                </a:solidFill>
+              </a14:hiddenFill>
+            </a:ext>
+          </a:extLst>
+        </p:spPr>
+      </p:pic>
+      <p:sp>
+        <p:nvSpPr>
+          <p:cNvPr id="6" name="TextBox 5">
+            <a:extLst>
+              <a:ext uri="{FF2B5EF4-FFF2-40B4-BE49-F238E27FC236}">
+                <a16:creationId xmlns:a16="http://schemas.microsoft.com/office/drawing/2014/main" id="{87A6A2EB-665B-4011-B349-53014402671E}"/>
+              </a:ext>
+            </a:extLst>
+          </p:cNvPr>
+          <p:cNvSpPr txBox="1"/>
+          <p:nvPr/>
+        </p:nvSpPr>
+        <p:spPr>
+          <a:xfrm>
+            <a:off x="1466850" y="5524500"/>
+            <a:ext cx="3981450" cy="646331"/>
+          </a:xfrm>
+          <a:prstGeom prst="rect">
+            <a:avLst/>
+          </a:prstGeom>
+          <a:noFill/>
+        </p:spPr>
+        <p:txBody>
+          <a:bodyPr wrap="square" rtlCol="0">
+            <a:spAutoFit/>
+          </a:bodyPr>
+          <a:lstStyle/>
+          <a:p>
+            <a:r>
+              <a:rPr lang="en-US" dirty="0"/>
+              <a:t>Time series data from 2005 to 2019 (training data )</a:t>
+            </a:r>
+          </a:p>
+        </p:txBody>
+      </p:sp>
+      <p:sp>
+        <p:nvSpPr>
+          <p:cNvPr id="7" name="TextBox 6">
+            <a:extLst>
+              <a:ext uri="{FF2B5EF4-FFF2-40B4-BE49-F238E27FC236}">
+                <a16:creationId xmlns:a16="http://schemas.microsoft.com/office/drawing/2014/main" id="{21314B76-7A9D-4E33-8DE7-9410AABDAFAB}"/>
+              </a:ext>
+            </a:extLst>
+          </p:cNvPr>
+          <p:cNvSpPr txBox="1"/>
+          <p:nvPr/>
+        </p:nvSpPr>
+        <p:spPr>
+          <a:xfrm>
+            <a:off x="7234237" y="5425282"/>
+            <a:ext cx="3981450" cy="1200329"/>
+          </a:xfrm>
+          <a:prstGeom prst="rect">
+            <a:avLst/>
+          </a:prstGeom>
+          <a:noFill/>
+        </p:spPr>
+        <p:txBody>
+          <a:bodyPr wrap="square" rtlCol="0">
+            <a:spAutoFit/>
+          </a:bodyPr>
+          <a:lstStyle/>
+          <a:p>
+            <a:r>
+              <a:rPr lang="en-US" dirty="0"/>
+              <a:t>Time series data from for the 5 months of 2020(test data). Red line shows the predicted stock prices using LSTM model</a:t>
+            </a:r>
+          </a:p>
+          <a:p>
+            <a:endParaRPr lang="en-US" dirty="0"/>
+          </a:p>
+        </p:txBody>
+      </p:sp>
+    </p:spTree>
+    <p:extLst>
+      <p:ext uri="{BB962C8B-B14F-4D97-AF65-F5344CB8AC3E}">
+        <p14:creationId xmlns:p14="http://schemas.microsoft.com/office/powerpoint/2010/main" val="391532674"/>
+      </p:ext>
+    </p:extLst>
+  </p:cSld>
+  <p:clrMapOvr>
+    <a:masterClrMapping/>
+  </p:clrMapOvr>
+</p:sld>
+</file>
+
+<file path=ppt/slides/slide17.xml><?xml version="1.0" encoding="utf-8"?>
+<p:sld xmlns:a="http://schemas.openxmlformats.org/drawingml/2006/main" xmlns:r="http://schemas.openxmlformats.org/officeDocument/2006/relationships" xmlns:p="http://schemas.openxmlformats.org/presentationml/2006/main">
+  <p:cSld>
+    <p:spTree>
+      <p:nvGrpSpPr>
+        <p:cNvPr id="1" name=""/>
+        <p:cNvGrpSpPr/>
+        <p:nvPr/>
+      </p:nvGrpSpPr>
+      <p:grpSpPr>
+        <a:xfrm>
+          <a:off x="0" y="0"/>
+          <a:ext cx="0" cy="0"/>
+          <a:chOff x="0" y="0"/>
+          <a:chExt cx="0" cy="0"/>
+        </a:xfrm>
+      </p:grpSpPr>
+      <p:sp>
+        <p:nvSpPr>
+          <p:cNvPr id="2" name="Title 1">
+            <a:extLst>
+              <a:ext uri="{FF2B5EF4-FFF2-40B4-BE49-F238E27FC236}">
+                <a16:creationId xmlns:a16="http://schemas.microsoft.com/office/drawing/2014/main" id="{7447C50A-B8E1-4B24-806D-A2370BB2C4DB}"/>
+              </a:ext>
+            </a:extLst>
+          </p:cNvPr>
+          <p:cNvSpPr>
+            <a:spLocks noGrp="1"/>
+          </p:cNvSpPr>
+          <p:nvPr>
+            <p:ph type="title"/>
+          </p:nvPr>
+        </p:nvSpPr>
+        <p:spPr/>
+        <p:txBody>
+          <a:bodyPr/>
+          <a:lstStyle/>
+          <a:p>
+            <a:r>
+              <a:rPr lang="en-US" dirty="0"/>
+              <a:t>UNH</a:t>
+            </a:r>
+          </a:p>
+        </p:txBody>
+      </p:sp>
+      <p:pic>
+        <p:nvPicPr>
+          <p:cNvPr id="5122" name="Picture 2">
+            <a:extLst>
+              <a:ext uri="{FF2B5EF4-FFF2-40B4-BE49-F238E27FC236}">
+                <a16:creationId xmlns:a16="http://schemas.microsoft.com/office/drawing/2014/main" id="{08589E19-32C7-4609-A57F-073B81F77714}"/>
+              </a:ext>
+            </a:extLst>
+          </p:cNvPr>
+          <p:cNvPicPr>
+            <a:picLocks noChangeAspect="1" noChangeArrowheads="1"/>
+          </p:cNvPicPr>
+          <p:nvPr/>
+        </p:nvPicPr>
+        <p:blipFill>
+          <a:blip r:embed="rId2">
+            <a:extLst>
+              <a:ext uri="{28A0092B-C50C-407E-A947-70E740481C1C}">
+                <a14:useLocalDpi xmlns:a14="http://schemas.microsoft.com/office/drawing/2010/main" val="0"/>
+              </a:ext>
+            </a:extLst>
+          </a:blip>
+          <a:srcRect/>
+          <a:stretch>
+            <a:fillRect/>
+          </a:stretch>
+        </p:blipFill>
+        <p:spPr bwMode="auto">
+          <a:xfrm>
+            <a:off x="1119188" y="2019300"/>
+            <a:ext cx="4329112" cy="2909163"/>
+          </a:xfrm>
+          <a:prstGeom prst="rect">
+            <a:avLst/>
+          </a:prstGeom>
+          <a:noFill/>
+          <a:extLst>
+            <a:ext uri="{909E8E84-426E-40DD-AFC4-6F175D3DCCD1}">
+              <a14:hiddenFill xmlns:a14="http://schemas.microsoft.com/office/drawing/2010/main">
+                <a:solidFill>
+                  <a:srgbClr val="FFFFFF"/>
+                </a:solidFill>
+              </a14:hiddenFill>
+            </a:ext>
+          </a:extLst>
+        </p:spPr>
+      </p:pic>
+      <p:pic>
+        <p:nvPicPr>
+          <p:cNvPr id="5124" name="Picture 4">
+            <a:extLst>
+              <a:ext uri="{FF2B5EF4-FFF2-40B4-BE49-F238E27FC236}">
+                <a16:creationId xmlns:a16="http://schemas.microsoft.com/office/drawing/2014/main" id="{013CD766-FD07-4BBD-827F-C8E3344B48F6}"/>
+              </a:ext>
+            </a:extLst>
+          </p:cNvPr>
+          <p:cNvPicPr>
+            <a:picLocks noChangeAspect="1" noChangeArrowheads="1"/>
+          </p:cNvPicPr>
+          <p:nvPr/>
+        </p:nvPicPr>
+        <p:blipFill>
+          <a:blip r:embed="rId3">
+            <a:extLst>
+              <a:ext uri="{28A0092B-C50C-407E-A947-70E740481C1C}">
+                <a14:useLocalDpi xmlns:a14="http://schemas.microsoft.com/office/drawing/2010/main" val="0"/>
+              </a:ext>
+            </a:extLst>
+          </a:blip>
+          <a:srcRect/>
+          <a:stretch>
+            <a:fillRect/>
+          </a:stretch>
+        </p:blipFill>
+        <p:spPr bwMode="auto">
+          <a:xfrm>
+            <a:off x="6638924" y="1974418"/>
+            <a:ext cx="4363745" cy="2909163"/>
+          </a:xfrm>
+          <a:prstGeom prst="rect">
+            <a:avLst/>
+          </a:prstGeom>
+          <a:noFill/>
+          <a:extLst>
+            <a:ext uri="{909E8E84-426E-40DD-AFC4-6F175D3DCCD1}">
+              <a14:hiddenFill xmlns:a14="http://schemas.microsoft.com/office/drawing/2010/main">
+                <a:solidFill>
+                  <a:srgbClr val="FFFFFF"/>
+                </a:solidFill>
+              </a14:hiddenFill>
+            </a:ext>
+          </a:extLst>
+        </p:spPr>
+      </p:pic>
+      <p:sp>
+        <p:nvSpPr>
+          <p:cNvPr id="6" name="TextBox 5">
+            <a:extLst>
+              <a:ext uri="{FF2B5EF4-FFF2-40B4-BE49-F238E27FC236}">
+                <a16:creationId xmlns:a16="http://schemas.microsoft.com/office/drawing/2014/main" id="{172F4B2A-BB48-4DBC-A338-4C53AF69C070}"/>
+              </a:ext>
+            </a:extLst>
+          </p:cNvPr>
+          <p:cNvSpPr txBox="1"/>
+          <p:nvPr/>
+        </p:nvSpPr>
+        <p:spPr>
+          <a:xfrm>
+            <a:off x="1466850" y="5524500"/>
+            <a:ext cx="3981450" cy="646331"/>
+          </a:xfrm>
+          <a:prstGeom prst="rect">
+            <a:avLst/>
+          </a:prstGeom>
+          <a:noFill/>
+        </p:spPr>
+        <p:txBody>
+          <a:bodyPr wrap="square" rtlCol="0">
+            <a:spAutoFit/>
+          </a:bodyPr>
+          <a:lstStyle/>
+          <a:p>
+            <a:r>
+              <a:rPr lang="en-US" dirty="0"/>
+              <a:t>Time series data from 2005 to 2019 (training data )</a:t>
+            </a:r>
+          </a:p>
+        </p:txBody>
+      </p:sp>
+      <p:sp>
+        <p:nvSpPr>
+          <p:cNvPr id="7" name="TextBox 6">
+            <a:extLst>
+              <a:ext uri="{FF2B5EF4-FFF2-40B4-BE49-F238E27FC236}">
+                <a16:creationId xmlns:a16="http://schemas.microsoft.com/office/drawing/2014/main" id="{6E757509-213D-4E14-B4CC-68AEB10ECD24}"/>
+              </a:ext>
+            </a:extLst>
+          </p:cNvPr>
+          <p:cNvSpPr txBox="1"/>
+          <p:nvPr/>
+        </p:nvSpPr>
+        <p:spPr>
+          <a:xfrm>
+            <a:off x="7234237" y="5425282"/>
+            <a:ext cx="3981450" cy="1200329"/>
+          </a:xfrm>
+          <a:prstGeom prst="rect">
+            <a:avLst/>
+          </a:prstGeom>
+          <a:noFill/>
+        </p:spPr>
+        <p:txBody>
+          <a:bodyPr wrap="square" rtlCol="0">
+            <a:spAutoFit/>
+          </a:bodyPr>
+          <a:lstStyle/>
+          <a:p>
+            <a:r>
+              <a:rPr lang="en-US" dirty="0"/>
+              <a:t>Time series data from for the 5 months of 2020(test data). Red line shows the predicted stock prices using LSTM model</a:t>
+            </a:r>
+          </a:p>
+          <a:p>
+            <a:endParaRPr lang="en-US" dirty="0"/>
+          </a:p>
+        </p:txBody>
+      </p:sp>
+    </p:spTree>
+    <p:extLst>
+      <p:ext uri="{BB962C8B-B14F-4D97-AF65-F5344CB8AC3E}">
+        <p14:creationId xmlns:p14="http://schemas.microsoft.com/office/powerpoint/2010/main" val="2381174305"/>
+      </p:ext>
+    </p:extLst>
+  </p:cSld>
+  <p:clrMapOvr>
+    <a:masterClrMapping/>
+  </p:clrMapOvr>
+</p:sld>
+</file>
+
+<file path=ppt/slides/slide18.xml><?xml version="1.0" encoding="utf-8"?>
+<p:sld xmlns:a="http://schemas.openxmlformats.org/drawingml/2006/main" xmlns:r="http://schemas.openxmlformats.org/officeDocument/2006/relationships" xmlns:p="http://schemas.openxmlformats.org/presentationml/2006/main">
+  <p:cSld>
+    <p:spTree>
+      <p:nvGrpSpPr>
+        <p:cNvPr id="1" name=""/>
+        <p:cNvGrpSpPr/>
+        <p:nvPr/>
+      </p:nvGrpSpPr>
+      <p:grpSpPr>
+        <a:xfrm>
+          <a:off x="0" y="0"/>
+          <a:ext cx="0" cy="0"/>
+          <a:chOff x="0" y="0"/>
+          <a:chExt cx="0" cy="0"/>
+        </a:xfrm>
+      </p:grpSpPr>
+      <p:sp>
+        <p:nvSpPr>
+          <p:cNvPr id="2" name="Title 1">
+            <a:extLst>
+              <a:ext uri="{FF2B5EF4-FFF2-40B4-BE49-F238E27FC236}">
+                <a16:creationId xmlns:a16="http://schemas.microsoft.com/office/drawing/2014/main" id="{291EA950-5C87-499E-A65A-8BB0B8E577F4}"/>
+              </a:ext>
+            </a:extLst>
+          </p:cNvPr>
+          <p:cNvSpPr>
+            <a:spLocks noGrp="1"/>
+          </p:cNvSpPr>
+          <p:nvPr>
+            <p:ph type="title"/>
+          </p:nvPr>
+        </p:nvSpPr>
+        <p:spPr/>
+        <p:txBody>
+          <a:bodyPr/>
+          <a:lstStyle/>
+          <a:p>
+            <a:r>
+              <a:rPr lang="en-US" dirty="0"/>
+              <a:t>PM</a:t>
+            </a:r>
+          </a:p>
+        </p:txBody>
+      </p:sp>
+      <p:pic>
+        <p:nvPicPr>
+          <p:cNvPr id="6146" name="Picture 2">
+            <a:extLst>
+              <a:ext uri="{FF2B5EF4-FFF2-40B4-BE49-F238E27FC236}">
+                <a16:creationId xmlns:a16="http://schemas.microsoft.com/office/drawing/2014/main" id="{A762D9FF-EB80-48DA-BA7D-B35FB53BAA71}"/>
+              </a:ext>
+            </a:extLst>
+          </p:cNvPr>
+          <p:cNvPicPr>
+            <a:picLocks noGrp="1" noChangeAspect="1" noChangeArrowheads="1"/>
+          </p:cNvPicPr>
+          <p:nvPr>
+            <p:ph idx="1"/>
+          </p:nvPr>
+        </p:nvPicPr>
+        <p:blipFill>
+          <a:blip r:embed="rId2">
+            <a:extLst>
+              <a:ext uri="{28A0092B-C50C-407E-A947-70E740481C1C}">
+                <a14:useLocalDpi xmlns:a14="http://schemas.microsoft.com/office/drawing/2010/main" val="0"/>
+              </a:ext>
+            </a:extLst>
+          </a:blip>
+          <a:srcRect/>
+          <a:stretch>
+            <a:fillRect/>
+          </a:stretch>
+        </p:blipFill>
+        <p:spPr bwMode="auto">
+          <a:xfrm>
+            <a:off x="1399632" y="2134029"/>
+            <a:ext cx="4763585" cy="3201129"/>
+          </a:xfrm>
+          <a:prstGeom prst="rect">
+            <a:avLst/>
+          </a:prstGeom>
+          <a:noFill/>
+          <a:extLst>
+            <a:ext uri="{909E8E84-426E-40DD-AFC4-6F175D3DCCD1}">
+              <a14:hiddenFill xmlns:a14="http://schemas.microsoft.com/office/drawing/2010/main">
+                <a:solidFill>
+                  <a:srgbClr val="FFFFFF"/>
+                </a:solidFill>
+              </a14:hiddenFill>
+            </a:ext>
+          </a:extLst>
+        </p:spPr>
+      </p:pic>
+      <p:pic>
+        <p:nvPicPr>
+          <p:cNvPr id="6148" name="Picture 4">
+            <a:extLst>
+              <a:ext uri="{FF2B5EF4-FFF2-40B4-BE49-F238E27FC236}">
+                <a16:creationId xmlns:a16="http://schemas.microsoft.com/office/drawing/2014/main" id="{906BE169-5BFF-4291-AE75-8DF337FDF73D}"/>
+              </a:ext>
+            </a:extLst>
+          </p:cNvPr>
+          <p:cNvPicPr>
+            <a:picLocks noChangeAspect="1" noChangeArrowheads="1"/>
+          </p:cNvPicPr>
+          <p:nvPr/>
+        </p:nvPicPr>
+        <p:blipFill>
+          <a:blip r:embed="rId3">
+            <a:extLst>
+              <a:ext uri="{28A0092B-C50C-407E-A947-70E740481C1C}">
+                <a14:useLocalDpi xmlns:a14="http://schemas.microsoft.com/office/drawing/2010/main" val="0"/>
+              </a:ext>
+            </a:extLst>
+          </a:blip>
+          <a:srcRect/>
+          <a:stretch>
+            <a:fillRect/>
+          </a:stretch>
+        </p:blipFill>
+        <p:spPr bwMode="auto">
+          <a:xfrm>
+            <a:off x="6505575" y="2134028"/>
+            <a:ext cx="4725476" cy="3201129"/>
+          </a:xfrm>
+          <a:prstGeom prst="rect">
+            <a:avLst/>
+          </a:prstGeom>
+          <a:noFill/>
+          <a:extLst>
+            <a:ext uri="{909E8E84-426E-40DD-AFC4-6F175D3DCCD1}">
+              <a14:hiddenFill xmlns:a14="http://schemas.microsoft.com/office/drawing/2010/main">
+                <a:solidFill>
+                  <a:srgbClr val="FFFFFF"/>
+                </a:solidFill>
+              </a14:hiddenFill>
+            </a:ext>
+          </a:extLst>
+        </p:spPr>
+      </p:pic>
+      <p:sp>
+        <p:nvSpPr>
+          <p:cNvPr id="6" name="TextBox 5">
+            <a:extLst>
+              <a:ext uri="{FF2B5EF4-FFF2-40B4-BE49-F238E27FC236}">
+                <a16:creationId xmlns:a16="http://schemas.microsoft.com/office/drawing/2014/main" id="{29D3AD1C-0E6E-43A4-AD2B-C3D4C97B0B19}"/>
+              </a:ext>
+            </a:extLst>
+          </p:cNvPr>
+          <p:cNvSpPr txBox="1"/>
+          <p:nvPr/>
+        </p:nvSpPr>
+        <p:spPr>
+          <a:xfrm>
+            <a:off x="1466850" y="5524500"/>
+            <a:ext cx="3981450" cy="646331"/>
+          </a:xfrm>
+          <a:prstGeom prst="rect">
+            <a:avLst/>
+          </a:prstGeom>
+          <a:noFill/>
+        </p:spPr>
+        <p:txBody>
+          <a:bodyPr wrap="square" rtlCol="0">
+            <a:spAutoFit/>
+          </a:bodyPr>
+          <a:lstStyle/>
+          <a:p>
+            <a:r>
+              <a:rPr lang="en-US" dirty="0"/>
+              <a:t>Time series data from 2005 to 2019 (training data )</a:t>
+            </a:r>
+          </a:p>
+        </p:txBody>
+      </p:sp>
+      <p:sp>
+        <p:nvSpPr>
+          <p:cNvPr id="7" name="TextBox 6">
+            <a:extLst>
+              <a:ext uri="{FF2B5EF4-FFF2-40B4-BE49-F238E27FC236}">
+                <a16:creationId xmlns:a16="http://schemas.microsoft.com/office/drawing/2014/main" id="{011B9305-6C8E-4A16-A1DA-DF6236B22F2F}"/>
+              </a:ext>
+            </a:extLst>
+          </p:cNvPr>
+          <p:cNvSpPr txBox="1"/>
+          <p:nvPr/>
+        </p:nvSpPr>
+        <p:spPr>
+          <a:xfrm>
+            <a:off x="7234237" y="5425282"/>
+            <a:ext cx="3981450" cy="1200329"/>
+          </a:xfrm>
+          <a:prstGeom prst="rect">
+            <a:avLst/>
+          </a:prstGeom>
+          <a:noFill/>
+        </p:spPr>
+        <p:txBody>
+          <a:bodyPr wrap="square" rtlCol="0">
+            <a:spAutoFit/>
+          </a:bodyPr>
+          <a:lstStyle/>
+          <a:p>
+            <a:r>
+              <a:rPr lang="en-US" dirty="0"/>
+              <a:t>Time series data from for the 5 months of 2020(test data). Red line shows the predicted stock prices using LSTM model</a:t>
+            </a:r>
+          </a:p>
+          <a:p>
+            <a:endParaRPr lang="en-US" dirty="0"/>
+          </a:p>
+        </p:txBody>
+      </p:sp>
+    </p:spTree>
+    <p:extLst>
+      <p:ext uri="{BB962C8B-B14F-4D97-AF65-F5344CB8AC3E}">
+        <p14:creationId xmlns:p14="http://schemas.microsoft.com/office/powerpoint/2010/main" val="734171011"/>
+      </p:ext>
+    </p:extLst>
+  </p:cSld>
+  <p:clrMapOvr>
+    <a:masterClrMapping/>
+  </p:clrMapOvr>
+</p:sld>
+</file>
+
+<file path=ppt/slides/slide19.xml><?xml version="1.0" encoding="utf-8"?>
+<p:sld xmlns:a="http://schemas.openxmlformats.org/drawingml/2006/main" xmlns:r="http://schemas.openxmlformats.org/officeDocument/2006/relationships" xmlns:p="http://schemas.openxmlformats.org/presentationml/2006/main">
+  <p:cSld>
+    <p:spTree>
+      <p:nvGrpSpPr>
+        <p:cNvPr id="1" name=""/>
+        <p:cNvGrpSpPr/>
+        <p:nvPr/>
+      </p:nvGrpSpPr>
+      <p:grpSpPr>
+        <a:xfrm>
+          <a:off x="0" y="0"/>
+          <a:ext cx="0" cy="0"/>
+          <a:chOff x="0" y="0"/>
+          <a:chExt cx="0" cy="0"/>
+        </a:xfrm>
+      </p:grpSpPr>
+      <p:sp>
+        <p:nvSpPr>
+          <p:cNvPr id="2" name="Title 1">
+            <a:extLst>
+              <a:ext uri="{FF2B5EF4-FFF2-40B4-BE49-F238E27FC236}">
+                <a16:creationId xmlns:a16="http://schemas.microsoft.com/office/drawing/2014/main" id="{291EA950-5C87-499E-A65A-8BB0B8E577F4}"/>
+              </a:ext>
+            </a:extLst>
+          </p:cNvPr>
+          <p:cNvSpPr>
+            <a:spLocks noGrp="1"/>
+          </p:cNvSpPr>
+          <p:nvPr>
+            <p:ph type="title"/>
+          </p:nvPr>
+        </p:nvSpPr>
+        <p:spPr>
+          <a:xfrm>
+            <a:off x="343985" y="83709"/>
+            <a:ext cx="10515600" cy="640191"/>
+          </a:xfrm>
+        </p:spPr>
+        <p:txBody>
+          <a:bodyPr>
+            <a:normAutofit fontScale="90000"/>
+          </a:bodyPr>
+          <a:lstStyle/>
+          <a:p>
+            <a:r>
+              <a:rPr lang="en-US" dirty="0"/>
+              <a:t>SPY</a:t>
+            </a:r>
+          </a:p>
+        </p:txBody>
+      </p:sp>
+      <p:pic>
+        <p:nvPicPr>
+          <p:cNvPr id="7170" name="Picture 2">
+            <a:extLst>
+              <a:ext uri="{FF2B5EF4-FFF2-40B4-BE49-F238E27FC236}">
+                <a16:creationId xmlns:a16="http://schemas.microsoft.com/office/drawing/2014/main" id="{AAF4236C-AE5A-465C-851F-6B2EDEC6CDF8}"/>
+              </a:ext>
+            </a:extLst>
+          </p:cNvPr>
+          <p:cNvPicPr>
+            <a:picLocks noChangeAspect="1" noChangeArrowheads="1"/>
+          </p:cNvPicPr>
+          <p:nvPr/>
+        </p:nvPicPr>
+        <p:blipFill>
+          <a:blip r:embed="rId2">
+            <a:extLst>
+              <a:ext uri="{28A0092B-C50C-407E-A947-70E740481C1C}">
+                <a14:useLocalDpi xmlns:a14="http://schemas.microsoft.com/office/drawing/2010/main" val="0"/>
+              </a:ext>
+            </a:extLst>
+          </a:blip>
+          <a:srcRect/>
+          <a:stretch>
+            <a:fillRect/>
+          </a:stretch>
+        </p:blipFill>
+        <p:spPr bwMode="auto">
+          <a:xfrm>
+            <a:off x="684715" y="1724453"/>
+            <a:ext cx="4763585" cy="3201129"/>
+          </a:xfrm>
+          <a:prstGeom prst="rect">
+            <a:avLst/>
+          </a:prstGeom>
+          <a:noFill/>
+          <a:extLst>
+            <a:ext uri="{909E8E84-426E-40DD-AFC4-6F175D3DCCD1}">
+              <a14:hiddenFill xmlns:a14="http://schemas.microsoft.com/office/drawing/2010/main">
+                <a:solidFill>
+                  <a:srgbClr val="FFFFFF"/>
+                </a:solidFill>
+              </a14:hiddenFill>
+            </a:ext>
+          </a:extLst>
+        </p:spPr>
+      </p:pic>
+      <p:pic>
+        <p:nvPicPr>
+          <p:cNvPr id="7172" name="Picture 4">
+            <a:extLst>
+              <a:ext uri="{FF2B5EF4-FFF2-40B4-BE49-F238E27FC236}">
+                <a16:creationId xmlns:a16="http://schemas.microsoft.com/office/drawing/2014/main" id="{2374D0D1-2592-4B45-B8B4-1900EA91B404}"/>
+              </a:ext>
+            </a:extLst>
+          </p:cNvPr>
+          <p:cNvPicPr>
+            <a:picLocks noChangeAspect="1" noChangeArrowheads="1"/>
+          </p:cNvPicPr>
+          <p:nvPr/>
+        </p:nvPicPr>
+        <p:blipFill>
+          <a:blip r:embed="rId3">
+            <a:extLst>
+              <a:ext uri="{28A0092B-C50C-407E-A947-70E740481C1C}">
+                <a14:useLocalDpi xmlns:a14="http://schemas.microsoft.com/office/drawing/2010/main" val="0"/>
+              </a:ext>
+            </a:extLst>
+          </a:blip>
+          <a:srcRect/>
+          <a:stretch>
+            <a:fillRect/>
+          </a:stretch>
+        </p:blipFill>
+        <p:spPr bwMode="auto">
+          <a:xfrm>
+            <a:off x="5887535" y="1667667"/>
+            <a:ext cx="4972050" cy="3314700"/>
+          </a:xfrm>
+          <a:prstGeom prst="rect">
+            <a:avLst/>
+          </a:prstGeom>
+          <a:noFill/>
+          <a:extLst>
+            <a:ext uri="{909E8E84-426E-40DD-AFC4-6F175D3DCCD1}">
+              <a14:hiddenFill xmlns:a14="http://schemas.microsoft.com/office/drawing/2010/main">
+                <a:solidFill>
+                  <a:srgbClr val="FFFFFF"/>
+                </a:solidFill>
+              </a14:hiddenFill>
+            </a:ext>
+          </a:extLst>
+        </p:spPr>
+      </p:pic>
+      <p:sp>
+        <p:nvSpPr>
+          <p:cNvPr id="8" name="TextBox 7">
+            <a:extLst>
+              <a:ext uri="{FF2B5EF4-FFF2-40B4-BE49-F238E27FC236}">
+                <a16:creationId xmlns:a16="http://schemas.microsoft.com/office/drawing/2014/main" id="{CFCC39D0-C75E-4F6B-ACDF-12C957E7687D}"/>
+              </a:ext>
+            </a:extLst>
+          </p:cNvPr>
+          <p:cNvSpPr txBox="1"/>
+          <p:nvPr/>
+        </p:nvSpPr>
+        <p:spPr>
+          <a:xfrm>
+            <a:off x="1466850" y="5524500"/>
+            <a:ext cx="3981450" cy="646331"/>
+          </a:xfrm>
+          <a:prstGeom prst="rect">
+            <a:avLst/>
+          </a:prstGeom>
+          <a:noFill/>
+        </p:spPr>
+        <p:txBody>
+          <a:bodyPr wrap="square" rtlCol="0">
+            <a:spAutoFit/>
+          </a:bodyPr>
+          <a:lstStyle/>
+          <a:p>
+            <a:r>
+              <a:rPr lang="en-US" dirty="0"/>
+              <a:t>Time series data from 2005 to 2019 (training data )</a:t>
+            </a:r>
+          </a:p>
+        </p:txBody>
+      </p:sp>
+      <p:sp>
+        <p:nvSpPr>
+          <p:cNvPr id="9" name="TextBox 8">
+            <a:extLst>
+              <a:ext uri="{FF2B5EF4-FFF2-40B4-BE49-F238E27FC236}">
+                <a16:creationId xmlns:a16="http://schemas.microsoft.com/office/drawing/2014/main" id="{46947DAA-9896-4AE9-BB9A-F2C8C39E8ED5}"/>
+              </a:ext>
+            </a:extLst>
+          </p:cNvPr>
+          <p:cNvSpPr txBox="1"/>
+          <p:nvPr/>
+        </p:nvSpPr>
+        <p:spPr>
+          <a:xfrm>
+            <a:off x="7234237" y="5425282"/>
+            <a:ext cx="3981450" cy="1200329"/>
+          </a:xfrm>
+          <a:prstGeom prst="rect">
+            <a:avLst/>
+          </a:prstGeom>
+          <a:noFill/>
+        </p:spPr>
+        <p:txBody>
+          <a:bodyPr wrap="square" rtlCol="0">
+            <a:spAutoFit/>
+          </a:bodyPr>
+          <a:lstStyle/>
+          <a:p>
+            <a:r>
+              <a:rPr lang="en-US" dirty="0"/>
+              <a:t>Time series data from for the 5 months of 2020(test data). Red line shows the predicted stock prices using LSTM model</a:t>
+            </a:r>
+          </a:p>
+          <a:p>
+            <a:endParaRPr lang="en-US" dirty="0"/>
+          </a:p>
+        </p:txBody>
+      </p:sp>
+    </p:spTree>
+    <p:extLst>
+      <p:ext uri="{BB962C8B-B14F-4D97-AF65-F5344CB8AC3E}">
+        <p14:creationId xmlns:p14="http://schemas.microsoft.com/office/powerpoint/2010/main" val="632665997"/>
+      </p:ext>
+    </p:extLst>
+  </p:cSld>
+  <p:clrMapOvr>
+    <a:masterClrMapping/>
+  </p:clrMapOvr>
+</p:sld>
+</file>
+
 <file path=ppt/slides/slide2.xml><?xml version="1.0" encoding="utf-8"?>
 <p:sld xmlns:a="http://schemas.openxmlformats.org/drawingml/2006/main" xmlns:r="http://schemas.openxmlformats.org/officeDocument/2006/relationships" xmlns:p="http://schemas.openxmlformats.org/presentationml/2006/main">
   <p:cSld>
@@ -3479,7 +5501,7 @@
         <p:spPr>
           <a:xfrm>
             <a:off x="676275" y="1626790"/>
-            <a:ext cx="4610100" cy="2766219"/>
+            <a:ext cx="4610100" cy="4276860"/>
           </a:xfrm>
         </p:spPr>
         <p:txBody>
@@ -3487,6 +5509,17 @@
             <a:normAutofit fontScale="77500" lnSpcReduction="20000"/>
           </a:bodyPr>
           <a:lstStyle/>
+          <a:p>
+            <a:r>
+              <a:rPr lang="en-US" dirty="0"/>
+              <a:t>Filter stocks from the S&amp;P 500 based on users </a:t>
+            </a:r>
+            <a:r>
+              <a:rPr lang="en-US" dirty="0" err="1"/>
+              <a:t>coice</a:t>
+            </a:r>
+            <a:endParaRPr lang="en-US" dirty="0"/>
+          </a:p>
           <a:p>
             <a:r>
               <a:rPr lang="en-US" dirty="0"/>
@@ -3503,6 +5536,15 @@
             <a:r>
               <a:rPr lang="en-US" dirty="0"/>
               <a:t>To develop a simple LSTM based model for predicting the upward/downward trend for a stock using historical stock price data and predict future stock price. </a:t>
+            </a:r>
+          </a:p>
+          <a:p>
+            <a:endParaRPr lang="en-US" dirty="0"/>
+          </a:p>
+          <a:p>
+            <a:r>
+              <a:rPr lang="en-US" dirty="0"/>
+              <a:t>Use the prediction price from the model  to decide which stocks to buy</a:t>
             </a:r>
           </a:p>
         </p:txBody>
@@ -3593,6 +5635,2054 @@
     <p:extLst>
       <p:ext uri="{BB962C8B-B14F-4D97-AF65-F5344CB8AC3E}">
         <p14:creationId xmlns:p14="http://schemas.microsoft.com/office/powerpoint/2010/main" val="2352109439"/>
+      </p:ext>
+    </p:extLst>
+  </p:cSld>
+  <p:clrMapOvr>
+    <a:masterClrMapping/>
+  </p:clrMapOvr>
+</p:sld>
+</file>
+
+<file path=ppt/slides/slide20.xml><?xml version="1.0" encoding="utf-8"?>
+<p:sld xmlns:a="http://schemas.openxmlformats.org/drawingml/2006/main" xmlns:r="http://schemas.openxmlformats.org/officeDocument/2006/relationships" xmlns:p="http://schemas.openxmlformats.org/presentationml/2006/main">
+  <p:cSld>
+    <p:spTree>
+      <p:nvGrpSpPr>
+        <p:cNvPr id="1" name=""/>
+        <p:cNvGrpSpPr/>
+        <p:nvPr/>
+      </p:nvGrpSpPr>
+      <p:grpSpPr>
+        <a:xfrm>
+          <a:off x="0" y="0"/>
+          <a:ext cx="0" cy="0"/>
+          <a:chOff x="0" y="0"/>
+          <a:chExt cx="0" cy="0"/>
+        </a:xfrm>
+      </p:grpSpPr>
+      <p:sp>
+        <p:nvSpPr>
+          <p:cNvPr id="2" name="Title 1">
+            <a:extLst>
+              <a:ext uri="{FF2B5EF4-FFF2-40B4-BE49-F238E27FC236}">
+                <a16:creationId xmlns:a16="http://schemas.microsoft.com/office/drawing/2014/main" id="{5910209F-BA89-4B47-A7E9-221320285AC5}"/>
+              </a:ext>
+            </a:extLst>
+          </p:cNvPr>
+          <p:cNvSpPr>
+            <a:spLocks noGrp="1"/>
+          </p:cNvSpPr>
+          <p:nvPr>
+            <p:ph type="title"/>
+          </p:nvPr>
+        </p:nvSpPr>
+        <p:spPr/>
+        <p:txBody>
+          <a:bodyPr/>
+          <a:lstStyle/>
+          <a:p>
+            <a:r>
+              <a:rPr lang="en-US" dirty="0"/>
+              <a:t>Table 1: prediction analysis</a:t>
+            </a:r>
+          </a:p>
+        </p:txBody>
+      </p:sp>
+      <p:graphicFrame>
+        <p:nvGraphicFramePr>
+          <p:cNvPr id="3" name="Table 2">
+            <a:extLst>
+              <a:ext uri="{FF2B5EF4-FFF2-40B4-BE49-F238E27FC236}">
+                <a16:creationId xmlns:a16="http://schemas.microsoft.com/office/drawing/2014/main" id="{5CBEEC1A-1248-42A7-A65B-20914C29F51F}"/>
+              </a:ext>
+            </a:extLst>
+          </p:cNvPr>
+          <p:cNvGraphicFramePr>
+            <a:graphicFrameLocks noGrp="1"/>
+          </p:cNvGraphicFramePr>
+          <p:nvPr>
+            <p:extLst>
+              <p:ext uri="{D42A27DB-BD31-4B8C-83A1-F6EECF244321}">
+                <p14:modId xmlns:p14="http://schemas.microsoft.com/office/powerpoint/2010/main" val="3816003741"/>
+              </p:ext>
+            </p:extLst>
+          </p:nvPr>
+        </p:nvGraphicFramePr>
+        <p:xfrm>
+          <a:off x="1493082" y="2654146"/>
+          <a:ext cx="8216900" cy="3086893"/>
+        </p:xfrm>
+        <a:graphic>
+          <a:graphicData uri="http://schemas.openxmlformats.org/drawingml/2006/table">
+            <a:tbl>
+              <a:tblPr>
+                <a:tableStyleId>{5C22544A-7EE6-4342-B048-85BDC9FD1C3A}</a:tableStyleId>
+              </a:tblPr>
+              <a:tblGrid>
+                <a:gridCol w="609600">
+                  <a:extLst>
+                    <a:ext uri="{9D8B030D-6E8A-4147-A177-3AD203B41FA5}">
+                      <a16:colId xmlns:a16="http://schemas.microsoft.com/office/drawing/2014/main" val="3433781162"/>
+                    </a:ext>
+                  </a:extLst>
+                </a:gridCol>
+                <a:gridCol w="939800">
+                  <a:extLst>
+                    <a:ext uri="{9D8B030D-6E8A-4147-A177-3AD203B41FA5}">
+                      <a16:colId xmlns:a16="http://schemas.microsoft.com/office/drawing/2014/main" val="3181170572"/>
+                    </a:ext>
+                  </a:extLst>
+                </a:gridCol>
+                <a:gridCol w="1663700">
+                  <a:extLst>
+                    <a:ext uri="{9D8B030D-6E8A-4147-A177-3AD203B41FA5}">
+                      <a16:colId xmlns:a16="http://schemas.microsoft.com/office/drawing/2014/main" val="1066823219"/>
+                    </a:ext>
+                  </a:extLst>
+                </a:gridCol>
+                <a:gridCol w="965200">
+                  <a:extLst>
+                    <a:ext uri="{9D8B030D-6E8A-4147-A177-3AD203B41FA5}">
+                      <a16:colId xmlns:a16="http://schemas.microsoft.com/office/drawing/2014/main" val="3499106849"/>
+                    </a:ext>
+                  </a:extLst>
+                </a:gridCol>
+                <a:gridCol w="800100">
+                  <a:extLst>
+                    <a:ext uri="{9D8B030D-6E8A-4147-A177-3AD203B41FA5}">
+                      <a16:colId xmlns:a16="http://schemas.microsoft.com/office/drawing/2014/main" val="56612936"/>
+                    </a:ext>
+                  </a:extLst>
+                </a:gridCol>
+                <a:gridCol w="800100">
+                  <a:extLst>
+                    <a:ext uri="{9D8B030D-6E8A-4147-A177-3AD203B41FA5}">
+                      <a16:colId xmlns:a16="http://schemas.microsoft.com/office/drawing/2014/main" val="2295770650"/>
+                    </a:ext>
+                  </a:extLst>
+                </a:gridCol>
+                <a:gridCol w="838200">
+                  <a:extLst>
+                    <a:ext uri="{9D8B030D-6E8A-4147-A177-3AD203B41FA5}">
+                      <a16:colId xmlns:a16="http://schemas.microsoft.com/office/drawing/2014/main" val="536274273"/>
+                    </a:ext>
+                  </a:extLst>
+                </a:gridCol>
+                <a:gridCol w="812800">
+                  <a:extLst>
+                    <a:ext uri="{9D8B030D-6E8A-4147-A177-3AD203B41FA5}">
+                      <a16:colId xmlns:a16="http://schemas.microsoft.com/office/drawing/2014/main" val="4076050289"/>
+                    </a:ext>
+                  </a:extLst>
+                </a:gridCol>
+                <a:gridCol w="787400">
+                  <a:extLst>
+                    <a:ext uri="{9D8B030D-6E8A-4147-A177-3AD203B41FA5}">
+                      <a16:colId xmlns:a16="http://schemas.microsoft.com/office/drawing/2014/main" val="2189001995"/>
+                    </a:ext>
+                  </a:extLst>
+                </a:gridCol>
+              </a:tblGrid>
+              <a:tr h="1354453">
+                <a:tc>
+                  <a:txBody>
+                    <a:bodyPr/>
+                    <a:lstStyle/>
+                    <a:p>
+                      <a:pPr algn="ctr" fontAlgn="ctr"/>
+                      <a:r>
+                        <a:rPr lang="en-US" sz="1600" u="none" strike="noStrike">
+                          <a:effectLst/>
+                        </a:rPr>
+                        <a:t>Ticker</a:t>
+                      </a:r>
+                      <a:endParaRPr lang="en-US" sz="1600" b="0" i="0" u="none" strike="noStrike">
+                        <a:solidFill>
+                          <a:srgbClr val="000000"/>
+                        </a:solidFill>
+                        <a:effectLst/>
+                        <a:latin typeface="Calibri" panose="020F0502020204030204" pitchFamily="34" charset="0"/>
+                      </a:endParaRPr>
+                    </a:p>
+                  </a:txBody>
+                  <a:tcPr marL="7620" marR="7620" marT="7620" marB="0" anchor="ctr"/>
+                </a:tc>
+                <a:tc>
+                  <a:txBody>
+                    <a:bodyPr/>
+                    <a:lstStyle/>
+                    <a:p>
+                      <a:pPr algn="ctr" fontAlgn="ctr"/>
+                      <a:r>
+                        <a:rPr lang="en-US" sz="1600" u="none" strike="noStrike" dirty="0">
+                          <a:effectLst/>
+                        </a:rPr>
+                        <a:t>price on Dec 31</a:t>
+                      </a:r>
+                      <a:endParaRPr lang="en-US" sz="1600" b="0" i="0" u="none" strike="noStrike" dirty="0">
+                        <a:solidFill>
+                          <a:srgbClr val="000000"/>
+                        </a:solidFill>
+                        <a:effectLst/>
+                        <a:latin typeface="Calibri" panose="020F0502020204030204" pitchFamily="34" charset="0"/>
+                      </a:endParaRPr>
+                    </a:p>
+                  </a:txBody>
+                  <a:tcPr marL="7620" marR="7620" marT="7620" marB="0" anchor="ctr"/>
+                </a:tc>
+                <a:tc>
+                  <a:txBody>
+                    <a:bodyPr/>
+                    <a:lstStyle/>
+                    <a:p>
+                      <a:pPr algn="ctr" fontAlgn="ctr"/>
+                      <a:r>
+                        <a:rPr lang="en-US" sz="1600" u="none" strike="noStrike" dirty="0">
+                          <a:effectLst/>
+                        </a:rPr>
+                        <a:t>Model (5 months predicted) </a:t>
+                      </a:r>
+                      <a:endParaRPr lang="en-US" sz="1600" b="0" i="0" u="none" strike="noStrike" dirty="0">
+                        <a:solidFill>
+                          <a:srgbClr val="000000"/>
+                        </a:solidFill>
+                        <a:effectLst/>
+                        <a:latin typeface="Calibri" panose="020F0502020204030204" pitchFamily="34" charset="0"/>
+                      </a:endParaRPr>
+                    </a:p>
+                  </a:txBody>
+                  <a:tcPr marL="7620" marR="7620" marT="7620" marB="0" anchor="ctr"/>
+                </a:tc>
+                <a:tc>
+                  <a:txBody>
+                    <a:bodyPr/>
+                    <a:lstStyle/>
+                    <a:p>
+                      <a:pPr algn="ctr" fontAlgn="ctr"/>
+                      <a:r>
+                        <a:rPr lang="en-US" sz="1600" u="none" strike="noStrike">
+                          <a:effectLst/>
+                        </a:rPr>
+                        <a:t>prediction MSE </a:t>
+                      </a:r>
+                      <a:endParaRPr lang="en-US" sz="1600" b="0" i="0" u="none" strike="noStrike">
+                        <a:solidFill>
+                          <a:srgbClr val="000000"/>
+                        </a:solidFill>
+                        <a:effectLst/>
+                        <a:latin typeface="Calibri" panose="020F0502020204030204" pitchFamily="34" charset="0"/>
+                      </a:endParaRPr>
+                    </a:p>
+                  </a:txBody>
+                  <a:tcPr marL="7620" marR="7620" marT="7620" marB="0" anchor="ctr"/>
+                </a:tc>
+                <a:tc>
+                  <a:txBody>
+                    <a:bodyPr/>
+                    <a:lstStyle/>
+                    <a:p>
+                      <a:pPr algn="ctr" fontAlgn="ctr"/>
+                      <a:r>
+                        <a:rPr lang="en-US" sz="1600" u="none" strike="noStrike">
+                          <a:effectLst/>
+                        </a:rPr>
+                        <a:t>actual</a:t>
+                      </a:r>
+                      <a:endParaRPr lang="en-US" sz="1600" b="0" i="0" u="none" strike="noStrike">
+                        <a:solidFill>
+                          <a:srgbClr val="000000"/>
+                        </a:solidFill>
+                        <a:effectLst/>
+                        <a:latin typeface="Calibri" panose="020F0502020204030204" pitchFamily="34" charset="0"/>
+                      </a:endParaRPr>
+                    </a:p>
+                  </a:txBody>
+                  <a:tcPr marL="7620" marR="7620" marT="7620" marB="0" anchor="ctr"/>
+                </a:tc>
+                <a:tc>
+                  <a:txBody>
+                    <a:bodyPr/>
+                    <a:lstStyle/>
+                    <a:p>
+                      <a:pPr algn="ctr" fontAlgn="ctr"/>
+                      <a:r>
+                        <a:rPr lang="en-US" sz="1600" u="none" strike="noStrike">
+                          <a:effectLst/>
+                        </a:rPr>
+                        <a:t>model return</a:t>
+                      </a:r>
+                      <a:endParaRPr lang="en-US" sz="1600" b="0" i="0" u="none" strike="noStrike">
+                        <a:solidFill>
+                          <a:srgbClr val="000000"/>
+                        </a:solidFill>
+                        <a:effectLst/>
+                        <a:latin typeface="Calibri" panose="020F0502020204030204" pitchFamily="34" charset="0"/>
+                      </a:endParaRPr>
+                    </a:p>
+                  </a:txBody>
+                  <a:tcPr marL="7620" marR="7620" marT="7620" marB="0" anchor="ctr"/>
+                </a:tc>
+                <a:tc>
+                  <a:txBody>
+                    <a:bodyPr/>
+                    <a:lstStyle/>
+                    <a:p>
+                      <a:pPr algn="ctr" fontAlgn="ctr"/>
+                      <a:r>
+                        <a:rPr lang="en-US" sz="1600" u="none" strike="noStrike">
+                          <a:effectLst/>
+                        </a:rPr>
+                        <a:t>model return (individual )</a:t>
+                      </a:r>
+                      <a:endParaRPr lang="en-US" sz="1600" b="0" i="0" u="none" strike="noStrike">
+                        <a:solidFill>
+                          <a:srgbClr val="000000"/>
+                        </a:solidFill>
+                        <a:effectLst/>
+                        <a:latin typeface="Calibri" panose="020F0502020204030204" pitchFamily="34" charset="0"/>
+                      </a:endParaRPr>
+                    </a:p>
+                  </a:txBody>
+                  <a:tcPr marL="7620" marR="7620" marT="7620" marB="0" anchor="ctr"/>
+                </a:tc>
+                <a:tc>
+                  <a:txBody>
+                    <a:bodyPr/>
+                    <a:lstStyle/>
+                    <a:p>
+                      <a:pPr algn="ctr" fontAlgn="ctr"/>
+                      <a:r>
+                        <a:rPr lang="en-US" sz="1600" u="none" strike="noStrike">
+                          <a:effectLst/>
+                        </a:rPr>
+                        <a:t>actual return (individual )</a:t>
+                      </a:r>
+                      <a:endParaRPr lang="en-US" sz="1600" b="0" i="0" u="none" strike="noStrike">
+                        <a:solidFill>
+                          <a:srgbClr val="000000"/>
+                        </a:solidFill>
+                        <a:effectLst/>
+                        <a:latin typeface="Calibri" panose="020F0502020204030204" pitchFamily="34" charset="0"/>
+                      </a:endParaRPr>
+                    </a:p>
+                  </a:txBody>
+                  <a:tcPr marL="7620" marR="7620" marT="7620" marB="0" anchor="ctr"/>
+                </a:tc>
+                <a:tc>
+                  <a:txBody>
+                    <a:bodyPr/>
+                    <a:lstStyle/>
+                    <a:p>
+                      <a:pPr algn="ctr" fontAlgn="ctr"/>
+                      <a:r>
+                        <a:rPr lang="en-US" sz="1600" u="none" strike="noStrike">
+                          <a:effectLst/>
+                        </a:rPr>
+                        <a:t>Actual return</a:t>
+                      </a:r>
+                      <a:endParaRPr lang="en-US" sz="1600" b="0" i="0" u="none" strike="noStrike">
+                        <a:solidFill>
+                          <a:srgbClr val="000000"/>
+                        </a:solidFill>
+                        <a:effectLst/>
+                        <a:latin typeface="Calibri" panose="020F0502020204030204" pitchFamily="34" charset="0"/>
+                      </a:endParaRPr>
+                    </a:p>
+                  </a:txBody>
+                  <a:tcPr marL="7620" marR="7620" marT="7620" marB="0" anchor="ctr"/>
+                </a:tc>
+                <a:extLst>
+                  <a:ext uri="{0D108BD9-81ED-4DB2-BD59-A6C34878D82A}">
+                    <a16:rowId xmlns:a16="http://schemas.microsoft.com/office/drawing/2014/main" val="160577318"/>
+                  </a:ext>
+                </a:extLst>
+              </a:tr>
+              <a:tr h="346488">
+                <a:tc>
+                  <a:txBody>
+                    <a:bodyPr/>
+                    <a:lstStyle/>
+                    <a:p>
+                      <a:pPr algn="ctr" fontAlgn="b"/>
+                      <a:r>
+                        <a:rPr lang="en-US" sz="1600" u="none" strike="noStrike">
+                          <a:effectLst/>
+                        </a:rPr>
+                        <a:t>JNJ</a:t>
+                      </a:r>
+                      <a:endParaRPr lang="en-US" sz="1600" b="0" i="0" u="none" strike="noStrike">
+                        <a:solidFill>
+                          <a:srgbClr val="000000"/>
+                        </a:solidFill>
+                        <a:effectLst/>
+                        <a:latin typeface="Calibri" panose="020F0502020204030204" pitchFamily="34" charset="0"/>
+                      </a:endParaRPr>
+                    </a:p>
+                  </a:txBody>
+                  <a:tcPr marL="7620" marR="7620" marT="7620" marB="0" anchor="b"/>
+                </a:tc>
+                <a:tc>
+                  <a:txBody>
+                    <a:bodyPr/>
+                    <a:lstStyle/>
+                    <a:p>
+                      <a:pPr algn="ctr" fontAlgn="b"/>
+                      <a:r>
+                        <a:rPr lang="en-US" sz="1600" u="none" strike="noStrike">
+                          <a:effectLst/>
+                        </a:rPr>
+                        <a:t>145.87</a:t>
+                      </a:r>
+                      <a:endParaRPr lang="en-US" sz="1600" b="0" i="0" u="none" strike="noStrike">
+                        <a:solidFill>
+                          <a:srgbClr val="000000"/>
+                        </a:solidFill>
+                        <a:effectLst/>
+                        <a:latin typeface="Calibri" panose="020F0502020204030204" pitchFamily="34" charset="0"/>
+                      </a:endParaRPr>
+                    </a:p>
+                  </a:txBody>
+                  <a:tcPr marL="7620" marR="7620" marT="7620" marB="0" anchor="b"/>
+                </a:tc>
+                <a:tc>
+                  <a:txBody>
+                    <a:bodyPr/>
+                    <a:lstStyle/>
+                    <a:p>
+                      <a:pPr algn="ctr" fontAlgn="b"/>
+                      <a:r>
+                        <a:rPr lang="en-US" sz="1600" u="none" strike="noStrike">
+                          <a:effectLst/>
+                        </a:rPr>
+                        <a:t>128.78</a:t>
+                      </a:r>
+                      <a:endParaRPr lang="en-US" sz="1600" b="0" i="0" u="none" strike="noStrike">
+                        <a:solidFill>
+                          <a:srgbClr val="000000"/>
+                        </a:solidFill>
+                        <a:effectLst/>
+                        <a:latin typeface="Calibri" panose="020F0502020204030204" pitchFamily="34" charset="0"/>
+                      </a:endParaRPr>
+                    </a:p>
+                  </a:txBody>
+                  <a:tcPr marL="7620" marR="7620" marT="7620" marB="0" anchor="b"/>
+                </a:tc>
+                <a:tc>
+                  <a:txBody>
+                    <a:bodyPr/>
+                    <a:lstStyle/>
+                    <a:p>
+                      <a:pPr algn="ctr" fontAlgn="b"/>
+                      <a:r>
+                        <a:rPr lang="en-US" sz="1600" u="none" strike="noStrike">
+                          <a:effectLst/>
+                        </a:rPr>
+                        <a:t>13.43</a:t>
+                      </a:r>
+                      <a:endParaRPr lang="en-US" sz="1600" b="0" i="0" u="none" strike="noStrike">
+                        <a:solidFill>
+                          <a:srgbClr val="000000"/>
+                        </a:solidFill>
+                        <a:effectLst/>
+                        <a:latin typeface="Calibri" panose="020F0502020204030204" pitchFamily="34" charset="0"/>
+                      </a:endParaRPr>
+                    </a:p>
+                  </a:txBody>
+                  <a:tcPr marL="7620" marR="7620" marT="7620" marB="0" anchor="b"/>
+                </a:tc>
+                <a:tc>
+                  <a:txBody>
+                    <a:bodyPr/>
+                    <a:lstStyle/>
+                    <a:p>
+                      <a:pPr algn="ctr" fontAlgn="b"/>
+                      <a:r>
+                        <a:rPr lang="en-US" sz="1600" u="none" strike="noStrike">
+                          <a:effectLst/>
+                        </a:rPr>
+                        <a:t>146.99</a:t>
+                      </a:r>
+                      <a:endParaRPr lang="en-US" sz="1600" b="0" i="0" u="none" strike="noStrike">
+                        <a:solidFill>
+                          <a:srgbClr val="000000"/>
+                        </a:solidFill>
+                        <a:effectLst/>
+                        <a:latin typeface="Calibri" panose="020F0502020204030204" pitchFamily="34" charset="0"/>
+                      </a:endParaRPr>
+                    </a:p>
+                  </a:txBody>
+                  <a:tcPr marL="7620" marR="7620" marT="7620" marB="0" anchor="b"/>
+                </a:tc>
+                <a:tc>
+                  <a:txBody>
+                    <a:bodyPr/>
+                    <a:lstStyle/>
+                    <a:p>
+                      <a:pPr algn="ctr" fontAlgn="b"/>
+                      <a:r>
+                        <a:rPr lang="en-US" sz="1600" u="none" strike="noStrike">
+                          <a:effectLst/>
+                        </a:rPr>
+                        <a:t>-14.8%</a:t>
+                      </a:r>
+                      <a:endParaRPr lang="en-US" sz="1600" b="0" i="0" u="none" strike="noStrike">
+                        <a:solidFill>
+                          <a:srgbClr val="000000"/>
+                        </a:solidFill>
+                        <a:effectLst/>
+                        <a:latin typeface="Calibri" panose="020F0502020204030204" pitchFamily="34" charset="0"/>
+                      </a:endParaRPr>
+                    </a:p>
+                  </a:txBody>
+                  <a:tcPr marL="7620" marR="7620" marT="7620" marB="0" anchor="b"/>
+                </a:tc>
+                <a:tc>
+                  <a:txBody>
+                    <a:bodyPr/>
+                    <a:lstStyle/>
+                    <a:p>
+                      <a:pPr algn="ctr" fontAlgn="b"/>
+                      <a:r>
+                        <a:rPr lang="en-US" sz="1600" u="none" strike="noStrike">
+                          <a:effectLst/>
+                        </a:rPr>
+                        <a:t>-11.7%</a:t>
+                      </a:r>
+                      <a:endParaRPr lang="en-US" sz="1600" b="0" i="0" u="none" strike="noStrike">
+                        <a:solidFill>
+                          <a:srgbClr val="000000"/>
+                        </a:solidFill>
+                        <a:effectLst/>
+                        <a:latin typeface="Calibri" panose="020F0502020204030204" pitchFamily="34" charset="0"/>
+                      </a:endParaRPr>
+                    </a:p>
+                  </a:txBody>
+                  <a:tcPr marL="7620" marR="7620" marT="7620" marB="0" anchor="b"/>
+                </a:tc>
+                <a:tc>
+                  <a:txBody>
+                    <a:bodyPr/>
+                    <a:lstStyle/>
+                    <a:p>
+                      <a:pPr algn="ctr" fontAlgn="b"/>
+                      <a:r>
+                        <a:rPr lang="en-US" sz="1600" u="none" strike="noStrike">
+                          <a:effectLst/>
+                        </a:rPr>
+                        <a:t>0.77%</a:t>
+                      </a:r>
+                      <a:endParaRPr lang="en-US" sz="1600" b="0" i="0" u="none" strike="noStrike">
+                        <a:solidFill>
+                          <a:srgbClr val="000000"/>
+                        </a:solidFill>
+                        <a:effectLst/>
+                        <a:latin typeface="Calibri" panose="020F0502020204030204" pitchFamily="34" charset="0"/>
+                      </a:endParaRPr>
+                    </a:p>
+                  </a:txBody>
+                  <a:tcPr marL="7620" marR="7620" marT="7620" marB="0" anchor="b"/>
+                </a:tc>
+                <a:tc>
+                  <a:txBody>
+                    <a:bodyPr/>
+                    <a:lstStyle/>
+                    <a:p>
+                      <a:pPr algn="ctr" fontAlgn="b"/>
+                      <a:r>
+                        <a:rPr lang="en-US" sz="1600" u="none" strike="noStrike">
+                          <a:effectLst/>
+                        </a:rPr>
+                        <a:t>-2.701%</a:t>
+                      </a:r>
+                      <a:endParaRPr lang="en-US" sz="1600" b="0" i="0" u="none" strike="noStrike">
+                        <a:solidFill>
+                          <a:srgbClr val="000000"/>
+                        </a:solidFill>
+                        <a:effectLst/>
+                        <a:latin typeface="Calibri" panose="020F0502020204030204" pitchFamily="34" charset="0"/>
+                      </a:endParaRPr>
+                    </a:p>
+                  </a:txBody>
+                  <a:tcPr marL="7620" marR="7620" marT="7620" marB="0" anchor="b"/>
+                </a:tc>
+                <a:extLst>
+                  <a:ext uri="{0D108BD9-81ED-4DB2-BD59-A6C34878D82A}">
+                    <a16:rowId xmlns:a16="http://schemas.microsoft.com/office/drawing/2014/main" val="3010466905"/>
+                  </a:ext>
+                </a:extLst>
+              </a:tr>
+              <a:tr h="346488">
+                <a:tc>
+                  <a:txBody>
+                    <a:bodyPr/>
+                    <a:lstStyle/>
+                    <a:p>
+                      <a:pPr algn="ctr" fontAlgn="b"/>
+                      <a:r>
+                        <a:rPr lang="en-US" sz="1600" u="none" strike="noStrike">
+                          <a:effectLst/>
+                        </a:rPr>
+                        <a:t>AMGN</a:t>
+                      </a:r>
+                      <a:endParaRPr lang="en-US" sz="1600" b="0" i="0" u="none" strike="noStrike">
+                        <a:solidFill>
+                          <a:srgbClr val="000000"/>
+                        </a:solidFill>
+                        <a:effectLst/>
+                        <a:latin typeface="Calibri" panose="020F0502020204030204" pitchFamily="34" charset="0"/>
+                      </a:endParaRPr>
+                    </a:p>
+                  </a:txBody>
+                  <a:tcPr marL="7620" marR="7620" marT="7620" marB="0" anchor="b"/>
+                </a:tc>
+                <a:tc>
+                  <a:txBody>
+                    <a:bodyPr/>
+                    <a:lstStyle/>
+                    <a:p>
+                      <a:pPr algn="ctr" fontAlgn="b"/>
+                      <a:r>
+                        <a:rPr lang="en-US" sz="1600" u="none" strike="noStrike">
+                          <a:effectLst/>
+                        </a:rPr>
+                        <a:t>241.07</a:t>
+                      </a:r>
+                      <a:endParaRPr lang="en-US" sz="1600" b="0" i="0" u="none" strike="noStrike">
+                        <a:solidFill>
+                          <a:srgbClr val="000000"/>
+                        </a:solidFill>
+                        <a:effectLst/>
+                        <a:latin typeface="Calibri" panose="020F0502020204030204" pitchFamily="34" charset="0"/>
+                      </a:endParaRPr>
+                    </a:p>
+                  </a:txBody>
+                  <a:tcPr marL="7620" marR="7620" marT="7620" marB="0" anchor="b"/>
+                </a:tc>
+                <a:tc>
+                  <a:txBody>
+                    <a:bodyPr/>
+                    <a:lstStyle/>
+                    <a:p>
+                      <a:pPr algn="ctr" fontAlgn="ctr"/>
+                      <a:r>
+                        <a:rPr lang="en-US" sz="1600" u="none" strike="noStrike">
+                          <a:effectLst/>
+                        </a:rPr>
+                        <a:t>219.30663</a:t>
+                      </a:r>
+                      <a:endParaRPr lang="en-US" sz="1600" b="0" i="0" u="none" strike="noStrike">
+                        <a:solidFill>
+                          <a:srgbClr val="000000"/>
+                        </a:solidFill>
+                        <a:effectLst/>
+                        <a:latin typeface="Arial Unicode MS"/>
+                      </a:endParaRPr>
+                    </a:p>
+                  </a:txBody>
+                  <a:tcPr marL="7620" marR="7620" marT="7620" marB="0" anchor="ctr"/>
+                </a:tc>
+                <a:tc>
+                  <a:txBody>
+                    <a:bodyPr/>
+                    <a:lstStyle/>
+                    <a:p>
+                      <a:pPr algn="ctr" fontAlgn="b"/>
+                      <a:r>
+                        <a:rPr lang="en-US" sz="1600" u="none" strike="noStrike">
+                          <a:effectLst/>
+                        </a:rPr>
+                        <a:t>16.01</a:t>
+                      </a:r>
+                      <a:endParaRPr lang="en-US" sz="1600" b="0" i="0" u="none" strike="noStrike">
+                        <a:solidFill>
+                          <a:srgbClr val="000000"/>
+                        </a:solidFill>
+                        <a:effectLst/>
+                        <a:latin typeface="Calibri" panose="020F0502020204030204" pitchFamily="34" charset="0"/>
+                      </a:endParaRPr>
+                    </a:p>
+                  </a:txBody>
+                  <a:tcPr marL="7620" marR="7620" marT="7620" marB="0" anchor="b"/>
+                </a:tc>
+                <a:tc>
+                  <a:txBody>
+                    <a:bodyPr/>
+                    <a:lstStyle/>
+                    <a:p>
+                      <a:pPr algn="ctr" fontAlgn="b"/>
+                      <a:r>
+                        <a:rPr lang="en-US" sz="1600" u="none" strike="noStrike">
+                          <a:effectLst/>
+                        </a:rPr>
+                        <a:t>222.74</a:t>
+                      </a:r>
+                      <a:endParaRPr lang="en-US" sz="1600" b="0" i="0" u="none" strike="noStrike">
+                        <a:solidFill>
+                          <a:srgbClr val="000000"/>
+                        </a:solidFill>
+                        <a:effectLst/>
+                        <a:latin typeface="Calibri" panose="020F0502020204030204" pitchFamily="34" charset="0"/>
+                      </a:endParaRPr>
+                    </a:p>
+                  </a:txBody>
+                  <a:tcPr marL="7620" marR="7620" marT="7620" marB="0" anchor="b"/>
+                </a:tc>
+                <a:tc>
+                  <a:txBody>
+                    <a:bodyPr/>
+                    <a:lstStyle/>
+                    <a:p>
+                      <a:pPr algn="ctr" fontAlgn="b"/>
+                      <a:r>
+                        <a:rPr lang="en-US" sz="1600" u="none" strike="noStrike">
+                          <a:effectLst/>
+                        </a:rPr>
+                        <a:t> </a:t>
+                      </a:r>
+                      <a:endParaRPr lang="en-US" sz="1600" b="0" i="0" u="none" strike="noStrike">
+                        <a:solidFill>
+                          <a:srgbClr val="000000"/>
+                        </a:solidFill>
+                        <a:effectLst/>
+                        <a:latin typeface="Calibri" panose="020F0502020204030204" pitchFamily="34" charset="0"/>
+                      </a:endParaRPr>
+                    </a:p>
+                  </a:txBody>
+                  <a:tcPr marL="7620" marR="7620" marT="7620" marB="0" anchor="b"/>
+                </a:tc>
+                <a:tc>
+                  <a:txBody>
+                    <a:bodyPr/>
+                    <a:lstStyle/>
+                    <a:p>
+                      <a:pPr algn="ctr" fontAlgn="b"/>
+                      <a:r>
+                        <a:rPr lang="en-US" sz="1600" u="none" strike="noStrike">
+                          <a:effectLst/>
+                        </a:rPr>
+                        <a:t>-9.0%</a:t>
+                      </a:r>
+                      <a:endParaRPr lang="en-US" sz="1600" b="0" i="0" u="none" strike="noStrike">
+                        <a:solidFill>
+                          <a:srgbClr val="000000"/>
+                        </a:solidFill>
+                        <a:effectLst/>
+                        <a:latin typeface="Calibri" panose="020F0502020204030204" pitchFamily="34" charset="0"/>
+                      </a:endParaRPr>
+                    </a:p>
+                  </a:txBody>
+                  <a:tcPr marL="7620" marR="7620" marT="7620" marB="0" anchor="b"/>
+                </a:tc>
+                <a:tc>
+                  <a:txBody>
+                    <a:bodyPr/>
+                    <a:lstStyle/>
+                    <a:p>
+                      <a:pPr algn="ctr" fontAlgn="b"/>
+                      <a:r>
+                        <a:rPr lang="en-US" sz="1600" u="none" strike="noStrike">
+                          <a:effectLst/>
+                        </a:rPr>
+                        <a:t>-7.60%</a:t>
+                      </a:r>
+                      <a:endParaRPr lang="en-US" sz="1600" b="0" i="0" u="none" strike="noStrike">
+                        <a:solidFill>
+                          <a:srgbClr val="000000"/>
+                        </a:solidFill>
+                        <a:effectLst/>
+                        <a:latin typeface="Calibri" panose="020F0502020204030204" pitchFamily="34" charset="0"/>
+                      </a:endParaRPr>
+                    </a:p>
+                  </a:txBody>
+                  <a:tcPr marL="7620" marR="7620" marT="7620" marB="0" anchor="b"/>
+                </a:tc>
+                <a:tc>
+                  <a:txBody>
+                    <a:bodyPr/>
+                    <a:lstStyle/>
+                    <a:p>
+                      <a:pPr algn="ctr" fontAlgn="b"/>
+                      <a:r>
+                        <a:rPr lang="en-US" sz="1600" u="none" strike="noStrike">
+                          <a:effectLst/>
+                        </a:rPr>
+                        <a:t> </a:t>
+                      </a:r>
+                      <a:endParaRPr lang="en-US" sz="1600" b="0" i="0" u="none" strike="noStrike">
+                        <a:solidFill>
+                          <a:srgbClr val="000000"/>
+                        </a:solidFill>
+                        <a:effectLst/>
+                        <a:latin typeface="Calibri" panose="020F0502020204030204" pitchFamily="34" charset="0"/>
+                      </a:endParaRPr>
+                    </a:p>
+                  </a:txBody>
+                  <a:tcPr marL="7620" marR="7620" marT="7620" marB="0" anchor="b"/>
+                </a:tc>
+                <a:extLst>
+                  <a:ext uri="{0D108BD9-81ED-4DB2-BD59-A6C34878D82A}">
+                    <a16:rowId xmlns:a16="http://schemas.microsoft.com/office/drawing/2014/main" val="1464876670"/>
+                  </a:ext>
+                </a:extLst>
+              </a:tr>
+              <a:tr h="346488">
+                <a:tc>
+                  <a:txBody>
+                    <a:bodyPr/>
+                    <a:lstStyle/>
+                    <a:p>
+                      <a:pPr algn="ctr" fontAlgn="b"/>
+                      <a:r>
+                        <a:rPr lang="en-US" sz="1600" u="none" strike="noStrike">
+                          <a:effectLst/>
+                        </a:rPr>
+                        <a:t>PM</a:t>
+                      </a:r>
+                      <a:endParaRPr lang="en-US" sz="1600" b="0" i="0" u="none" strike="noStrike">
+                        <a:solidFill>
+                          <a:srgbClr val="000000"/>
+                        </a:solidFill>
+                        <a:effectLst/>
+                        <a:latin typeface="Calibri" panose="020F0502020204030204" pitchFamily="34" charset="0"/>
+                      </a:endParaRPr>
+                    </a:p>
+                  </a:txBody>
+                  <a:tcPr marL="7620" marR="7620" marT="7620" marB="0" anchor="b"/>
+                </a:tc>
+                <a:tc>
+                  <a:txBody>
+                    <a:bodyPr/>
+                    <a:lstStyle/>
+                    <a:p>
+                      <a:pPr algn="ctr" fontAlgn="b"/>
+                      <a:r>
+                        <a:rPr lang="en-US" sz="1600" u="none" strike="noStrike">
+                          <a:effectLst/>
+                        </a:rPr>
+                        <a:t>85.09</a:t>
+                      </a:r>
+                      <a:endParaRPr lang="en-US" sz="1600" b="0" i="0" u="none" strike="noStrike">
+                        <a:solidFill>
+                          <a:srgbClr val="000000"/>
+                        </a:solidFill>
+                        <a:effectLst/>
+                        <a:latin typeface="Calibri" panose="020F0502020204030204" pitchFamily="34" charset="0"/>
+                      </a:endParaRPr>
+                    </a:p>
+                  </a:txBody>
+                  <a:tcPr marL="7620" marR="7620" marT="7620" marB="0" anchor="b"/>
+                </a:tc>
+                <a:tc>
+                  <a:txBody>
+                    <a:bodyPr/>
+                    <a:lstStyle/>
+                    <a:p>
+                      <a:pPr algn="ctr" fontAlgn="b"/>
+                      <a:r>
+                        <a:rPr lang="en-US" sz="1600" u="none" strike="noStrike">
+                          <a:effectLst/>
+                        </a:rPr>
+                        <a:t>75.18</a:t>
+                      </a:r>
+                      <a:endParaRPr lang="en-US" sz="1600" b="0" i="0" u="none" strike="noStrike">
+                        <a:solidFill>
+                          <a:srgbClr val="000000"/>
+                        </a:solidFill>
+                        <a:effectLst/>
+                        <a:latin typeface="Calibri" panose="020F0502020204030204" pitchFamily="34" charset="0"/>
+                      </a:endParaRPr>
+                    </a:p>
+                  </a:txBody>
+                  <a:tcPr marL="7620" marR="7620" marT="7620" marB="0" anchor="b"/>
+                </a:tc>
+                <a:tc>
+                  <a:txBody>
+                    <a:bodyPr/>
+                    <a:lstStyle/>
+                    <a:p>
+                      <a:pPr algn="ctr" fontAlgn="b"/>
+                      <a:r>
+                        <a:rPr lang="en-US" sz="1600" u="none" strike="noStrike">
+                          <a:effectLst/>
+                        </a:rPr>
+                        <a:t>6.08</a:t>
+                      </a:r>
+                      <a:endParaRPr lang="en-US" sz="1600" b="0" i="0" u="none" strike="noStrike">
+                        <a:solidFill>
+                          <a:srgbClr val="000000"/>
+                        </a:solidFill>
+                        <a:effectLst/>
+                        <a:latin typeface="Calibri" panose="020F0502020204030204" pitchFamily="34" charset="0"/>
+                      </a:endParaRPr>
+                    </a:p>
+                  </a:txBody>
+                  <a:tcPr marL="7620" marR="7620" marT="7620" marB="0" anchor="b"/>
+                </a:tc>
+                <a:tc>
+                  <a:txBody>
+                    <a:bodyPr/>
+                    <a:lstStyle/>
+                    <a:p>
+                      <a:pPr algn="ctr" fontAlgn="b"/>
+                      <a:r>
+                        <a:rPr lang="en-US" sz="1600" u="none" strike="noStrike">
+                          <a:effectLst/>
+                        </a:rPr>
+                        <a:t>77.1</a:t>
+                      </a:r>
+                      <a:endParaRPr lang="en-US" sz="1600" b="0" i="0" u="none" strike="noStrike">
+                        <a:solidFill>
+                          <a:srgbClr val="000000"/>
+                        </a:solidFill>
+                        <a:effectLst/>
+                        <a:latin typeface="Calibri" panose="020F0502020204030204" pitchFamily="34" charset="0"/>
+                      </a:endParaRPr>
+                    </a:p>
+                  </a:txBody>
+                  <a:tcPr marL="7620" marR="7620" marT="7620" marB="0" anchor="b"/>
+                </a:tc>
+                <a:tc>
+                  <a:txBody>
+                    <a:bodyPr/>
+                    <a:lstStyle/>
+                    <a:p>
+                      <a:pPr algn="ctr" fontAlgn="b"/>
+                      <a:r>
+                        <a:rPr lang="en-US" sz="1600" u="none" strike="noStrike">
+                          <a:effectLst/>
+                        </a:rPr>
+                        <a:t> </a:t>
+                      </a:r>
+                      <a:endParaRPr lang="en-US" sz="1600" b="0" i="0" u="none" strike="noStrike">
+                        <a:solidFill>
+                          <a:srgbClr val="000000"/>
+                        </a:solidFill>
+                        <a:effectLst/>
+                        <a:latin typeface="Calibri" panose="020F0502020204030204" pitchFamily="34" charset="0"/>
+                      </a:endParaRPr>
+                    </a:p>
+                  </a:txBody>
+                  <a:tcPr marL="7620" marR="7620" marT="7620" marB="0" anchor="b"/>
+                </a:tc>
+                <a:tc>
+                  <a:txBody>
+                    <a:bodyPr/>
+                    <a:lstStyle/>
+                    <a:p>
+                      <a:pPr algn="ctr" fontAlgn="b"/>
+                      <a:r>
+                        <a:rPr lang="en-US" sz="1600" u="none" strike="noStrike">
+                          <a:effectLst/>
+                        </a:rPr>
+                        <a:t>-11.6%</a:t>
+                      </a:r>
+                      <a:endParaRPr lang="en-US" sz="1600" b="0" i="0" u="none" strike="noStrike">
+                        <a:solidFill>
+                          <a:srgbClr val="000000"/>
+                        </a:solidFill>
+                        <a:effectLst/>
+                        <a:latin typeface="Calibri" panose="020F0502020204030204" pitchFamily="34" charset="0"/>
+                      </a:endParaRPr>
+                    </a:p>
+                  </a:txBody>
+                  <a:tcPr marL="7620" marR="7620" marT="7620" marB="0" anchor="b"/>
+                </a:tc>
+                <a:tc>
+                  <a:txBody>
+                    <a:bodyPr/>
+                    <a:lstStyle/>
+                    <a:p>
+                      <a:pPr algn="ctr" fontAlgn="b"/>
+                      <a:r>
+                        <a:rPr lang="en-US" sz="1600" u="none" strike="noStrike">
+                          <a:effectLst/>
+                        </a:rPr>
+                        <a:t>-9.39%</a:t>
+                      </a:r>
+                      <a:endParaRPr lang="en-US" sz="1600" b="0" i="0" u="none" strike="noStrike">
+                        <a:solidFill>
+                          <a:srgbClr val="000000"/>
+                        </a:solidFill>
+                        <a:effectLst/>
+                        <a:latin typeface="Calibri" panose="020F0502020204030204" pitchFamily="34" charset="0"/>
+                      </a:endParaRPr>
+                    </a:p>
+                  </a:txBody>
+                  <a:tcPr marL="7620" marR="7620" marT="7620" marB="0" anchor="b"/>
+                </a:tc>
+                <a:tc>
+                  <a:txBody>
+                    <a:bodyPr/>
+                    <a:lstStyle/>
+                    <a:p>
+                      <a:pPr algn="ctr" fontAlgn="b"/>
+                      <a:r>
+                        <a:rPr lang="en-US" sz="1600" u="none" strike="noStrike">
+                          <a:effectLst/>
+                        </a:rPr>
+                        <a:t> </a:t>
+                      </a:r>
+                      <a:endParaRPr lang="en-US" sz="1600" b="0" i="0" u="none" strike="noStrike">
+                        <a:solidFill>
+                          <a:srgbClr val="000000"/>
+                        </a:solidFill>
+                        <a:effectLst/>
+                        <a:latin typeface="Calibri" panose="020F0502020204030204" pitchFamily="34" charset="0"/>
+                      </a:endParaRPr>
+                    </a:p>
+                  </a:txBody>
+                  <a:tcPr marL="7620" marR="7620" marT="7620" marB="0" anchor="b"/>
+                </a:tc>
+                <a:extLst>
+                  <a:ext uri="{0D108BD9-81ED-4DB2-BD59-A6C34878D82A}">
+                    <a16:rowId xmlns:a16="http://schemas.microsoft.com/office/drawing/2014/main" val="3391107312"/>
+                  </a:ext>
+                </a:extLst>
+              </a:tr>
+              <a:tr h="346488">
+                <a:tc>
+                  <a:txBody>
+                    <a:bodyPr/>
+                    <a:lstStyle/>
+                    <a:p>
+                      <a:pPr algn="ctr" fontAlgn="b"/>
+                      <a:r>
+                        <a:rPr lang="en-US" sz="1600" u="none" strike="noStrike">
+                          <a:effectLst/>
+                        </a:rPr>
+                        <a:t>UNH</a:t>
+                      </a:r>
+                      <a:endParaRPr lang="en-US" sz="1600" b="0" i="0" u="none" strike="noStrike">
+                        <a:solidFill>
+                          <a:srgbClr val="000000"/>
+                        </a:solidFill>
+                        <a:effectLst/>
+                        <a:latin typeface="Calibri" panose="020F0502020204030204" pitchFamily="34" charset="0"/>
+                      </a:endParaRPr>
+                    </a:p>
+                  </a:txBody>
+                  <a:tcPr marL="7620" marR="7620" marT="7620" marB="0" anchor="b"/>
+                </a:tc>
+                <a:tc>
+                  <a:txBody>
+                    <a:bodyPr/>
+                    <a:lstStyle/>
+                    <a:p>
+                      <a:pPr algn="ctr" fontAlgn="b"/>
+                      <a:r>
+                        <a:rPr lang="en-US" sz="1600" u="none" strike="noStrike">
+                          <a:effectLst/>
+                        </a:rPr>
+                        <a:t>293.98</a:t>
+                      </a:r>
+                      <a:endParaRPr lang="en-US" sz="1600" b="0" i="0" u="none" strike="noStrike">
+                        <a:solidFill>
+                          <a:srgbClr val="000000"/>
+                        </a:solidFill>
+                        <a:effectLst/>
+                        <a:latin typeface="Calibri" panose="020F0502020204030204" pitchFamily="34" charset="0"/>
+                      </a:endParaRPr>
+                    </a:p>
+                  </a:txBody>
+                  <a:tcPr marL="7620" marR="7620" marT="7620" marB="0" anchor="b"/>
+                </a:tc>
+                <a:tc>
+                  <a:txBody>
+                    <a:bodyPr/>
+                    <a:lstStyle/>
+                    <a:p>
+                      <a:pPr algn="ctr" fontAlgn="b"/>
+                      <a:r>
+                        <a:rPr lang="en-US" sz="1600" u="none" strike="noStrike">
+                          <a:effectLst/>
+                        </a:rPr>
+                        <a:t>215.39</a:t>
+                      </a:r>
+                      <a:endParaRPr lang="en-US" sz="1600" b="0" i="0" u="none" strike="noStrike">
+                        <a:solidFill>
+                          <a:srgbClr val="000000"/>
+                        </a:solidFill>
+                        <a:effectLst/>
+                        <a:latin typeface="Calibri" panose="020F0502020204030204" pitchFamily="34" charset="0"/>
+                      </a:endParaRPr>
+                    </a:p>
+                  </a:txBody>
+                  <a:tcPr marL="7620" marR="7620" marT="7620" marB="0" anchor="b"/>
+                </a:tc>
+                <a:tc>
+                  <a:txBody>
+                    <a:bodyPr/>
+                    <a:lstStyle/>
+                    <a:p>
+                      <a:pPr algn="ctr" fontAlgn="b"/>
+                      <a:r>
+                        <a:rPr lang="en-US" sz="1600" u="none" strike="noStrike">
+                          <a:effectLst/>
+                        </a:rPr>
+                        <a:t>44</a:t>
+                      </a:r>
+                      <a:endParaRPr lang="en-US" sz="1600" b="0" i="0" u="none" strike="noStrike">
+                        <a:solidFill>
+                          <a:srgbClr val="000000"/>
+                        </a:solidFill>
+                        <a:effectLst/>
+                        <a:latin typeface="Calibri" panose="020F0502020204030204" pitchFamily="34" charset="0"/>
+                      </a:endParaRPr>
+                    </a:p>
+                  </a:txBody>
+                  <a:tcPr marL="7620" marR="7620" marT="7620" marB="0" anchor="b"/>
+                </a:tc>
+                <a:tc>
+                  <a:txBody>
+                    <a:bodyPr/>
+                    <a:lstStyle/>
+                    <a:p>
+                      <a:pPr algn="ctr" fontAlgn="b"/>
+                      <a:r>
+                        <a:rPr lang="en-US" sz="1600" u="none" strike="noStrike">
+                          <a:effectLst/>
+                        </a:rPr>
+                        <a:t>310.75</a:t>
+                      </a:r>
+                      <a:endParaRPr lang="en-US" sz="1600" b="0" i="0" u="none" strike="noStrike">
+                        <a:solidFill>
+                          <a:srgbClr val="000000"/>
+                        </a:solidFill>
+                        <a:effectLst/>
+                        <a:latin typeface="Calibri" panose="020F0502020204030204" pitchFamily="34" charset="0"/>
+                      </a:endParaRPr>
+                    </a:p>
+                  </a:txBody>
+                  <a:tcPr marL="7620" marR="7620" marT="7620" marB="0" anchor="b"/>
+                </a:tc>
+                <a:tc>
+                  <a:txBody>
+                    <a:bodyPr/>
+                    <a:lstStyle/>
+                    <a:p>
+                      <a:pPr algn="ctr" fontAlgn="b"/>
+                      <a:r>
+                        <a:rPr lang="en-US" sz="1600" u="none" strike="noStrike">
+                          <a:effectLst/>
+                        </a:rPr>
+                        <a:t> </a:t>
+                      </a:r>
+                      <a:endParaRPr lang="en-US" sz="1600" b="0" i="0" u="none" strike="noStrike">
+                        <a:solidFill>
+                          <a:srgbClr val="000000"/>
+                        </a:solidFill>
+                        <a:effectLst/>
+                        <a:latin typeface="Calibri" panose="020F0502020204030204" pitchFamily="34" charset="0"/>
+                      </a:endParaRPr>
+                    </a:p>
+                  </a:txBody>
+                  <a:tcPr marL="7620" marR="7620" marT="7620" marB="0" anchor="b"/>
+                </a:tc>
+                <a:tc>
+                  <a:txBody>
+                    <a:bodyPr/>
+                    <a:lstStyle/>
+                    <a:p>
+                      <a:pPr algn="ctr" fontAlgn="b"/>
+                      <a:r>
+                        <a:rPr lang="en-US" sz="1600" u="none" strike="noStrike">
+                          <a:effectLst/>
+                        </a:rPr>
+                        <a:t>-26.7%</a:t>
+                      </a:r>
+                      <a:endParaRPr lang="en-US" sz="1600" b="0" i="0" u="none" strike="noStrike">
+                        <a:solidFill>
+                          <a:srgbClr val="000000"/>
+                        </a:solidFill>
+                        <a:effectLst/>
+                        <a:latin typeface="Calibri" panose="020F0502020204030204" pitchFamily="34" charset="0"/>
+                      </a:endParaRPr>
+                    </a:p>
+                  </a:txBody>
+                  <a:tcPr marL="7620" marR="7620" marT="7620" marB="0" anchor="b"/>
+                </a:tc>
+                <a:tc>
+                  <a:txBody>
+                    <a:bodyPr/>
+                    <a:lstStyle/>
+                    <a:p>
+                      <a:pPr algn="ctr" fontAlgn="b"/>
+                      <a:r>
+                        <a:rPr lang="en-US" sz="1600" u="none" strike="noStrike">
+                          <a:effectLst/>
+                        </a:rPr>
+                        <a:t>5.70%</a:t>
+                      </a:r>
+                      <a:endParaRPr lang="en-US" sz="1600" b="0" i="0" u="none" strike="noStrike">
+                        <a:solidFill>
+                          <a:srgbClr val="000000"/>
+                        </a:solidFill>
+                        <a:effectLst/>
+                        <a:latin typeface="Calibri" panose="020F0502020204030204" pitchFamily="34" charset="0"/>
+                      </a:endParaRPr>
+                    </a:p>
+                  </a:txBody>
+                  <a:tcPr marL="7620" marR="7620" marT="7620" marB="0" anchor="b"/>
+                </a:tc>
+                <a:tc>
+                  <a:txBody>
+                    <a:bodyPr/>
+                    <a:lstStyle/>
+                    <a:p>
+                      <a:pPr algn="ctr" fontAlgn="b"/>
+                      <a:r>
+                        <a:rPr lang="en-US" sz="1600" u="none" strike="noStrike">
+                          <a:effectLst/>
+                        </a:rPr>
+                        <a:t> </a:t>
+                      </a:r>
+                      <a:endParaRPr lang="en-US" sz="1600" b="0" i="0" u="none" strike="noStrike">
+                        <a:solidFill>
+                          <a:srgbClr val="000000"/>
+                        </a:solidFill>
+                        <a:effectLst/>
+                        <a:latin typeface="Calibri" panose="020F0502020204030204" pitchFamily="34" charset="0"/>
+                      </a:endParaRPr>
+                    </a:p>
+                  </a:txBody>
+                  <a:tcPr marL="7620" marR="7620" marT="7620" marB="0" anchor="b"/>
+                </a:tc>
+                <a:extLst>
+                  <a:ext uri="{0D108BD9-81ED-4DB2-BD59-A6C34878D82A}">
+                    <a16:rowId xmlns:a16="http://schemas.microsoft.com/office/drawing/2014/main" val="13691617"/>
+                  </a:ext>
+                </a:extLst>
+              </a:tr>
+              <a:tr h="346488">
+                <a:tc>
+                  <a:txBody>
+                    <a:bodyPr/>
+                    <a:lstStyle/>
+                    <a:p>
+                      <a:pPr algn="ctr" fontAlgn="b"/>
+                      <a:r>
+                        <a:rPr lang="en-US" sz="1600" u="none" strike="noStrike">
+                          <a:effectLst/>
+                        </a:rPr>
+                        <a:t>SPY</a:t>
+                      </a:r>
+                      <a:endParaRPr lang="en-US" sz="1600" b="0" i="0" u="none" strike="noStrike">
+                        <a:solidFill>
+                          <a:srgbClr val="000000"/>
+                        </a:solidFill>
+                        <a:effectLst/>
+                        <a:latin typeface="Calibri" panose="020F0502020204030204" pitchFamily="34" charset="0"/>
+                      </a:endParaRPr>
+                    </a:p>
+                  </a:txBody>
+                  <a:tcPr marL="7620" marR="7620" marT="7620" marB="0" anchor="b"/>
+                </a:tc>
+                <a:tc>
+                  <a:txBody>
+                    <a:bodyPr/>
+                    <a:lstStyle/>
+                    <a:p>
+                      <a:pPr algn="ctr" fontAlgn="b"/>
+                      <a:r>
+                        <a:rPr lang="en-US" sz="1600" u="none" strike="noStrike">
+                          <a:effectLst/>
+                        </a:rPr>
+                        <a:t>321.86</a:t>
+                      </a:r>
+                      <a:endParaRPr lang="en-US" sz="1600" b="0" i="0" u="none" strike="noStrike">
+                        <a:solidFill>
+                          <a:srgbClr val="000000"/>
+                        </a:solidFill>
+                        <a:effectLst/>
+                        <a:latin typeface="Calibri" panose="020F0502020204030204" pitchFamily="34" charset="0"/>
+                      </a:endParaRPr>
+                    </a:p>
+                  </a:txBody>
+                  <a:tcPr marL="7620" marR="7620" marT="7620" marB="0" anchor="b"/>
+                </a:tc>
+                <a:tc>
+                  <a:txBody>
+                    <a:bodyPr/>
+                    <a:lstStyle/>
+                    <a:p>
+                      <a:pPr algn="ctr" fontAlgn="b"/>
+                      <a:r>
+                        <a:rPr lang="en-US" sz="1600" u="none" strike="noStrike">
+                          <a:effectLst/>
+                        </a:rPr>
+                        <a:t>363.61</a:t>
+                      </a:r>
+                      <a:endParaRPr lang="en-US" sz="1600" b="0" i="0" u="none" strike="noStrike">
+                        <a:solidFill>
+                          <a:srgbClr val="000000"/>
+                        </a:solidFill>
+                        <a:effectLst/>
+                        <a:latin typeface="Calibri" panose="020F0502020204030204" pitchFamily="34" charset="0"/>
+                      </a:endParaRPr>
+                    </a:p>
+                  </a:txBody>
+                  <a:tcPr marL="7620" marR="7620" marT="7620" marB="0" anchor="b"/>
+                </a:tc>
+                <a:tc>
+                  <a:txBody>
+                    <a:bodyPr/>
+                    <a:lstStyle/>
+                    <a:p>
+                      <a:pPr algn="ctr" fontAlgn="b"/>
+                      <a:r>
+                        <a:rPr lang="en-US" sz="1600" u="none" strike="noStrike">
+                          <a:effectLst/>
+                        </a:rPr>
+                        <a:t>62.72</a:t>
+                      </a:r>
+                      <a:endParaRPr lang="en-US" sz="1600" b="0" i="0" u="none" strike="noStrike">
+                        <a:solidFill>
+                          <a:srgbClr val="000000"/>
+                        </a:solidFill>
+                        <a:effectLst/>
+                        <a:latin typeface="Calibri" panose="020F0502020204030204" pitchFamily="34" charset="0"/>
+                      </a:endParaRPr>
+                    </a:p>
+                  </a:txBody>
+                  <a:tcPr marL="7620" marR="7620" marT="7620" marB="0" anchor="b"/>
+                </a:tc>
+                <a:tc>
+                  <a:txBody>
+                    <a:bodyPr/>
+                    <a:lstStyle/>
+                    <a:p>
+                      <a:pPr algn="ctr" fontAlgn="b"/>
+                      <a:r>
+                        <a:rPr lang="en-US" sz="1600" u="none" strike="noStrike">
+                          <a:effectLst/>
+                        </a:rPr>
+                        <a:t>320.68</a:t>
+                      </a:r>
+                      <a:endParaRPr lang="en-US" sz="1600" b="0" i="0" u="none" strike="noStrike">
+                        <a:solidFill>
+                          <a:srgbClr val="000000"/>
+                        </a:solidFill>
+                        <a:effectLst/>
+                        <a:latin typeface="Calibri" panose="020F0502020204030204" pitchFamily="34" charset="0"/>
+                      </a:endParaRPr>
+                    </a:p>
+                  </a:txBody>
+                  <a:tcPr marL="7620" marR="7620" marT="7620" marB="0" anchor="b"/>
+                </a:tc>
+                <a:tc>
+                  <a:txBody>
+                    <a:bodyPr/>
+                    <a:lstStyle/>
+                    <a:p>
+                      <a:pPr algn="ctr" fontAlgn="b"/>
+                      <a:r>
+                        <a:rPr lang="en-US" sz="1600" u="none" strike="noStrike">
+                          <a:effectLst/>
+                        </a:rPr>
+                        <a:t>13.0%</a:t>
+                      </a:r>
+                      <a:endParaRPr lang="en-US" sz="1600" b="0" i="0" u="none" strike="noStrike">
+                        <a:solidFill>
+                          <a:srgbClr val="000000"/>
+                        </a:solidFill>
+                        <a:effectLst/>
+                        <a:latin typeface="Calibri" panose="020F0502020204030204" pitchFamily="34" charset="0"/>
+                      </a:endParaRPr>
+                    </a:p>
+                  </a:txBody>
+                  <a:tcPr marL="7620" marR="7620" marT="7620" marB="0" anchor="b"/>
+                </a:tc>
+                <a:tc>
+                  <a:txBody>
+                    <a:bodyPr/>
+                    <a:lstStyle/>
+                    <a:p>
+                      <a:pPr algn="ctr" fontAlgn="b"/>
+                      <a:r>
+                        <a:rPr lang="en-US" sz="1600" u="none" strike="noStrike">
+                          <a:effectLst/>
+                        </a:rPr>
+                        <a:t>13.0%</a:t>
+                      </a:r>
+                      <a:endParaRPr lang="en-US" sz="1600" b="0" i="0" u="none" strike="noStrike">
+                        <a:solidFill>
+                          <a:srgbClr val="000000"/>
+                        </a:solidFill>
+                        <a:effectLst/>
+                        <a:latin typeface="Calibri" panose="020F0502020204030204" pitchFamily="34" charset="0"/>
+                      </a:endParaRPr>
+                    </a:p>
+                  </a:txBody>
+                  <a:tcPr marL="7620" marR="7620" marT="7620" marB="0" anchor="b"/>
+                </a:tc>
+                <a:tc>
+                  <a:txBody>
+                    <a:bodyPr/>
+                    <a:lstStyle/>
+                    <a:p>
+                      <a:pPr algn="ctr" fontAlgn="b"/>
+                      <a:r>
+                        <a:rPr lang="en-US" sz="1600" u="none" strike="noStrike">
+                          <a:effectLst/>
+                        </a:rPr>
+                        <a:t>-0.37%</a:t>
+                      </a:r>
+                      <a:endParaRPr lang="en-US" sz="1600" b="0" i="0" u="none" strike="noStrike">
+                        <a:solidFill>
+                          <a:srgbClr val="000000"/>
+                        </a:solidFill>
+                        <a:effectLst/>
+                        <a:latin typeface="Calibri" panose="020F0502020204030204" pitchFamily="34" charset="0"/>
+                      </a:endParaRPr>
+                    </a:p>
+                  </a:txBody>
+                  <a:tcPr marL="7620" marR="7620" marT="7620" marB="0" anchor="b"/>
+                </a:tc>
+                <a:tc>
+                  <a:txBody>
+                    <a:bodyPr/>
+                    <a:lstStyle/>
+                    <a:p>
+                      <a:pPr algn="ctr" fontAlgn="b"/>
+                      <a:r>
+                        <a:rPr lang="en-US" sz="1600" u="none" strike="noStrike" dirty="0">
+                          <a:effectLst/>
+                        </a:rPr>
+                        <a:t>-0.37%</a:t>
+                      </a:r>
+                      <a:endParaRPr lang="en-US" sz="1600" b="0" i="0" u="none" strike="noStrike" dirty="0">
+                        <a:solidFill>
+                          <a:srgbClr val="000000"/>
+                        </a:solidFill>
+                        <a:effectLst/>
+                        <a:latin typeface="Calibri" panose="020F0502020204030204" pitchFamily="34" charset="0"/>
+                      </a:endParaRPr>
+                    </a:p>
+                  </a:txBody>
+                  <a:tcPr marL="7620" marR="7620" marT="7620" marB="0" anchor="b"/>
+                </a:tc>
+                <a:extLst>
+                  <a:ext uri="{0D108BD9-81ED-4DB2-BD59-A6C34878D82A}">
+                    <a16:rowId xmlns:a16="http://schemas.microsoft.com/office/drawing/2014/main" val="2761502365"/>
+                  </a:ext>
+                </a:extLst>
+              </a:tr>
+            </a:tbl>
+          </a:graphicData>
+        </a:graphic>
+      </p:graphicFrame>
+      <p:sp>
+        <p:nvSpPr>
+          <p:cNvPr id="4" name="Rectangle 3">
+            <a:extLst>
+              <a:ext uri="{FF2B5EF4-FFF2-40B4-BE49-F238E27FC236}">
+                <a16:creationId xmlns:a16="http://schemas.microsoft.com/office/drawing/2014/main" id="{13A2613D-1746-4B50-8C72-5BF3BAC7CD22}"/>
+              </a:ext>
+            </a:extLst>
+          </p:cNvPr>
+          <p:cNvSpPr/>
+          <p:nvPr/>
+        </p:nvSpPr>
+        <p:spPr>
+          <a:xfrm>
+            <a:off x="976573" y="1584210"/>
+            <a:ext cx="6326668" cy="369332"/>
+          </a:xfrm>
+          <a:prstGeom prst="rect">
+            <a:avLst/>
+          </a:prstGeom>
+        </p:spPr>
+        <p:txBody>
+          <a:bodyPr wrap="none">
+            <a:spAutoFit/>
+          </a:bodyPr>
+          <a:lstStyle/>
+          <a:p>
+            <a:r>
+              <a:rPr lang="en-US" dirty="0"/>
+              <a:t> For simplicity I assumed, equal investments on the filtered stocks</a:t>
+            </a:r>
+          </a:p>
+        </p:txBody>
+      </p:sp>
+    </p:spTree>
+    <p:extLst>
+      <p:ext uri="{BB962C8B-B14F-4D97-AF65-F5344CB8AC3E}">
+        <p14:creationId xmlns:p14="http://schemas.microsoft.com/office/powerpoint/2010/main" val="2045817915"/>
+      </p:ext>
+    </p:extLst>
+  </p:cSld>
+  <p:clrMapOvr>
+    <a:masterClrMapping/>
+  </p:clrMapOvr>
+</p:sld>
+</file>
+
+<file path=ppt/slides/slide21.xml><?xml version="1.0" encoding="utf-8"?>
+<p:sld xmlns:a="http://schemas.openxmlformats.org/drawingml/2006/main" xmlns:r="http://schemas.openxmlformats.org/officeDocument/2006/relationships" xmlns:p="http://schemas.openxmlformats.org/presentationml/2006/main">
+  <p:cSld>
+    <p:spTree>
+      <p:nvGrpSpPr>
+        <p:cNvPr id="1" name=""/>
+        <p:cNvGrpSpPr/>
+        <p:nvPr/>
+      </p:nvGrpSpPr>
+      <p:grpSpPr>
+        <a:xfrm>
+          <a:off x="0" y="0"/>
+          <a:ext cx="0" cy="0"/>
+          <a:chOff x="0" y="0"/>
+          <a:chExt cx="0" cy="0"/>
+        </a:xfrm>
+      </p:grpSpPr>
+      <p:sp>
+        <p:nvSpPr>
+          <p:cNvPr id="2" name="Title 1">
+            <a:extLst>
+              <a:ext uri="{FF2B5EF4-FFF2-40B4-BE49-F238E27FC236}">
+                <a16:creationId xmlns:a16="http://schemas.microsoft.com/office/drawing/2014/main" id="{6C67897B-74FD-4124-AAAF-1F30CA196C5B}"/>
+              </a:ext>
+            </a:extLst>
+          </p:cNvPr>
+          <p:cNvSpPr>
+            <a:spLocks noGrp="1"/>
+          </p:cNvSpPr>
+          <p:nvPr>
+            <p:ph type="title"/>
+          </p:nvPr>
+        </p:nvSpPr>
+        <p:spPr/>
+        <p:txBody>
+          <a:bodyPr/>
+          <a:lstStyle/>
+          <a:p>
+            <a:r>
+              <a:rPr lang="en-US" dirty="0"/>
+              <a:t>Analysis</a:t>
+            </a:r>
+          </a:p>
+        </p:txBody>
+      </p:sp>
+      <p:graphicFrame>
+        <p:nvGraphicFramePr>
+          <p:cNvPr id="4" name="Table 3">
+            <a:extLst>
+              <a:ext uri="{FF2B5EF4-FFF2-40B4-BE49-F238E27FC236}">
+                <a16:creationId xmlns:a16="http://schemas.microsoft.com/office/drawing/2014/main" id="{791AA169-2A89-4F71-979B-5E536ABB9961}"/>
+              </a:ext>
+            </a:extLst>
+          </p:cNvPr>
+          <p:cNvGraphicFramePr>
+            <a:graphicFrameLocks noGrp="1"/>
+          </p:cNvGraphicFramePr>
+          <p:nvPr>
+            <p:extLst>
+              <p:ext uri="{D42A27DB-BD31-4B8C-83A1-F6EECF244321}">
+                <p14:modId xmlns:p14="http://schemas.microsoft.com/office/powerpoint/2010/main" val="774741437"/>
+              </p:ext>
+            </p:extLst>
+          </p:nvPr>
+        </p:nvGraphicFramePr>
+        <p:xfrm>
+          <a:off x="2675199" y="2236413"/>
+          <a:ext cx="5051425" cy="1728948"/>
+        </p:xfrm>
+        <a:graphic>
+          <a:graphicData uri="http://schemas.openxmlformats.org/drawingml/2006/table">
+            <a:tbl>
+              <a:tblPr>
+                <a:tableStyleId>{5C22544A-7EE6-4342-B048-85BDC9FD1C3A}</a:tableStyleId>
+              </a:tblPr>
+              <a:tblGrid>
+                <a:gridCol w="3740785">
+                  <a:extLst>
+                    <a:ext uri="{9D8B030D-6E8A-4147-A177-3AD203B41FA5}">
+                      <a16:colId xmlns:a16="http://schemas.microsoft.com/office/drawing/2014/main" val="3350983792"/>
+                    </a:ext>
+                  </a:extLst>
+                </a:gridCol>
+                <a:gridCol w="1310640">
+                  <a:extLst>
+                    <a:ext uri="{9D8B030D-6E8A-4147-A177-3AD203B41FA5}">
+                      <a16:colId xmlns:a16="http://schemas.microsoft.com/office/drawing/2014/main" val="2379915180"/>
+                    </a:ext>
+                  </a:extLst>
+                </a:gridCol>
+              </a:tblGrid>
+              <a:tr h="288158">
+                <a:tc>
+                  <a:txBody>
+                    <a:bodyPr/>
+                    <a:lstStyle/>
+                    <a:p>
+                      <a:pPr algn="ctr" fontAlgn="b"/>
+                      <a:r>
+                        <a:rPr lang="en-US" sz="1800" u="none" strike="noStrike">
+                          <a:effectLst/>
+                        </a:rPr>
+                        <a:t>Model return</a:t>
+                      </a:r>
+                      <a:endParaRPr lang="en-US" sz="1800" b="0" i="0" u="none" strike="noStrike">
+                        <a:solidFill>
+                          <a:srgbClr val="000000"/>
+                        </a:solidFill>
+                        <a:effectLst/>
+                        <a:latin typeface="Calibri" panose="020F0502020204030204" pitchFamily="34" charset="0"/>
+                      </a:endParaRPr>
+                    </a:p>
+                  </a:txBody>
+                  <a:tcPr marL="7620" marR="7620" marT="7620" marB="0" anchor="b"/>
+                </a:tc>
+                <a:tc>
+                  <a:txBody>
+                    <a:bodyPr/>
+                    <a:lstStyle/>
+                    <a:p>
+                      <a:pPr algn="ctr" fontAlgn="b"/>
+                      <a:r>
+                        <a:rPr lang="en-US" sz="1800" u="none" strike="noStrike">
+                          <a:effectLst/>
+                        </a:rPr>
+                        <a:t>-14.8%</a:t>
+                      </a:r>
+                      <a:endParaRPr lang="en-US" sz="1800" b="0" i="0" u="none" strike="noStrike">
+                        <a:solidFill>
+                          <a:srgbClr val="000000"/>
+                        </a:solidFill>
+                        <a:effectLst/>
+                        <a:latin typeface="Calibri" panose="020F0502020204030204" pitchFamily="34" charset="0"/>
+                      </a:endParaRPr>
+                    </a:p>
+                  </a:txBody>
+                  <a:tcPr marL="7620" marR="7620" marT="7620" marB="0" anchor="b"/>
+                </a:tc>
+                <a:extLst>
+                  <a:ext uri="{0D108BD9-81ED-4DB2-BD59-A6C34878D82A}">
+                    <a16:rowId xmlns:a16="http://schemas.microsoft.com/office/drawing/2014/main" val="2721259332"/>
+                  </a:ext>
+                </a:extLst>
+              </a:tr>
+              <a:tr h="288158">
+                <a:tc>
+                  <a:txBody>
+                    <a:bodyPr/>
+                    <a:lstStyle/>
+                    <a:p>
+                      <a:pPr algn="ctr" fontAlgn="b"/>
+                      <a:r>
+                        <a:rPr lang="en-US" sz="1800" u="none" strike="noStrike">
+                          <a:effectLst/>
+                        </a:rPr>
+                        <a:t>Actual return ( filtered stocks)</a:t>
+                      </a:r>
+                      <a:endParaRPr lang="en-US" sz="1800" b="0" i="0" u="none" strike="noStrike">
+                        <a:solidFill>
+                          <a:srgbClr val="000000"/>
+                        </a:solidFill>
+                        <a:effectLst/>
+                        <a:latin typeface="Calibri" panose="020F0502020204030204" pitchFamily="34" charset="0"/>
+                      </a:endParaRPr>
+                    </a:p>
+                  </a:txBody>
+                  <a:tcPr marL="7620" marR="7620" marT="7620" marB="0" anchor="b"/>
+                </a:tc>
+                <a:tc>
+                  <a:txBody>
+                    <a:bodyPr/>
+                    <a:lstStyle/>
+                    <a:p>
+                      <a:pPr algn="ctr" fontAlgn="b"/>
+                      <a:r>
+                        <a:rPr lang="en-US" sz="1800" u="none" strike="noStrike">
+                          <a:effectLst/>
+                        </a:rPr>
+                        <a:t>-2.7%</a:t>
+                      </a:r>
+                      <a:endParaRPr lang="en-US" sz="1800" b="0" i="0" u="none" strike="noStrike">
+                        <a:solidFill>
+                          <a:srgbClr val="000000"/>
+                        </a:solidFill>
+                        <a:effectLst/>
+                        <a:latin typeface="Calibri" panose="020F0502020204030204" pitchFamily="34" charset="0"/>
+                      </a:endParaRPr>
+                    </a:p>
+                  </a:txBody>
+                  <a:tcPr marL="7620" marR="7620" marT="7620" marB="0" anchor="b"/>
+                </a:tc>
+                <a:extLst>
+                  <a:ext uri="{0D108BD9-81ED-4DB2-BD59-A6C34878D82A}">
+                    <a16:rowId xmlns:a16="http://schemas.microsoft.com/office/drawing/2014/main" val="1670599404"/>
+                  </a:ext>
+                </a:extLst>
+              </a:tr>
+              <a:tr h="288158">
+                <a:tc>
+                  <a:txBody>
+                    <a:bodyPr/>
+                    <a:lstStyle/>
+                    <a:p>
+                      <a:pPr algn="ctr" fontAlgn="b"/>
+                      <a:endParaRPr lang="en-US" sz="1800" b="0" i="0" u="none" strike="noStrike">
+                        <a:solidFill>
+                          <a:srgbClr val="000000"/>
+                        </a:solidFill>
+                        <a:effectLst/>
+                        <a:latin typeface="Calibri" panose="020F0502020204030204" pitchFamily="34" charset="0"/>
+                      </a:endParaRPr>
+                    </a:p>
+                  </a:txBody>
+                  <a:tcPr marL="7620" marR="7620" marT="7620" marB="0" anchor="b"/>
+                </a:tc>
+                <a:tc>
+                  <a:txBody>
+                    <a:bodyPr/>
+                    <a:lstStyle/>
+                    <a:p>
+                      <a:pPr algn="ctr" fontAlgn="b"/>
+                      <a:endParaRPr lang="en-US" sz="1800" b="0" i="0" u="none" strike="noStrike">
+                        <a:solidFill>
+                          <a:srgbClr val="000000"/>
+                        </a:solidFill>
+                        <a:effectLst/>
+                        <a:latin typeface="Calibri" panose="020F0502020204030204" pitchFamily="34" charset="0"/>
+                      </a:endParaRPr>
+                    </a:p>
+                  </a:txBody>
+                  <a:tcPr marL="7620" marR="7620" marT="7620" marB="0" anchor="b"/>
+                </a:tc>
+                <a:extLst>
+                  <a:ext uri="{0D108BD9-81ED-4DB2-BD59-A6C34878D82A}">
+                    <a16:rowId xmlns:a16="http://schemas.microsoft.com/office/drawing/2014/main" val="949660840"/>
+                  </a:ext>
+                </a:extLst>
+              </a:tr>
+              <a:tr h="288158">
+                <a:tc>
+                  <a:txBody>
+                    <a:bodyPr/>
+                    <a:lstStyle/>
+                    <a:p>
+                      <a:pPr algn="ctr" fontAlgn="b"/>
+                      <a:endParaRPr lang="en-US" sz="1800" b="0" i="0" u="none" strike="noStrike">
+                        <a:solidFill>
+                          <a:srgbClr val="000000"/>
+                        </a:solidFill>
+                        <a:effectLst/>
+                        <a:latin typeface="Calibri" panose="020F0502020204030204" pitchFamily="34" charset="0"/>
+                      </a:endParaRPr>
+                    </a:p>
+                  </a:txBody>
+                  <a:tcPr marL="7620" marR="7620" marT="7620" marB="0" anchor="b"/>
+                </a:tc>
+                <a:tc>
+                  <a:txBody>
+                    <a:bodyPr/>
+                    <a:lstStyle/>
+                    <a:p>
+                      <a:pPr algn="ctr" fontAlgn="b"/>
+                      <a:endParaRPr lang="en-US" sz="1800" b="0" i="0" u="none" strike="noStrike">
+                        <a:solidFill>
+                          <a:srgbClr val="000000"/>
+                        </a:solidFill>
+                        <a:effectLst/>
+                        <a:latin typeface="Calibri" panose="020F0502020204030204" pitchFamily="34" charset="0"/>
+                      </a:endParaRPr>
+                    </a:p>
+                  </a:txBody>
+                  <a:tcPr marL="7620" marR="7620" marT="7620" marB="0" anchor="b"/>
+                </a:tc>
+                <a:extLst>
+                  <a:ext uri="{0D108BD9-81ED-4DB2-BD59-A6C34878D82A}">
+                    <a16:rowId xmlns:a16="http://schemas.microsoft.com/office/drawing/2014/main" val="2358615678"/>
+                  </a:ext>
+                </a:extLst>
+              </a:tr>
+              <a:tr h="288158">
+                <a:tc>
+                  <a:txBody>
+                    <a:bodyPr/>
+                    <a:lstStyle/>
+                    <a:p>
+                      <a:pPr algn="ctr" fontAlgn="b"/>
+                      <a:r>
+                        <a:rPr lang="en-US" sz="1800" u="none" strike="noStrike">
+                          <a:effectLst/>
+                        </a:rPr>
+                        <a:t>model  SPY return</a:t>
+                      </a:r>
+                      <a:endParaRPr lang="en-US" sz="1800" b="0" i="0" u="none" strike="noStrike">
+                        <a:solidFill>
+                          <a:srgbClr val="000000"/>
+                        </a:solidFill>
+                        <a:effectLst/>
+                        <a:latin typeface="Calibri" panose="020F0502020204030204" pitchFamily="34" charset="0"/>
+                      </a:endParaRPr>
+                    </a:p>
+                  </a:txBody>
+                  <a:tcPr marL="7620" marR="7620" marT="7620" marB="0" anchor="b"/>
+                </a:tc>
+                <a:tc>
+                  <a:txBody>
+                    <a:bodyPr/>
+                    <a:lstStyle/>
+                    <a:p>
+                      <a:pPr algn="ctr" fontAlgn="b"/>
+                      <a:r>
+                        <a:rPr lang="en-US" sz="1800" u="none" strike="noStrike">
+                          <a:effectLst/>
+                        </a:rPr>
+                        <a:t>13.0%</a:t>
+                      </a:r>
+                      <a:endParaRPr lang="en-US" sz="1800" b="0" i="0" u="none" strike="noStrike">
+                        <a:solidFill>
+                          <a:srgbClr val="000000"/>
+                        </a:solidFill>
+                        <a:effectLst/>
+                        <a:latin typeface="Calibri" panose="020F0502020204030204" pitchFamily="34" charset="0"/>
+                      </a:endParaRPr>
+                    </a:p>
+                  </a:txBody>
+                  <a:tcPr marL="7620" marR="7620" marT="7620" marB="0" anchor="b"/>
+                </a:tc>
+                <a:extLst>
+                  <a:ext uri="{0D108BD9-81ED-4DB2-BD59-A6C34878D82A}">
+                    <a16:rowId xmlns:a16="http://schemas.microsoft.com/office/drawing/2014/main" val="3509241900"/>
+                  </a:ext>
+                </a:extLst>
+              </a:tr>
+              <a:tr h="288158">
+                <a:tc>
+                  <a:txBody>
+                    <a:bodyPr/>
+                    <a:lstStyle/>
+                    <a:p>
+                      <a:pPr algn="ctr" fontAlgn="b"/>
+                      <a:r>
+                        <a:rPr lang="en-US" sz="1800" u="none" strike="noStrike">
+                          <a:effectLst/>
+                        </a:rPr>
+                        <a:t>Actual SPY return</a:t>
+                      </a:r>
+                      <a:endParaRPr lang="en-US" sz="1800" b="0" i="0" u="none" strike="noStrike">
+                        <a:solidFill>
+                          <a:srgbClr val="000000"/>
+                        </a:solidFill>
+                        <a:effectLst/>
+                        <a:latin typeface="Calibri" panose="020F0502020204030204" pitchFamily="34" charset="0"/>
+                      </a:endParaRPr>
+                    </a:p>
+                  </a:txBody>
+                  <a:tcPr marL="7620" marR="7620" marT="7620" marB="0" anchor="b"/>
+                </a:tc>
+                <a:tc>
+                  <a:txBody>
+                    <a:bodyPr/>
+                    <a:lstStyle/>
+                    <a:p>
+                      <a:pPr algn="ctr" fontAlgn="b"/>
+                      <a:r>
+                        <a:rPr lang="en-US" sz="1800" u="none" strike="noStrike" dirty="0">
+                          <a:effectLst/>
+                        </a:rPr>
+                        <a:t>-0.4%</a:t>
+                      </a:r>
+                      <a:endParaRPr lang="en-US" sz="1800" b="0" i="0" u="none" strike="noStrike" dirty="0">
+                        <a:solidFill>
+                          <a:srgbClr val="000000"/>
+                        </a:solidFill>
+                        <a:effectLst/>
+                        <a:latin typeface="Calibri" panose="020F0502020204030204" pitchFamily="34" charset="0"/>
+                      </a:endParaRPr>
+                    </a:p>
+                  </a:txBody>
+                  <a:tcPr marL="7620" marR="7620" marT="7620" marB="0" anchor="b"/>
+                </a:tc>
+                <a:extLst>
+                  <a:ext uri="{0D108BD9-81ED-4DB2-BD59-A6C34878D82A}">
+                    <a16:rowId xmlns:a16="http://schemas.microsoft.com/office/drawing/2014/main" val="3327386719"/>
+                  </a:ext>
+                </a:extLst>
+              </a:tr>
+            </a:tbl>
+          </a:graphicData>
+        </a:graphic>
+      </p:graphicFrame>
+      <p:sp>
+        <p:nvSpPr>
+          <p:cNvPr id="5" name="TextBox 4">
+            <a:extLst>
+              <a:ext uri="{FF2B5EF4-FFF2-40B4-BE49-F238E27FC236}">
+                <a16:creationId xmlns:a16="http://schemas.microsoft.com/office/drawing/2014/main" id="{D13B679C-C06F-4384-82DB-619E4A736B1E}"/>
+              </a:ext>
+            </a:extLst>
+          </p:cNvPr>
+          <p:cNvSpPr txBox="1"/>
+          <p:nvPr/>
+        </p:nvSpPr>
+        <p:spPr>
+          <a:xfrm>
+            <a:off x="1100831" y="4660777"/>
+            <a:ext cx="10182687" cy="1200329"/>
+          </a:xfrm>
+          <a:prstGeom prst="rect">
+            <a:avLst/>
+          </a:prstGeom>
+          <a:noFill/>
+        </p:spPr>
+        <p:txBody>
+          <a:bodyPr wrap="square" rtlCol="0">
+            <a:spAutoFit/>
+          </a:bodyPr>
+          <a:lstStyle/>
+          <a:p>
+            <a:pPr marL="285750" indent="-285750">
+              <a:buFont typeface="Arial" panose="020B0604020202020204" pitchFamily="34" charset="0"/>
+              <a:buChar char="•"/>
+            </a:pPr>
+            <a:r>
+              <a:rPr lang="en-US" dirty="0"/>
+              <a:t>Model return suggests significant loss compared to SPY. So suggestion is to buy SPY (SP 500 index)</a:t>
+            </a:r>
+          </a:p>
+          <a:p>
+            <a:pPr marL="285750" indent="-285750">
+              <a:buFont typeface="Arial" panose="020B0604020202020204" pitchFamily="34" charset="0"/>
+              <a:buChar char="•"/>
+            </a:pPr>
+            <a:endParaRPr lang="en-US" dirty="0"/>
+          </a:p>
+          <a:p>
+            <a:pPr marL="285750" indent="-285750">
+              <a:buFont typeface="Arial" panose="020B0604020202020204" pitchFamily="34" charset="0"/>
+              <a:buChar char="•"/>
+            </a:pPr>
+            <a:r>
+              <a:rPr lang="en-US" dirty="0"/>
+              <a:t>From the actual data, we can see that although both returns are negative, SPY loss is less compared to the filtered stock.</a:t>
+            </a:r>
+          </a:p>
+        </p:txBody>
+      </p:sp>
+    </p:spTree>
+    <p:extLst>
+      <p:ext uri="{BB962C8B-B14F-4D97-AF65-F5344CB8AC3E}">
+        <p14:creationId xmlns:p14="http://schemas.microsoft.com/office/powerpoint/2010/main" val="69169767"/>
+      </p:ext>
+    </p:extLst>
+  </p:cSld>
+  <p:clrMapOvr>
+    <a:masterClrMapping/>
+  </p:clrMapOvr>
+</p:sld>
+</file>
+
+<file path=ppt/slides/slide22.xml><?xml version="1.0" encoding="utf-8"?>
+<p:sld xmlns:a="http://schemas.openxmlformats.org/drawingml/2006/main" xmlns:r="http://schemas.openxmlformats.org/officeDocument/2006/relationships" xmlns:p="http://schemas.openxmlformats.org/presentationml/2006/main">
+  <p:cSld>
+    <p:spTree>
+      <p:nvGrpSpPr>
+        <p:cNvPr id="1" name=""/>
+        <p:cNvGrpSpPr/>
+        <p:nvPr/>
+      </p:nvGrpSpPr>
+      <p:grpSpPr>
+        <a:xfrm>
+          <a:off x="0" y="0"/>
+          <a:ext cx="0" cy="0"/>
+          <a:chOff x="0" y="0"/>
+          <a:chExt cx="0" cy="0"/>
+        </a:xfrm>
+      </p:grpSpPr>
+      <p:sp>
+        <p:nvSpPr>
+          <p:cNvPr id="2" name="Title 1">
+            <a:extLst>
+              <a:ext uri="{FF2B5EF4-FFF2-40B4-BE49-F238E27FC236}">
+                <a16:creationId xmlns:a16="http://schemas.microsoft.com/office/drawing/2014/main" id="{58B78F05-400F-43D1-8676-868B955F8423}"/>
+              </a:ext>
+            </a:extLst>
+          </p:cNvPr>
+          <p:cNvSpPr>
+            <a:spLocks noGrp="1"/>
+          </p:cNvSpPr>
+          <p:nvPr>
+            <p:ph type="title"/>
+          </p:nvPr>
+        </p:nvSpPr>
+        <p:spPr/>
+        <p:txBody>
+          <a:bodyPr/>
+          <a:lstStyle/>
+          <a:p>
+            <a:r>
+              <a:rPr lang="en-US" dirty="0"/>
+              <a:t>Future works</a:t>
+            </a:r>
+          </a:p>
+        </p:txBody>
+      </p:sp>
+      <p:sp>
+        <p:nvSpPr>
+          <p:cNvPr id="3" name="Content Placeholder 2">
+            <a:extLst>
+              <a:ext uri="{FF2B5EF4-FFF2-40B4-BE49-F238E27FC236}">
+                <a16:creationId xmlns:a16="http://schemas.microsoft.com/office/drawing/2014/main" id="{8A676CE4-EF65-4783-BC59-0FD264B94024}"/>
+              </a:ext>
+            </a:extLst>
+          </p:cNvPr>
+          <p:cNvSpPr>
+            <a:spLocks noGrp="1"/>
+          </p:cNvSpPr>
+          <p:nvPr>
+            <p:ph idx="1"/>
+          </p:nvPr>
+        </p:nvSpPr>
+        <p:spPr/>
+        <p:txBody>
+          <a:bodyPr/>
+          <a:lstStyle/>
+          <a:p>
+            <a:r>
+              <a:rPr lang="en-US" dirty="0"/>
+              <a:t> Add more features in prediction, seasonality, holiday sales, quarterly information and so on.</a:t>
+            </a:r>
+          </a:p>
+          <a:p>
+            <a:r>
+              <a:rPr lang="en-US" dirty="0"/>
+              <a:t> Recently I came to know about </a:t>
+            </a:r>
+            <a:r>
+              <a:rPr lang="en-US" dirty="0" err="1"/>
+              <a:t>facebook</a:t>
+            </a:r>
+            <a:r>
+              <a:rPr lang="en-US" dirty="0"/>
+              <a:t> prophet library for time series which integrates new features easily. It would be nice to play with that.</a:t>
+            </a:r>
+          </a:p>
+          <a:p>
+            <a:r>
+              <a:rPr lang="en-US" dirty="0"/>
+              <a:t> Running neural networks on my computer is a pain. It takes ages to run 5-10 epochs. Further hyperparameter tuning, grid search, more epochs would increase the RMSE of the model.</a:t>
+            </a:r>
+          </a:p>
+          <a:p>
+            <a:r>
+              <a:rPr lang="en-US" dirty="0"/>
+              <a:t>Do the linear optimization  to find the value to weight parameters.</a:t>
+            </a:r>
+          </a:p>
+          <a:p>
+            <a:endParaRPr lang="en-US" dirty="0"/>
+          </a:p>
+        </p:txBody>
+      </p:sp>
+    </p:spTree>
+    <p:extLst>
+      <p:ext uri="{BB962C8B-B14F-4D97-AF65-F5344CB8AC3E}">
+        <p14:creationId xmlns:p14="http://schemas.microsoft.com/office/powerpoint/2010/main" val="2866152265"/>
       </p:ext>
     </p:extLst>
   </p:cSld>
@@ -3811,7 +7901,7 @@
           <p:cNvPr id="2" name="Title 1">
             <a:extLst>
               <a:ext uri="{FF2B5EF4-FFF2-40B4-BE49-F238E27FC236}">
-                <a16:creationId xmlns:a16="http://schemas.microsoft.com/office/drawing/2014/main" id="{CDFFAC22-4228-426A-96FE-E70D7922B1E3}"/>
+                <a16:creationId xmlns:a16="http://schemas.microsoft.com/office/drawing/2014/main" id="{A8E1D681-9240-4047-86D6-308AB60234D8}"/>
               </a:ext>
             </a:extLst>
           </p:cNvPr>
@@ -3822,125 +7912,24 @@
             <p:ph type="title"/>
           </p:nvPr>
         </p:nvSpPr>
-        <p:spPr>
-          <a:xfrm>
-            <a:off x="266700" y="389553"/>
-            <a:ext cx="10515600" cy="430887"/>
-          </a:xfrm>
-        </p:spPr>
-        <p:txBody>
-          <a:bodyPr>
-            <a:normAutofit fontScale="90000"/>
-          </a:bodyPr>
-          <a:lstStyle/>
-          <a:p>
-            <a:r>
-              <a:rPr lang="en-US" b="1" dirty="0"/>
-              <a:t>Data analysis</a:t>
-            </a:r>
-          </a:p>
-        </p:txBody>
-      </p:sp>
-      <p:sp>
-        <p:nvSpPr>
-          <p:cNvPr id="4" name="Rectangle 3">
-            <a:extLst>
-              <a:ext uri="{FF2B5EF4-FFF2-40B4-BE49-F238E27FC236}">
-                <a16:creationId xmlns:a16="http://schemas.microsoft.com/office/drawing/2014/main" id="{20B5B0C9-FA03-499B-8466-DD99E7460097}"/>
-              </a:ext>
-            </a:extLst>
-          </p:cNvPr>
-          <p:cNvSpPr/>
-          <p:nvPr/>
-        </p:nvSpPr>
-        <p:spPr>
-          <a:xfrm>
-            <a:off x="3063579" y="1635353"/>
-            <a:ext cx="3745446" cy="830997"/>
-          </a:xfrm>
-          <a:prstGeom prst="rect">
-            <a:avLst/>
-          </a:prstGeom>
-        </p:spPr>
-        <p:txBody>
-          <a:bodyPr wrap="square">
-            <a:spAutoFit/>
-          </a:bodyPr>
-          <a:lstStyle/>
-          <a:p>
-            <a:r>
-              <a:rPr lang="en-US" sz="1200" dirty="0" err="1"/>
-              <a:t>pd.merge</a:t>
-            </a:r>
-            <a:r>
-              <a:rPr lang="en-US" sz="1200" dirty="0"/>
-              <a:t>(</a:t>
-            </a:r>
-            <a:r>
-              <a:rPr lang="en-US" sz="1200" dirty="0" err="1"/>
-              <a:t>pd.DataFrame</a:t>
-            </a:r>
-            <a:r>
-              <a:rPr lang="en-US" sz="1200" dirty="0"/>
-              <a:t>(</a:t>
-            </a:r>
-            <a:r>
-              <a:rPr lang="en-US" sz="1200" dirty="0" err="1"/>
-              <a:t>my_stocks.xs</a:t>
-            </a:r>
-            <a:r>
-              <a:rPr lang="en-US" sz="1200" dirty="0"/>
-              <a:t>(key='</a:t>
-            </a:r>
-            <a:r>
-              <a:rPr lang="en-US" sz="1200" dirty="0" err="1"/>
-              <a:t>Close',axis</a:t>
-            </a:r>
-            <a:r>
-              <a:rPr lang="en-US" sz="1200" dirty="0"/>
-              <a:t>=1,level='info').</a:t>
-            </a:r>
-            <a:r>
-              <a:rPr lang="en-US" sz="1200" dirty="0" err="1"/>
-              <a:t>idxmax</a:t>
-            </a:r>
-            <a:r>
-              <a:rPr lang="en-US" sz="1200" dirty="0"/>
-              <a:t>()),       </a:t>
-            </a:r>
-            <a:r>
-              <a:rPr lang="en-US" sz="1200" dirty="0" err="1"/>
-              <a:t>pd.DataFrame</a:t>
-            </a:r>
-            <a:r>
-              <a:rPr lang="en-US" sz="1200" dirty="0"/>
-              <a:t>(</a:t>
-            </a:r>
-            <a:r>
-              <a:rPr lang="en-US" sz="1200" dirty="0" err="1"/>
-              <a:t>my_stocks.xs</a:t>
-            </a:r>
-            <a:r>
-              <a:rPr lang="en-US" sz="1200" dirty="0"/>
-              <a:t>(key='</a:t>
-            </a:r>
-            <a:r>
-              <a:rPr lang="en-US" sz="1200" dirty="0" err="1"/>
-              <a:t>Close',axis</a:t>
-            </a:r>
-            <a:r>
-              <a:rPr lang="en-US" sz="1200" dirty="0"/>
-              <a:t>=1,level='info').max()),on='ticker')</a:t>
+        <p:spPr/>
+        <p:txBody>
+          <a:bodyPr/>
+          <a:lstStyle/>
+          <a:p>
+            <a:r>
+              <a:rPr lang="en-US" dirty="0"/>
+              <a:t>Data cleaning</a:t>
             </a:r>
           </a:p>
         </p:txBody>
       </p:sp>
       <p:pic>
         <p:nvPicPr>
-          <p:cNvPr id="9" name="Picture 8">
-            <a:extLst>
-              <a:ext uri="{FF2B5EF4-FFF2-40B4-BE49-F238E27FC236}">
-                <a16:creationId xmlns:a16="http://schemas.microsoft.com/office/drawing/2014/main" id="{DCC7E11F-86A6-45E3-AC48-252BBE6C5ED5}"/>
+          <p:cNvPr id="4" name="Picture 3">
+            <a:extLst>
+              <a:ext uri="{FF2B5EF4-FFF2-40B4-BE49-F238E27FC236}">
+                <a16:creationId xmlns:a16="http://schemas.microsoft.com/office/drawing/2014/main" id="{6BCC1697-897F-49D7-9560-A33A9133F2CD}"/>
               </a:ext>
             </a:extLst>
           </p:cNvPr>
@@ -3957,144 +7946,20 @@
         </p:blipFill>
         <p:spPr>
           <a:xfrm>
-            <a:off x="3395604" y="2496579"/>
-            <a:ext cx="3081396" cy="2610273"/>
+            <a:off x="1518451" y="4429125"/>
+            <a:ext cx="8458200" cy="2000250"/>
           </a:xfrm>
           <a:prstGeom prst="rect">
             <a:avLst/>
           </a:prstGeom>
         </p:spPr>
       </p:pic>
-      <p:pic>
-        <p:nvPicPr>
-          <p:cNvPr id="10" name="Picture 9">
-            <a:extLst>
-              <a:ext uri="{FF2B5EF4-FFF2-40B4-BE49-F238E27FC236}">
-                <a16:creationId xmlns:a16="http://schemas.microsoft.com/office/drawing/2014/main" id="{897E973E-0BD8-48B7-B91D-4B36C53B651E}"/>
-              </a:ext>
-            </a:extLst>
-          </p:cNvPr>
-          <p:cNvPicPr>
-            <a:picLocks noChangeAspect="1"/>
-          </p:cNvPicPr>
-          <p:nvPr/>
-        </p:nvPicPr>
-        <p:blipFill>
-          <a:blip r:embed="rId3"/>
-          <a:stretch>
-            <a:fillRect/>
-          </a:stretch>
-        </p:blipFill>
-        <p:spPr>
-          <a:xfrm>
-            <a:off x="7715249" y="2496579"/>
-            <a:ext cx="3324225" cy="2724775"/>
-          </a:xfrm>
-          <a:prstGeom prst="rect">
-            <a:avLst/>
-          </a:prstGeom>
-        </p:spPr>
-      </p:pic>
-      <p:sp>
-        <p:nvSpPr>
-          <p:cNvPr id="11" name="Rectangle 10">
-            <a:extLst>
-              <a:ext uri="{FF2B5EF4-FFF2-40B4-BE49-F238E27FC236}">
-                <a16:creationId xmlns:a16="http://schemas.microsoft.com/office/drawing/2014/main" id="{6AE0BBDB-9AEA-49E7-8098-517E2E3E8555}"/>
-              </a:ext>
-            </a:extLst>
-          </p:cNvPr>
-          <p:cNvSpPr/>
-          <p:nvPr/>
-        </p:nvSpPr>
-        <p:spPr>
-          <a:xfrm>
-            <a:off x="7429500" y="1636646"/>
-            <a:ext cx="4181474" cy="769441"/>
-          </a:xfrm>
-          <a:prstGeom prst="rect">
-            <a:avLst/>
-          </a:prstGeom>
-        </p:spPr>
-        <p:txBody>
-          <a:bodyPr wrap="square">
-            <a:spAutoFit/>
-          </a:bodyPr>
-          <a:lstStyle/>
-          <a:p>
-            <a:r>
-              <a:rPr lang="en-US" sz="1100" dirty="0" err="1"/>
-              <a:t>pd.merge</a:t>
-            </a:r>
-            <a:r>
-              <a:rPr lang="en-US" sz="1100" dirty="0"/>
-              <a:t>(</a:t>
-            </a:r>
-            <a:r>
-              <a:rPr lang="en-US" sz="1100" dirty="0" err="1"/>
-              <a:t>pd.DataFrame</a:t>
-            </a:r>
-            <a:r>
-              <a:rPr lang="en-US" sz="1100" dirty="0"/>
-              <a:t>(</a:t>
-            </a:r>
-            <a:r>
-              <a:rPr lang="en-US" sz="1100" dirty="0" err="1"/>
-              <a:t>my_stocks.xs</a:t>
-            </a:r>
-            <a:r>
-              <a:rPr lang="en-US" sz="1100" dirty="0"/>
-              <a:t>(key='</a:t>
-            </a:r>
-            <a:r>
-              <a:rPr lang="en-US" sz="1100" dirty="0" err="1"/>
-              <a:t>Close',axis</a:t>
-            </a:r>
-            <a:r>
-              <a:rPr lang="en-US" sz="1100" dirty="0"/>
-              <a:t>=1,level='info').</a:t>
-            </a:r>
-            <a:r>
-              <a:rPr lang="en-US" sz="1100" dirty="0" err="1"/>
-              <a:t>idxmin</a:t>
-            </a:r>
-            <a:r>
-              <a:rPr lang="en-US" sz="1100" dirty="0"/>
-              <a:t>()),      </a:t>
-            </a:r>
-            <a:r>
-              <a:rPr lang="en-US" sz="1100" dirty="0" err="1"/>
-              <a:t>pd.DataFrame</a:t>
-            </a:r>
-            <a:r>
-              <a:rPr lang="en-US" sz="1100" dirty="0"/>
-              <a:t>(</a:t>
-            </a:r>
-            <a:r>
-              <a:rPr lang="en-US" sz="1100" dirty="0" err="1"/>
-              <a:t>my_stocks.xs</a:t>
-            </a:r>
-            <a:r>
-              <a:rPr lang="en-US" sz="1100" dirty="0"/>
-              <a:t>(key='</a:t>
-            </a:r>
-            <a:r>
-              <a:rPr lang="en-US" sz="1100" dirty="0" err="1"/>
-              <a:t>Close',axis</a:t>
-            </a:r>
-            <a:r>
-              <a:rPr lang="en-US" sz="1100" dirty="0"/>
-              <a:t>=1,level='info').min()),on='ticker')</a:t>
-            </a:r>
-          </a:p>
-        </p:txBody>
-      </p:sp>
-      <p:sp>
-        <p:nvSpPr>
-          <p:cNvPr id="12" name="TextBox 11">
-            <a:extLst>
-              <a:ext uri="{FF2B5EF4-FFF2-40B4-BE49-F238E27FC236}">
-                <a16:creationId xmlns:a16="http://schemas.microsoft.com/office/drawing/2014/main" id="{97E0B529-EB0B-4CF3-A5E0-0753399F3298}"/>
+      <p:sp>
+        <p:nvSpPr>
+          <p:cNvPr id="5" name="TextBox 4">
+            <a:extLst>
+              <a:ext uri="{FF2B5EF4-FFF2-40B4-BE49-F238E27FC236}">
+                <a16:creationId xmlns:a16="http://schemas.microsoft.com/office/drawing/2014/main" id="{597AEAAD-38BE-4156-8E09-E19C2C6E2E4B}"/>
               </a:ext>
             </a:extLst>
           </p:cNvPr>
@@ -4103,8 +7968,8 @@
         </p:nvSpPr>
         <p:spPr>
           <a:xfrm>
-            <a:off x="3695700" y="5534025"/>
-            <a:ext cx="2781300" cy="369332"/>
+            <a:off x="1343025" y="1895475"/>
+            <a:ext cx="9677400" cy="2585323"/>
           </a:xfrm>
           <a:prstGeom prst="rect">
             <a:avLst/>
@@ -4117,148 +7982,13 @@
           </a:bodyPr>
           <a:lstStyle/>
           <a:p>
-            <a:r>
-              <a:rPr lang="en-US" dirty="0"/>
-              <a:t>All time high</a:t>
-            </a:r>
-          </a:p>
-        </p:txBody>
-      </p:sp>
-      <p:sp>
-        <p:nvSpPr>
-          <p:cNvPr id="13" name="TextBox 12">
-            <a:extLst>
-              <a:ext uri="{FF2B5EF4-FFF2-40B4-BE49-F238E27FC236}">
-                <a16:creationId xmlns:a16="http://schemas.microsoft.com/office/drawing/2014/main" id="{4CB7D26A-30D9-4F67-8F50-DBFCB3497BD2}"/>
-              </a:ext>
-            </a:extLst>
-          </p:cNvPr>
-          <p:cNvSpPr txBox="1"/>
-          <p:nvPr/>
-        </p:nvSpPr>
-        <p:spPr>
-          <a:xfrm>
-            <a:off x="8960675" y="5534025"/>
-            <a:ext cx="2781300" cy="369332"/>
-          </a:xfrm>
-          <a:prstGeom prst="rect">
-            <a:avLst/>
-          </a:prstGeom>
-          <a:noFill/>
-        </p:spPr>
-        <p:txBody>
-          <a:bodyPr wrap="square" rtlCol="0">
-            <a:spAutoFit/>
-          </a:bodyPr>
-          <a:lstStyle/>
-          <a:p>
-            <a:r>
-              <a:rPr lang="en-US" dirty="0"/>
-              <a:t>All time low</a:t>
-            </a:r>
-          </a:p>
-        </p:txBody>
-      </p:sp>
-      <p:pic>
-        <p:nvPicPr>
-          <p:cNvPr id="14" name="Picture 13">
-            <a:extLst>
-              <a:ext uri="{FF2B5EF4-FFF2-40B4-BE49-F238E27FC236}">
-                <a16:creationId xmlns:a16="http://schemas.microsoft.com/office/drawing/2014/main" id="{3C10A264-CB2D-48C0-89B1-AD92B49E5E36}"/>
-              </a:ext>
-            </a:extLst>
-          </p:cNvPr>
-          <p:cNvPicPr>
-            <a:picLocks noChangeAspect="1"/>
-          </p:cNvPicPr>
-          <p:nvPr/>
-        </p:nvPicPr>
-        <p:blipFill>
-          <a:blip r:embed="rId4"/>
-          <a:stretch>
-            <a:fillRect/>
-          </a:stretch>
-        </p:blipFill>
-        <p:spPr>
-          <a:xfrm>
-            <a:off x="264319" y="2326005"/>
-            <a:ext cx="1776414" cy="2913319"/>
-          </a:xfrm>
-          <a:prstGeom prst="rect">
-            <a:avLst/>
-          </a:prstGeom>
-        </p:spPr>
-      </p:pic>
-      <p:sp>
-        <p:nvSpPr>
-          <p:cNvPr id="15" name="TextBox 14">
-            <a:extLst>
-              <a:ext uri="{FF2B5EF4-FFF2-40B4-BE49-F238E27FC236}">
-                <a16:creationId xmlns:a16="http://schemas.microsoft.com/office/drawing/2014/main" id="{3A9E2890-9E99-4FEA-80F6-2B782DA74DC8}"/>
-              </a:ext>
-            </a:extLst>
-          </p:cNvPr>
-          <p:cNvSpPr txBox="1"/>
-          <p:nvPr/>
-        </p:nvSpPr>
-        <p:spPr>
-          <a:xfrm>
-            <a:off x="450027" y="5534025"/>
-            <a:ext cx="2781300" cy="369332"/>
-          </a:xfrm>
-          <a:prstGeom prst="rect">
-            <a:avLst/>
-          </a:prstGeom>
-          <a:noFill/>
-        </p:spPr>
-        <p:txBody>
-          <a:bodyPr wrap="square" rtlCol="0">
-            <a:spAutoFit/>
-          </a:bodyPr>
-          <a:lstStyle/>
-          <a:p>
-            <a:r>
-              <a:rPr lang="en-US" dirty="0"/>
-              <a:t>Last day’s price</a:t>
-            </a:r>
-          </a:p>
-        </p:txBody>
-      </p:sp>
-      <p:sp>
-        <p:nvSpPr>
-          <p:cNvPr id="16" name="TextBox 15">
-            <a:extLst>
-              <a:ext uri="{FF2B5EF4-FFF2-40B4-BE49-F238E27FC236}">
-                <a16:creationId xmlns:a16="http://schemas.microsoft.com/office/drawing/2014/main" id="{F4F4F7B5-07D1-414A-B61A-509A58B3FE3D}"/>
-              </a:ext>
-            </a:extLst>
-          </p:cNvPr>
-          <p:cNvSpPr txBox="1"/>
-          <p:nvPr/>
-        </p:nvSpPr>
-        <p:spPr>
-          <a:xfrm>
-            <a:off x="1724025" y="6095798"/>
-            <a:ext cx="8086725" cy="646331"/>
-          </a:xfrm>
-          <a:prstGeom prst="rect">
-            <a:avLst/>
-          </a:prstGeom>
-          <a:noFill/>
-        </p:spPr>
-        <p:txBody>
-          <a:bodyPr wrap="square" rtlCol="0">
-            <a:spAutoFit/>
-          </a:bodyPr>
-          <a:lstStyle/>
-          <a:p>
             <a:pPr marL="285750" indent="-285750">
               <a:buFontTx/>
               <a:buChar char="-"/>
             </a:pPr>
             <a:r>
               <a:rPr lang="en-US" dirty="0"/>
-              <a:t> SPG, FANG, ET are close to their all time low</a:t>
+              <a:t>First scrap data from yahoo finance</a:t>
             </a:r>
           </a:p>
           <a:p>
@@ -4268,15 +7998,87 @@
             </a:pPr>
             <a:r>
               <a:rPr lang="en-US" dirty="0"/>
-              <a:t> MSFT,VOO, VGT are very close to their all time high</a:t>
-            </a:r>
+              <a:t>Populate the following table </a:t>
+            </a:r>
+          </a:p>
+          <a:p>
+            <a:pPr marL="285750" indent="-285750">
+              <a:buFontTx/>
+              <a:buChar char="-"/>
+            </a:pPr>
+            <a:r>
+              <a:rPr lang="en-US" dirty="0"/>
+              <a:t>Issues: </a:t>
+            </a:r>
+          </a:p>
+          <a:p>
+            <a:pPr marL="742950" lvl="1" indent="-285750">
+              <a:buFontTx/>
+              <a:buChar char="-"/>
+            </a:pPr>
+            <a:r>
+              <a:rPr lang="en-US" dirty="0"/>
+              <a:t>Market cap includes B for billion, M for million, T from trillion. Convert them to integer</a:t>
+            </a:r>
+          </a:p>
+          <a:p>
+            <a:pPr marL="742950" lvl="1" indent="-285750">
+              <a:buFontTx/>
+              <a:buChar char="-"/>
+            </a:pPr>
+            <a:r>
+              <a:rPr lang="en-US" dirty="0"/>
+              <a:t>Define change using </a:t>
+            </a:r>
+            <a:r>
+              <a:rPr lang="en-US" dirty="0" err="1"/>
+              <a:t>pct_change</a:t>
+            </a:r>
+            <a:r>
+              <a:rPr lang="en-US" dirty="0"/>
+              <a:t> using price and the wall street estimate</a:t>
+            </a:r>
+          </a:p>
+          <a:p>
+            <a:pPr marL="742950" lvl="1" indent="-285750">
+              <a:buFontTx/>
+              <a:buChar char="-"/>
+            </a:pPr>
+            <a:r>
+              <a:rPr lang="en-US" dirty="0"/>
+              <a:t>Convert objects to float</a:t>
+            </a:r>
+          </a:p>
+          <a:p>
+            <a:pPr marL="742950" lvl="1" indent="-285750">
+              <a:buFontTx/>
+              <a:buChar char="-"/>
+            </a:pPr>
+            <a:r>
+              <a:rPr lang="en-US" dirty="0"/>
+              <a:t>Populate dividend values and replace Nan with zero</a:t>
+            </a:r>
+          </a:p>
+          <a:p>
+            <a:pPr marL="742950" lvl="1" indent="-285750">
+              <a:buFontTx/>
+              <a:buChar char="-"/>
+            </a:pPr>
+            <a:endParaRPr lang="en-US" dirty="0"/>
+          </a:p>
+          <a:p>
+            <a:pPr marL="742950" lvl="1" indent="-285750">
+              <a:buFontTx/>
+              <a:buChar char="-"/>
+            </a:pPr>
+            <a:endParaRPr lang="en-US" dirty="0"/>
           </a:p>
         </p:txBody>
       </p:sp>
     </p:spTree>
     <p:extLst>
       <p:ext uri="{BB962C8B-B14F-4D97-AF65-F5344CB8AC3E}">
-        <p14:creationId xmlns:p14="http://schemas.microsoft.com/office/powerpoint/2010/main" val="771444640"/>
+        <p14:creationId xmlns:p14="http://schemas.microsoft.com/office/powerpoint/2010/main" val="2272755338"/>
       </p:ext>
     </p:extLst>
   </p:cSld>
@@ -4308,7 +8110,7 @@
           <p:cNvPr id="2" name="Title 1">
             <a:extLst>
               <a:ext uri="{FF2B5EF4-FFF2-40B4-BE49-F238E27FC236}">
-                <a16:creationId xmlns:a16="http://schemas.microsoft.com/office/drawing/2014/main" id="{40862D4B-6B4B-4CFD-AC1B-40578CF464E2}"/>
+                <a16:creationId xmlns:a16="http://schemas.microsoft.com/office/drawing/2014/main" id="{CDFFAC22-4228-426A-96FE-E70D7922B1E3}"/>
               </a:ext>
             </a:extLst>
           </p:cNvPr>
@@ -4321,8 +8123,8 @@
         </p:nvSpPr>
         <p:spPr>
           <a:xfrm>
-            <a:off x="838200" y="365126"/>
-            <a:ext cx="10515600" cy="620296"/>
+            <a:off x="266700" y="389553"/>
+            <a:ext cx="10515600" cy="430887"/>
           </a:xfrm>
         </p:spPr>
         <p:txBody>
@@ -4335,110 +8137,398 @@
               <a:rPr lang="en-US" b="1" dirty="0"/>
               <a:t>Data analysis</a:t>
             </a:r>
-            <a:endParaRPr lang="en-US" dirty="0"/>
+          </a:p>
+        </p:txBody>
+      </p:sp>
+      <p:sp>
+        <p:nvSpPr>
+          <p:cNvPr id="4" name="Rectangle 3">
+            <a:extLst>
+              <a:ext uri="{FF2B5EF4-FFF2-40B4-BE49-F238E27FC236}">
+                <a16:creationId xmlns:a16="http://schemas.microsoft.com/office/drawing/2014/main" id="{20B5B0C9-FA03-499B-8466-DD99E7460097}"/>
+              </a:ext>
+            </a:extLst>
+          </p:cNvPr>
+          <p:cNvSpPr/>
+          <p:nvPr/>
+        </p:nvSpPr>
+        <p:spPr>
+          <a:xfrm>
+            <a:off x="3063579" y="1635353"/>
+            <a:ext cx="3745446" cy="830997"/>
+          </a:xfrm>
+          <a:prstGeom prst="rect">
+            <a:avLst/>
+          </a:prstGeom>
+        </p:spPr>
+        <p:txBody>
+          <a:bodyPr wrap="square">
+            <a:spAutoFit/>
+          </a:bodyPr>
+          <a:lstStyle/>
+          <a:p>
+            <a:r>
+              <a:rPr lang="en-US" sz="1200" dirty="0" err="1"/>
+              <a:t>pd.merge</a:t>
+            </a:r>
+            <a:r>
+              <a:rPr lang="en-US" sz="1200" dirty="0"/>
+              <a:t>(</a:t>
+            </a:r>
+            <a:r>
+              <a:rPr lang="en-US" sz="1200" dirty="0" err="1"/>
+              <a:t>pd.DataFrame</a:t>
+            </a:r>
+            <a:r>
+              <a:rPr lang="en-US" sz="1200" dirty="0"/>
+              <a:t>(</a:t>
+            </a:r>
+            <a:r>
+              <a:rPr lang="en-US" sz="1200" dirty="0" err="1"/>
+              <a:t>my_stocks.xs</a:t>
+            </a:r>
+            <a:r>
+              <a:rPr lang="en-US" sz="1200" dirty="0"/>
+              <a:t>(key='</a:t>
+            </a:r>
+            <a:r>
+              <a:rPr lang="en-US" sz="1200" dirty="0" err="1"/>
+              <a:t>Close',axis</a:t>
+            </a:r>
+            <a:r>
+              <a:rPr lang="en-US" sz="1200" dirty="0"/>
+              <a:t>=1,level='info').</a:t>
+            </a:r>
+            <a:r>
+              <a:rPr lang="en-US" sz="1200" dirty="0" err="1"/>
+              <a:t>idxmax</a:t>
+            </a:r>
+            <a:r>
+              <a:rPr lang="en-US" sz="1200" dirty="0"/>
+              <a:t>()),       </a:t>
+            </a:r>
+            <a:r>
+              <a:rPr lang="en-US" sz="1200" dirty="0" err="1"/>
+              <a:t>pd.DataFrame</a:t>
+            </a:r>
+            <a:r>
+              <a:rPr lang="en-US" sz="1200" dirty="0"/>
+              <a:t>(</a:t>
+            </a:r>
+            <a:r>
+              <a:rPr lang="en-US" sz="1200" dirty="0" err="1"/>
+              <a:t>my_stocks.xs</a:t>
+            </a:r>
+            <a:r>
+              <a:rPr lang="en-US" sz="1200" dirty="0"/>
+              <a:t>(key='</a:t>
+            </a:r>
+            <a:r>
+              <a:rPr lang="en-US" sz="1200" dirty="0" err="1"/>
+              <a:t>Close',axis</a:t>
+            </a:r>
+            <a:r>
+              <a:rPr lang="en-US" sz="1200" dirty="0"/>
+              <a:t>=1,level='info').max()),on='ticker')</a:t>
+            </a:r>
           </a:p>
         </p:txBody>
       </p:sp>
       <p:pic>
         <p:nvPicPr>
-          <p:cNvPr id="7170" name="Picture 2">
-            <a:extLst>
-              <a:ext uri="{FF2B5EF4-FFF2-40B4-BE49-F238E27FC236}">
-                <a16:creationId xmlns:a16="http://schemas.microsoft.com/office/drawing/2014/main" id="{71D56638-BD64-4189-8B42-CC4F249984AC}"/>
+          <p:cNvPr id="9" name="Picture 8">
+            <a:extLst>
+              <a:ext uri="{FF2B5EF4-FFF2-40B4-BE49-F238E27FC236}">
+                <a16:creationId xmlns:a16="http://schemas.microsoft.com/office/drawing/2014/main" id="{DCC7E11F-86A6-45E3-AC48-252BBE6C5ED5}"/>
               </a:ext>
             </a:extLst>
           </p:cNvPr>
           <p:cNvPicPr>
-            <a:picLocks noChangeAspect="1" noChangeArrowheads="1"/>
+            <a:picLocks noChangeAspect="1"/>
           </p:cNvPicPr>
           <p:nvPr/>
         </p:nvPicPr>
         <p:blipFill>
-          <a:blip r:embed="rId2">
-            <a:extLst>
-              <a:ext uri="{28A0092B-C50C-407E-A947-70E740481C1C}">
-                <a14:useLocalDpi xmlns:a14="http://schemas.microsoft.com/office/drawing/2010/main" val="0"/>
-              </a:ext>
-            </a:extLst>
-          </a:blip>
-          <a:srcRect/>
+          <a:blip r:embed="rId2"/>
           <a:stretch>
             <a:fillRect/>
           </a:stretch>
         </p:blipFill>
-        <p:spPr bwMode="auto">
-          <a:xfrm>
-            <a:off x="678402" y="1528758"/>
-            <a:ext cx="4400550" cy="3146630"/>
+        <p:spPr>
+          <a:xfrm>
+            <a:off x="3395604" y="2496579"/>
+            <a:ext cx="3081396" cy="2610273"/>
+          </a:xfrm>
+          <a:prstGeom prst="rect">
+            <a:avLst/>
+          </a:prstGeom>
+        </p:spPr>
+      </p:pic>
+      <p:pic>
+        <p:nvPicPr>
+          <p:cNvPr id="10" name="Picture 9">
+            <a:extLst>
+              <a:ext uri="{FF2B5EF4-FFF2-40B4-BE49-F238E27FC236}">
+                <a16:creationId xmlns:a16="http://schemas.microsoft.com/office/drawing/2014/main" id="{897E973E-0BD8-48B7-B91D-4B36C53B651E}"/>
+              </a:ext>
+            </a:extLst>
+          </p:cNvPr>
+          <p:cNvPicPr>
+            <a:picLocks noChangeAspect="1"/>
+          </p:cNvPicPr>
+          <p:nvPr/>
+        </p:nvPicPr>
+        <p:blipFill>
+          <a:blip r:embed="rId3"/>
+          <a:stretch>
+            <a:fillRect/>
+          </a:stretch>
+        </p:blipFill>
+        <p:spPr>
+          <a:xfrm>
+            <a:off x="7715249" y="2496579"/>
+            <a:ext cx="3324225" cy="2724775"/>
+          </a:xfrm>
+          <a:prstGeom prst="rect">
+            <a:avLst/>
+          </a:prstGeom>
+        </p:spPr>
+      </p:pic>
+      <p:sp>
+        <p:nvSpPr>
+          <p:cNvPr id="11" name="Rectangle 10">
+            <a:extLst>
+              <a:ext uri="{FF2B5EF4-FFF2-40B4-BE49-F238E27FC236}">
+                <a16:creationId xmlns:a16="http://schemas.microsoft.com/office/drawing/2014/main" id="{6AE0BBDB-9AEA-49E7-8098-517E2E3E8555}"/>
+              </a:ext>
+            </a:extLst>
+          </p:cNvPr>
+          <p:cNvSpPr/>
+          <p:nvPr/>
+        </p:nvSpPr>
+        <p:spPr>
+          <a:xfrm>
+            <a:off x="7429500" y="1636646"/>
+            <a:ext cx="4181474" cy="769441"/>
+          </a:xfrm>
+          <a:prstGeom prst="rect">
+            <a:avLst/>
+          </a:prstGeom>
+        </p:spPr>
+        <p:txBody>
+          <a:bodyPr wrap="square">
+            <a:spAutoFit/>
+          </a:bodyPr>
+          <a:lstStyle/>
+          <a:p>
+            <a:r>
+              <a:rPr lang="en-US" sz="1100" dirty="0" err="1"/>
+              <a:t>pd.merge</a:t>
+            </a:r>
+            <a:r>
+              <a:rPr lang="en-US" sz="1100" dirty="0"/>
+              <a:t>(</a:t>
+            </a:r>
+            <a:r>
+              <a:rPr lang="en-US" sz="1100" dirty="0" err="1"/>
+              <a:t>pd.DataFrame</a:t>
+            </a:r>
+            <a:r>
+              <a:rPr lang="en-US" sz="1100" dirty="0"/>
+              <a:t>(</a:t>
+            </a:r>
+            <a:r>
+              <a:rPr lang="en-US" sz="1100" dirty="0" err="1"/>
+              <a:t>my_stocks.xs</a:t>
+            </a:r>
+            <a:r>
+              <a:rPr lang="en-US" sz="1100" dirty="0"/>
+              <a:t>(key='</a:t>
+            </a:r>
+            <a:r>
+              <a:rPr lang="en-US" sz="1100" dirty="0" err="1"/>
+              <a:t>Close',axis</a:t>
+            </a:r>
+            <a:r>
+              <a:rPr lang="en-US" sz="1100" dirty="0"/>
+              <a:t>=1,level='info').</a:t>
+            </a:r>
+            <a:r>
+              <a:rPr lang="en-US" sz="1100" dirty="0" err="1"/>
+              <a:t>idxmin</a:t>
+            </a:r>
+            <a:r>
+              <a:rPr lang="en-US" sz="1100" dirty="0"/>
+              <a:t>()),      </a:t>
+            </a:r>
+            <a:r>
+              <a:rPr lang="en-US" sz="1100" dirty="0" err="1"/>
+              <a:t>pd.DataFrame</a:t>
+            </a:r>
+            <a:r>
+              <a:rPr lang="en-US" sz="1100" dirty="0"/>
+              <a:t>(</a:t>
+            </a:r>
+            <a:r>
+              <a:rPr lang="en-US" sz="1100" dirty="0" err="1"/>
+              <a:t>my_stocks.xs</a:t>
+            </a:r>
+            <a:r>
+              <a:rPr lang="en-US" sz="1100" dirty="0"/>
+              <a:t>(key='</a:t>
+            </a:r>
+            <a:r>
+              <a:rPr lang="en-US" sz="1100" dirty="0" err="1"/>
+              <a:t>Close',axis</a:t>
+            </a:r>
+            <a:r>
+              <a:rPr lang="en-US" sz="1100" dirty="0"/>
+              <a:t>=1,level='info').min()),on='ticker')</a:t>
+            </a:r>
+          </a:p>
+        </p:txBody>
+      </p:sp>
+      <p:sp>
+        <p:nvSpPr>
+          <p:cNvPr id="12" name="TextBox 11">
+            <a:extLst>
+              <a:ext uri="{FF2B5EF4-FFF2-40B4-BE49-F238E27FC236}">
+                <a16:creationId xmlns:a16="http://schemas.microsoft.com/office/drawing/2014/main" id="{97E0B529-EB0B-4CF3-A5E0-0753399F3298}"/>
+              </a:ext>
+            </a:extLst>
+          </p:cNvPr>
+          <p:cNvSpPr txBox="1"/>
+          <p:nvPr/>
+        </p:nvSpPr>
+        <p:spPr>
+          <a:xfrm>
+            <a:off x="3695700" y="5534025"/>
+            <a:ext cx="2781300" cy="369332"/>
           </a:xfrm>
           <a:prstGeom prst="rect">
             <a:avLst/>
           </a:prstGeom>
           <a:noFill/>
-          <a:extLst>
-            <a:ext uri="{909E8E84-426E-40DD-AFC4-6F175D3DCCD1}">
-              <a14:hiddenFill xmlns:a14="http://schemas.microsoft.com/office/drawing/2010/main">
-                <a:solidFill>
-                  <a:srgbClr val="FFFFFF"/>
-                </a:solidFill>
-              </a14:hiddenFill>
-            </a:ext>
-          </a:extLst>
-        </p:spPr>
-      </p:pic>
+        </p:spPr>
+        <p:txBody>
+          <a:bodyPr wrap="square" rtlCol="0">
+            <a:spAutoFit/>
+          </a:bodyPr>
+          <a:lstStyle/>
+          <a:p>
+            <a:r>
+              <a:rPr lang="en-US" dirty="0"/>
+              <a:t>All time high</a:t>
+            </a:r>
+          </a:p>
+        </p:txBody>
+      </p:sp>
+      <p:sp>
+        <p:nvSpPr>
+          <p:cNvPr id="13" name="TextBox 12">
+            <a:extLst>
+              <a:ext uri="{FF2B5EF4-FFF2-40B4-BE49-F238E27FC236}">
+                <a16:creationId xmlns:a16="http://schemas.microsoft.com/office/drawing/2014/main" id="{4CB7D26A-30D9-4F67-8F50-DBFCB3497BD2}"/>
+              </a:ext>
+            </a:extLst>
+          </p:cNvPr>
+          <p:cNvSpPr txBox="1"/>
+          <p:nvPr/>
+        </p:nvSpPr>
+        <p:spPr>
+          <a:xfrm>
+            <a:off x="8960675" y="5534025"/>
+            <a:ext cx="2781300" cy="369332"/>
+          </a:xfrm>
+          <a:prstGeom prst="rect">
+            <a:avLst/>
+          </a:prstGeom>
+          <a:noFill/>
+        </p:spPr>
+        <p:txBody>
+          <a:bodyPr wrap="square" rtlCol="0">
+            <a:spAutoFit/>
+          </a:bodyPr>
+          <a:lstStyle/>
+          <a:p>
+            <a:r>
+              <a:rPr lang="en-US" dirty="0"/>
+              <a:t>All time low</a:t>
+            </a:r>
+          </a:p>
+        </p:txBody>
+      </p:sp>
       <p:pic>
         <p:nvPicPr>
-          <p:cNvPr id="7172" name="Picture 4">
-            <a:extLst>
-              <a:ext uri="{FF2B5EF4-FFF2-40B4-BE49-F238E27FC236}">
-                <a16:creationId xmlns:a16="http://schemas.microsoft.com/office/drawing/2014/main" id="{A841937A-1F09-4350-8D22-40AA749B8BBF}"/>
+          <p:cNvPr id="14" name="Picture 13">
+            <a:extLst>
+              <a:ext uri="{FF2B5EF4-FFF2-40B4-BE49-F238E27FC236}">
+                <a16:creationId xmlns:a16="http://schemas.microsoft.com/office/drawing/2014/main" id="{3C10A264-CB2D-48C0-89B1-AD92B49E5E36}"/>
               </a:ext>
             </a:extLst>
           </p:cNvPr>
           <p:cNvPicPr>
-            <a:picLocks noChangeAspect="1" noChangeArrowheads="1"/>
+            <a:picLocks noChangeAspect="1"/>
           </p:cNvPicPr>
           <p:nvPr/>
         </p:nvPicPr>
         <p:blipFill>
-          <a:blip r:embed="rId3">
-            <a:extLst>
-              <a:ext uri="{28A0092B-C50C-407E-A947-70E740481C1C}">
-                <a14:useLocalDpi xmlns:a14="http://schemas.microsoft.com/office/drawing/2010/main" val="0"/>
-              </a:ext>
-            </a:extLst>
-          </a:blip>
-          <a:srcRect/>
+          <a:blip r:embed="rId4"/>
           <a:stretch>
             <a:fillRect/>
           </a:stretch>
         </p:blipFill>
-        <p:spPr bwMode="auto">
-          <a:xfrm>
-            <a:off x="6232679" y="1462481"/>
-            <a:ext cx="4400550" cy="3146630"/>
+        <p:spPr>
+          <a:xfrm>
+            <a:off x="264319" y="2326005"/>
+            <a:ext cx="1776414" cy="2913319"/>
+          </a:xfrm>
+          <a:prstGeom prst="rect">
+            <a:avLst/>
+          </a:prstGeom>
+        </p:spPr>
+      </p:pic>
+      <p:sp>
+        <p:nvSpPr>
+          <p:cNvPr id="15" name="TextBox 14">
+            <a:extLst>
+              <a:ext uri="{FF2B5EF4-FFF2-40B4-BE49-F238E27FC236}">
+                <a16:creationId xmlns:a16="http://schemas.microsoft.com/office/drawing/2014/main" id="{3A9E2890-9E99-4FEA-80F6-2B782DA74DC8}"/>
+              </a:ext>
+            </a:extLst>
+          </p:cNvPr>
+          <p:cNvSpPr txBox="1"/>
+          <p:nvPr/>
+        </p:nvSpPr>
+        <p:spPr>
+          <a:xfrm>
+            <a:off x="450027" y="5534025"/>
+            <a:ext cx="2781300" cy="369332"/>
           </a:xfrm>
           <a:prstGeom prst="rect">
             <a:avLst/>
           </a:prstGeom>
           <a:noFill/>
-          <a:extLst>
-            <a:ext uri="{909E8E84-426E-40DD-AFC4-6F175D3DCCD1}">
-              <a14:hiddenFill xmlns:a14="http://schemas.microsoft.com/office/drawing/2010/main">
-                <a:solidFill>
-                  <a:srgbClr val="FFFFFF"/>
-                </a:solidFill>
-              </a14:hiddenFill>
-            </a:ext>
-          </a:extLst>
-        </p:spPr>
-      </p:pic>
-      <p:sp>
-        <p:nvSpPr>
-          <p:cNvPr id="4" name="TextBox 3">
-            <a:extLst>
-              <a:ext uri="{FF2B5EF4-FFF2-40B4-BE49-F238E27FC236}">
-                <a16:creationId xmlns:a16="http://schemas.microsoft.com/office/drawing/2014/main" id="{1EDCC2BC-2899-4F8A-8F76-CBF8B016C2BF}"/>
+        </p:spPr>
+        <p:txBody>
+          <a:bodyPr wrap="square" rtlCol="0">
+            <a:spAutoFit/>
+          </a:bodyPr>
+          <a:lstStyle/>
+          <a:p>
+            <a:r>
+              <a:rPr lang="en-US" dirty="0"/>
+              <a:t>Last day’s price</a:t>
+            </a:r>
+          </a:p>
+        </p:txBody>
+      </p:sp>
+      <p:sp>
+        <p:nvSpPr>
+          <p:cNvPr id="16" name="TextBox 15">
+            <a:extLst>
+              <a:ext uri="{FF2B5EF4-FFF2-40B4-BE49-F238E27FC236}">
+                <a16:creationId xmlns:a16="http://schemas.microsoft.com/office/drawing/2014/main" id="{F4F4F7B5-07D1-414A-B61A-509A58B3FE3D}"/>
               </a:ext>
             </a:extLst>
           </p:cNvPr>
@@ -4447,8 +8537,8 @@
         </p:nvSpPr>
         <p:spPr>
           <a:xfrm>
-            <a:off x="838200" y="5362575"/>
-            <a:ext cx="9448800" cy="646331"/>
+            <a:off x="1724025" y="6095798"/>
+            <a:ext cx="8086725" cy="646331"/>
           </a:xfrm>
           <a:prstGeom prst="rect">
             <a:avLst/>
@@ -4461,9 +8551,23 @@
           </a:bodyPr>
           <a:lstStyle/>
           <a:p>
+            <a:pPr marL="285750" indent="-285750">
+              <a:buFontTx/>
+              <a:buChar char="-"/>
+            </a:pPr>
             <a:r>
               <a:rPr lang="en-US" dirty="0"/>
-              <a:t>- Distribution plot of the standard deviation of the return (calculated using the percentage change) indicates that ET stock is more fluctuations in prices compared to MSFT</a:t>
+              <a:t> SPG, FANG, ET are close to their all time low</a:t>
+            </a:r>
+          </a:p>
+          <a:p>
+            <a:pPr marL="285750" indent="-285750">
+              <a:buFontTx/>
+              <a:buChar char="-"/>
+            </a:pPr>
+            <a:r>
+              <a:rPr lang="en-US" dirty="0"/>
+              <a:t> MSFT,VOO, VGT are very close to their all time high</a:t>
             </a:r>
           </a:p>
         </p:txBody>
@@ -4471,7 +8575,7 @@
     </p:spTree>
     <p:extLst>
       <p:ext uri="{BB962C8B-B14F-4D97-AF65-F5344CB8AC3E}">
-        <p14:creationId xmlns:p14="http://schemas.microsoft.com/office/powerpoint/2010/main" val="3608975976"/>
+        <p14:creationId xmlns:p14="http://schemas.microsoft.com/office/powerpoint/2010/main" val="771444640"/>
       </p:ext>
     </p:extLst>
   </p:cSld>
@@ -4498,12 +8602,48 @@
           <a:chExt cx="0" cy="0"/>
         </a:xfrm>
       </p:grpSpPr>
+      <p:sp>
+        <p:nvSpPr>
+          <p:cNvPr id="2" name="Title 1">
+            <a:extLst>
+              <a:ext uri="{FF2B5EF4-FFF2-40B4-BE49-F238E27FC236}">
+                <a16:creationId xmlns:a16="http://schemas.microsoft.com/office/drawing/2014/main" id="{40862D4B-6B4B-4CFD-AC1B-40578CF464E2}"/>
+              </a:ext>
+            </a:extLst>
+          </p:cNvPr>
+          <p:cNvSpPr>
+            <a:spLocks noGrp="1"/>
+          </p:cNvSpPr>
+          <p:nvPr>
+            <p:ph type="title"/>
+          </p:nvPr>
+        </p:nvSpPr>
+        <p:spPr>
+          <a:xfrm>
+            <a:off x="838200" y="365126"/>
+            <a:ext cx="10515600" cy="620296"/>
+          </a:xfrm>
+        </p:spPr>
+        <p:txBody>
+          <a:bodyPr>
+            <a:normAutofit fontScale="90000"/>
+          </a:bodyPr>
+          <a:lstStyle/>
+          <a:p>
+            <a:r>
+              <a:rPr lang="en-US" b="1" dirty="0"/>
+              <a:t>Data analysis</a:t>
+            </a:r>
+            <a:endParaRPr lang="en-US" dirty="0"/>
+          </a:p>
+        </p:txBody>
+      </p:sp>
       <p:pic>
         <p:nvPicPr>
-          <p:cNvPr id="1036" name="Picture 12">
-            <a:extLst>
-              <a:ext uri="{FF2B5EF4-FFF2-40B4-BE49-F238E27FC236}">
-                <a16:creationId xmlns:a16="http://schemas.microsoft.com/office/drawing/2014/main" id="{F55C2745-A261-43CC-ADA7-248AC8BEA369}"/>
+          <p:cNvPr id="7170" name="Picture 2">
+            <a:extLst>
+              <a:ext uri="{FF2B5EF4-FFF2-40B4-BE49-F238E27FC236}">
+                <a16:creationId xmlns:a16="http://schemas.microsoft.com/office/drawing/2014/main" id="{71D56638-BD64-4189-8B42-CC4F249984AC}"/>
               </a:ext>
             </a:extLst>
           </p:cNvPr>
@@ -4527,8 +8667,8 @@
         </p:blipFill>
         <p:spPr bwMode="auto">
           <a:xfrm>
-            <a:off x="6611691" y="1676400"/>
-            <a:ext cx="5042148" cy="3286124"/>
+            <a:off x="678402" y="1528758"/>
+            <a:ext cx="4400550" cy="3146630"/>
           </a:xfrm>
           <a:prstGeom prst="rect">
             <a:avLst/>
@@ -4547,10 +8687,10 @@
       </p:pic>
       <p:pic>
         <p:nvPicPr>
-          <p:cNvPr id="1040" name="Picture 16">
-            <a:extLst>
-              <a:ext uri="{FF2B5EF4-FFF2-40B4-BE49-F238E27FC236}">
-                <a16:creationId xmlns:a16="http://schemas.microsoft.com/office/drawing/2014/main" id="{3F14F2CA-ADC9-4875-86E3-C2627E2B34D5}"/>
+          <p:cNvPr id="7172" name="Picture 4">
+            <a:extLst>
+              <a:ext uri="{FF2B5EF4-FFF2-40B4-BE49-F238E27FC236}">
+                <a16:creationId xmlns:a16="http://schemas.microsoft.com/office/drawing/2014/main" id="{A841937A-1F09-4350-8D22-40AA749B8BBF}"/>
               </a:ext>
             </a:extLst>
           </p:cNvPr>
@@ -4574,8 +8714,8 @@
         </p:blipFill>
         <p:spPr bwMode="auto">
           <a:xfrm>
-            <a:off x="347663" y="1676400"/>
-            <a:ext cx="5857875" cy="3371850"/>
+            <a:off x="6232679" y="1462481"/>
+            <a:ext cx="4400550" cy="3146630"/>
           </a:xfrm>
           <a:prstGeom prst="rect">
             <a:avLst/>
@@ -4594,10 +8734,10 @@
       </p:pic>
       <p:sp>
         <p:nvSpPr>
-          <p:cNvPr id="5" name="TextBox 4">
-            <a:extLst>
-              <a:ext uri="{FF2B5EF4-FFF2-40B4-BE49-F238E27FC236}">
-                <a16:creationId xmlns:a16="http://schemas.microsoft.com/office/drawing/2014/main" id="{C4C3694A-C367-403A-A59B-55E79E912251}"/>
+          <p:cNvPr id="4" name="TextBox 3">
+            <a:extLst>
+              <a:ext uri="{FF2B5EF4-FFF2-40B4-BE49-F238E27FC236}">
+                <a16:creationId xmlns:a16="http://schemas.microsoft.com/office/drawing/2014/main" id="{1EDCC2BC-2899-4F8A-8F76-CBF8B016C2BF}"/>
               </a:ext>
             </a:extLst>
           </p:cNvPr>
@@ -4606,8 +8746,8 @@
         </p:nvSpPr>
         <p:spPr>
           <a:xfrm>
-            <a:off x="347663" y="257175"/>
-            <a:ext cx="7243762" cy="523220"/>
+            <a:off x="838200" y="5362575"/>
+            <a:ext cx="9448800" cy="646331"/>
           </a:xfrm>
           <a:prstGeom prst="rect">
             <a:avLst/>
@@ -4621,111 +8761,8 @@
           <a:lstStyle/>
           <a:p>
             <a:r>
-              <a:rPr lang="en-US" sz="2800" b="1" dirty="0"/>
-              <a:t>Stock price and dividend over time</a:t>
-            </a:r>
-          </a:p>
-        </p:txBody>
-      </p:sp>
-      <p:sp>
-        <p:nvSpPr>
-          <p:cNvPr id="6" name="Rectangle 5">
-            <a:extLst>
-              <a:ext uri="{FF2B5EF4-FFF2-40B4-BE49-F238E27FC236}">
-                <a16:creationId xmlns:a16="http://schemas.microsoft.com/office/drawing/2014/main" id="{B1F5F095-3250-4A96-A247-2F2A249583D3}"/>
-              </a:ext>
-            </a:extLst>
-          </p:cNvPr>
-          <p:cNvSpPr/>
-          <p:nvPr/>
-        </p:nvSpPr>
-        <p:spPr>
-          <a:xfrm>
-            <a:off x="2645177" y="5048250"/>
-            <a:ext cx="1262846" cy="369332"/>
-          </a:xfrm>
-          <a:prstGeom prst="rect">
-            <a:avLst/>
-          </a:prstGeom>
-        </p:spPr>
-        <p:txBody>
-          <a:bodyPr wrap="none">
-            <a:spAutoFit/>
-          </a:bodyPr>
-          <a:lstStyle/>
-          <a:p>
-            <a:r>
               <a:rPr lang="en-US" dirty="0"/>
-              <a:t>Stock price </a:t>
-            </a:r>
-          </a:p>
-        </p:txBody>
-      </p:sp>
-      <p:sp>
-        <p:nvSpPr>
-          <p:cNvPr id="15" name="Rectangle 14">
-            <a:extLst>
-              <a:ext uri="{FF2B5EF4-FFF2-40B4-BE49-F238E27FC236}">
-                <a16:creationId xmlns:a16="http://schemas.microsoft.com/office/drawing/2014/main" id="{37515068-366A-4E0D-95F7-AF8F06C3D03D}"/>
-              </a:ext>
-            </a:extLst>
-          </p:cNvPr>
-          <p:cNvSpPr/>
-          <p:nvPr/>
-        </p:nvSpPr>
-        <p:spPr>
-          <a:xfrm>
-            <a:off x="8607827" y="5048250"/>
-            <a:ext cx="1018227" cy="369332"/>
-          </a:xfrm>
-          <a:prstGeom prst="rect">
-            <a:avLst/>
-          </a:prstGeom>
-        </p:spPr>
-        <p:txBody>
-          <a:bodyPr wrap="none">
-            <a:spAutoFit/>
-          </a:bodyPr>
-          <a:lstStyle/>
-          <a:p>
-            <a:r>
-              <a:rPr lang="en-US" dirty="0"/>
-              <a:t>Dividend</a:t>
-            </a:r>
-          </a:p>
-        </p:txBody>
-      </p:sp>
-      <p:sp>
-        <p:nvSpPr>
-          <p:cNvPr id="7" name="TextBox 6">
-            <a:extLst>
-              <a:ext uri="{FF2B5EF4-FFF2-40B4-BE49-F238E27FC236}">
-                <a16:creationId xmlns:a16="http://schemas.microsoft.com/office/drawing/2014/main" id="{EA8501CE-D8C6-4C24-9A88-400CC83AFB36}"/>
-              </a:ext>
-            </a:extLst>
-          </p:cNvPr>
-          <p:cNvSpPr txBox="1"/>
-          <p:nvPr/>
-        </p:nvSpPr>
-        <p:spPr>
-          <a:xfrm>
-            <a:off x="753423" y="5858529"/>
-            <a:ext cx="10338441" cy="646331"/>
-          </a:xfrm>
-          <a:prstGeom prst="rect">
-            <a:avLst/>
-          </a:prstGeom>
-          <a:noFill/>
-        </p:spPr>
-        <p:txBody>
-          <a:bodyPr wrap="square" rtlCol="0">
-            <a:spAutoFit/>
-          </a:bodyPr>
-          <a:lstStyle/>
-          <a:p>
-            <a:r>
-              <a:rPr lang="en-US" dirty="0"/>
-              <a:t>- SPG, MSFT, VOO are very stable dividend payers. While ET pays dividend at a decent ratio, but the dividend is not growing </a:t>
+              <a:t>- Distribution plot of the standard deviation of the return (calculated using the percentage change) indicates that ET stock is more fluctuations in prices compared to MSFT</a:t>
             </a:r>
           </a:p>
         </p:txBody>
@@ -4733,7 +8770,7 @@
     </p:spTree>
     <p:extLst>
       <p:ext uri="{BB962C8B-B14F-4D97-AF65-F5344CB8AC3E}">
-        <p14:creationId xmlns:p14="http://schemas.microsoft.com/office/powerpoint/2010/main" val="1442197332"/>
+        <p14:creationId xmlns:p14="http://schemas.microsoft.com/office/powerpoint/2010/main" val="3608975976"/>
       </p:ext>
     </p:extLst>
   </p:cSld>
@@ -4762,10 +8799,10 @@
       </p:grpSpPr>
       <p:pic>
         <p:nvPicPr>
-          <p:cNvPr id="2050" name="Picture 2">
-            <a:extLst>
-              <a:ext uri="{FF2B5EF4-FFF2-40B4-BE49-F238E27FC236}">
-                <a16:creationId xmlns:a16="http://schemas.microsoft.com/office/drawing/2014/main" id="{B812101C-D6BB-4B1C-8169-5B2389823C33}"/>
+          <p:cNvPr id="1036" name="Picture 12">
+            <a:extLst>
+              <a:ext uri="{FF2B5EF4-FFF2-40B4-BE49-F238E27FC236}">
+                <a16:creationId xmlns:a16="http://schemas.microsoft.com/office/drawing/2014/main" id="{F55C2745-A261-43CC-ADA7-248AC8BEA369}"/>
               </a:ext>
             </a:extLst>
           </p:cNvPr>
@@ -4789,8 +8826,8 @@
         </p:blipFill>
         <p:spPr bwMode="auto">
           <a:xfrm>
-            <a:off x="6142711" y="1049983"/>
-            <a:ext cx="5857875" cy="3371850"/>
+            <a:off x="6611691" y="1676400"/>
+            <a:ext cx="5042148" cy="3286124"/>
           </a:xfrm>
           <a:prstGeom prst="rect">
             <a:avLst/>
@@ -4809,10 +8846,10 @@
       </p:pic>
       <p:pic>
         <p:nvPicPr>
-          <p:cNvPr id="2052" name="Picture 4">
-            <a:extLst>
-              <a:ext uri="{FF2B5EF4-FFF2-40B4-BE49-F238E27FC236}">
-                <a16:creationId xmlns:a16="http://schemas.microsoft.com/office/drawing/2014/main" id="{FE1A0961-C6C5-4C51-86DA-33ECF0C42488}"/>
+          <p:cNvPr id="1040" name="Picture 16">
+            <a:extLst>
+              <a:ext uri="{FF2B5EF4-FFF2-40B4-BE49-F238E27FC236}">
+                <a16:creationId xmlns:a16="http://schemas.microsoft.com/office/drawing/2014/main" id="{3F14F2CA-ADC9-4875-86E3-C2627E2B34D5}"/>
               </a:ext>
             </a:extLst>
           </p:cNvPr>
@@ -4836,7 +8873,7 @@
         </p:blipFill>
         <p:spPr bwMode="auto">
           <a:xfrm>
-            <a:off x="191416" y="1095375"/>
+            <a:off x="347663" y="1676400"/>
             <a:ext cx="5857875" cy="3371850"/>
           </a:xfrm>
           <a:prstGeom prst="rect">
@@ -4856,44 +8893,10 @@
       </p:pic>
       <p:sp>
         <p:nvSpPr>
-          <p:cNvPr id="4" name="Rectangle 3">
-            <a:extLst>
-              <a:ext uri="{FF2B5EF4-FFF2-40B4-BE49-F238E27FC236}">
-                <a16:creationId xmlns:a16="http://schemas.microsoft.com/office/drawing/2014/main" id="{EF31AB56-B7B7-4B37-A5FB-8284B582D37C}"/>
-              </a:ext>
-            </a:extLst>
-          </p:cNvPr>
-          <p:cNvSpPr/>
-          <p:nvPr/>
-        </p:nvSpPr>
-        <p:spPr>
-          <a:xfrm>
-            <a:off x="318818" y="329684"/>
-            <a:ext cx="5603072" cy="461665"/>
-          </a:xfrm>
-          <a:prstGeom prst="rect">
-            <a:avLst/>
-          </a:prstGeom>
-        </p:spPr>
-        <p:txBody>
-          <a:bodyPr wrap="none">
-            <a:spAutoFit/>
-          </a:bodyPr>
-          <a:lstStyle/>
-          <a:p>
-            <a:r>
-              <a:rPr lang="en-US" sz="2400" b="1" dirty="0"/>
-              <a:t>Smoothing the variance of the stock prices</a:t>
-            </a:r>
-          </a:p>
-        </p:txBody>
-      </p:sp>
-      <p:sp>
-        <p:nvSpPr>
           <p:cNvPr id="5" name="TextBox 4">
             <a:extLst>
               <a:ext uri="{FF2B5EF4-FFF2-40B4-BE49-F238E27FC236}">
-                <a16:creationId xmlns:a16="http://schemas.microsoft.com/office/drawing/2014/main" id="{1B15CF69-0BC4-4F48-9600-7E8F5ADD739D}"/>
+                <a16:creationId xmlns:a16="http://schemas.microsoft.com/office/drawing/2014/main" id="{C4C3694A-C367-403A-A59B-55E79E912251}"/>
               </a:ext>
             </a:extLst>
           </p:cNvPr>
@@ -4902,8 +8905,8 @@
         </p:nvSpPr>
         <p:spPr>
           <a:xfrm>
-            <a:off x="1857375" y="5229225"/>
-            <a:ext cx="2324100" cy="369332"/>
+            <a:off x="347663" y="257175"/>
+            <a:ext cx="7243762" cy="523220"/>
           </a:xfrm>
           <a:prstGeom prst="rect">
             <a:avLst/>
@@ -4917,8 +8920,8 @@
           <a:lstStyle/>
           <a:p>
             <a:r>
-              <a:rPr lang="en-US" dirty="0"/>
-              <a:t>50 day rolling average</a:t>
+              <a:rPr lang="en-US" sz="2800" b="1" dirty="0"/>
+              <a:t>Stock price and dividend over time</a:t>
             </a:r>
           </a:p>
         </p:txBody>
@@ -4928,7 +8931,7 @@
           <p:cNvPr id="6" name="Rectangle 5">
             <a:extLst>
               <a:ext uri="{FF2B5EF4-FFF2-40B4-BE49-F238E27FC236}">
-                <a16:creationId xmlns:a16="http://schemas.microsoft.com/office/drawing/2014/main" id="{5A6A0AD2-4BE1-4697-A605-B911543570F2}"/>
+                <a16:creationId xmlns:a16="http://schemas.microsoft.com/office/drawing/2014/main" id="{B1F5F095-3250-4A96-A247-2F2A249583D3}"/>
               </a:ext>
             </a:extLst>
           </p:cNvPr>
@@ -4937,8 +8940,8 @@
         </p:nvSpPr>
         <p:spPr>
           <a:xfrm>
-            <a:off x="8104463" y="5229225"/>
-            <a:ext cx="2347181" cy="369332"/>
+            <a:off x="2645177" y="5048250"/>
+            <a:ext cx="1262846" cy="369332"/>
           </a:xfrm>
           <a:prstGeom prst="rect">
             <a:avLst/>
@@ -4952,7 +8955,41 @@
           <a:p>
             <a:r>
               <a:rPr lang="en-US" dirty="0"/>
-              <a:t>365 day rolling average</a:t>
+              <a:t>Stock price </a:t>
+            </a:r>
+          </a:p>
+        </p:txBody>
+      </p:sp>
+      <p:sp>
+        <p:nvSpPr>
+          <p:cNvPr id="15" name="Rectangle 14">
+            <a:extLst>
+              <a:ext uri="{FF2B5EF4-FFF2-40B4-BE49-F238E27FC236}">
+                <a16:creationId xmlns:a16="http://schemas.microsoft.com/office/drawing/2014/main" id="{37515068-366A-4E0D-95F7-AF8F06C3D03D}"/>
+              </a:ext>
+            </a:extLst>
+          </p:cNvPr>
+          <p:cNvSpPr/>
+          <p:nvPr/>
+        </p:nvSpPr>
+        <p:spPr>
+          <a:xfrm>
+            <a:off x="8607827" y="5048250"/>
+            <a:ext cx="1018227" cy="369332"/>
+          </a:xfrm>
+          <a:prstGeom prst="rect">
+            <a:avLst/>
+          </a:prstGeom>
+        </p:spPr>
+        <p:txBody>
+          <a:bodyPr wrap="none">
+            <a:spAutoFit/>
+          </a:bodyPr>
+          <a:lstStyle/>
+          <a:p>
+            <a:r>
+              <a:rPr lang="en-US" dirty="0"/>
+              <a:t>Dividend</a:t>
             </a:r>
           </a:p>
         </p:txBody>
@@ -4962,7 +8999,7 @@
           <p:cNvPr id="7" name="TextBox 6">
             <a:extLst>
               <a:ext uri="{FF2B5EF4-FFF2-40B4-BE49-F238E27FC236}">
-                <a16:creationId xmlns:a16="http://schemas.microsoft.com/office/drawing/2014/main" id="{3A990D38-0D14-48A4-8172-F60667024DAC}"/>
+                <a16:creationId xmlns:a16="http://schemas.microsoft.com/office/drawing/2014/main" id="{EA8501CE-D8C6-4C24-9A88-400CC83AFB36}"/>
               </a:ext>
             </a:extLst>
           </p:cNvPr>
@@ -4971,8 +9008,8 @@
         </p:nvSpPr>
         <p:spPr>
           <a:xfrm>
-            <a:off x="1585912" y="5834360"/>
-            <a:ext cx="9706484" cy="923330"/>
+            <a:off x="753423" y="5858529"/>
+            <a:ext cx="10338441" cy="646331"/>
           </a:xfrm>
           <a:prstGeom prst="rect">
             <a:avLst/>
@@ -4985,33 +9022,9 @@
           </a:bodyPr>
           <a:lstStyle/>
           <a:p>
-            <a:pPr marL="285750" indent="-285750">
-              <a:buFontTx/>
-              <a:buChar char="-"/>
-            </a:pPr>
             <a:r>
               <a:rPr lang="en-US" dirty="0"/>
-              <a:t>Time series of the 50 day and 365 day rolling average gives a high-level idea about the stock type.</a:t>
-            </a:r>
-          </a:p>
-          <a:p>
-            <a:pPr marL="285750" indent="-285750">
-              <a:buFontTx/>
-              <a:buChar char="-"/>
-            </a:pPr>
-            <a:r>
-              <a:rPr lang="en-US" dirty="0"/>
-              <a:t>For example, MSFT is a still growing (growth stock)</a:t>
-            </a:r>
-          </a:p>
-          <a:p>
-            <a:pPr marL="285750" indent="-285750">
-              <a:buFontTx/>
-              <a:buChar char="-"/>
-            </a:pPr>
-            <a:r>
-              <a:rPr lang="en-US" dirty="0"/>
-              <a:t>Energy transfer  pays dividends to the share holders. It’s a dividend stock</a:t>
+              <a:t>- SPG, MSFT, VOO are very stable dividend payers. While ET pays dividend at a decent ratio, but the dividend is not growing </a:t>
             </a:r>
           </a:p>
         </p:txBody>
@@ -5019,7 +9032,7 @@
     </p:spTree>
     <p:extLst>
       <p:ext uri="{BB962C8B-B14F-4D97-AF65-F5344CB8AC3E}">
-        <p14:creationId xmlns:p14="http://schemas.microsoft.com/office/powerpoint/2010/main" val="1424065670"/>
+        <p14:creationId xmlns:p14="http://schemas.microsoft.com/office/powerpoint/2010/main" val="1442197332"/>
       </p:ext>
     </p:extLst>
   </p:cSld>
@@ -5046,47 +9059,12 @@
           <a:chExt cx="0" cy="0"/>
         </a:xfrm>
       </p:grpSpPr>
-      <p:sp>
-        <p:nvSpPr>
-          <p:cNvPr id="2" name="Title 1">
-            <a:extLst>
-              <a:ext uri="{FF2B5EF4-FFF2-40B4-BE49-F238E27FC236}">
-                <a16:creationId xmlns:a16="http://schemas.microsoft.com/office/drawing/2014/main" id="{9BE9A6D1-62F2-4C99-B3FE-C9BFA80D3A0D}"/>
-              </a:ext>
-            </a:extLst>
-          </p:cNvPr>
-          <p:cNvSpPr>
-            <a:spLocks noGrp="1"/>
-          </p:cNvSpPr>
-          <p:nvPr>
-            <p:ph type="title"/>
-          </p:nvPr>
-        </p:nvSpPr>
-        <p:spPr>
-          <a:xfrm>
-            <a:off x="200025" y="75350"/>
-            <a:ext cx="4429125" cy="539750"/>
-          </a:xfrm>
-        </p:spPr>
-        <p:txBody>
-          <a:bodyPr>
-            <a:normAutofit/>
-          </a:bodyPr>
-          <a:lstStyle/>
-          <a:p>
-            <a:r>
-              <a:rPr lang="en-US" sz="2400" b="1" dirty="0"/>
-              <a:t>Correlation between stock price </a:t>
-            </a:r>
-          </a:p>
-        </p:txBody>
-      </p:sp>
       <p:pic>
         <p:nvPicPr>
-          <p:cNvPr id="3074" name="Picture 2">
-            <a:extLst>
-              <a:ext uri="{FF2B5EF4-FFF2-40B4-BE49-F238E27FC236}">
-                <a16:creationId xmlns:a16="http://schemas.microsoft.com/office/drawing/2014/main" id="{4CC8130F-4399-48C0-A5E1-4B6F08F8CB4A}"/>
+          <p:cNvPr id="2050" name="Picture 2">
+            <a:extLst>
+              <a:ext uri="{FF2B5EF4-FFF2-40B4-BE49-F238E27FC236}">
+                <a16:creationId xmlns:a16="http://schemas.microsoft.com/office/drawing/2014/main" id="{B812101C-D6BB-4B1C-8169-5B2389823C33}"/>
               </a:ext>
             </a:extLst>
           </p:cNvPr>
@@ -5110,8 +9088,8 @@
         </p:blipFill>
         <p:spPr bwMode="auto">
           <a:xfrm>
-            <a:off x="2491896" y="639544"/>
-            <a:ext cx="7208207" cy="4161573"/>
+            <a:off x="6142711" y="1049983"/>
+            <a:ext cx="5857875" cy="3371850"/>
           </a:xfrm>
           <a:prstGeom prst="rect">
             <a:avLst/>
@@ -5128,27 +9106,108 @@
           </a:extLst>
         </p:spPr>
       </p:pic>
-      <p:sp>
-        <p:nvSpPr>
-          <p:cNvPr id="5" name="TextBox 4">
-            <a:extLst>
-              <a:ext uri="{FF2B5EF4-FFF2-40B4-BE49-F238E27FC236}">
-                <a16:creationId xmlns:a16="http://schemas.microsoft.com/office/drawing/2014/main" id="{B8953D56-F061-4D13-9EB3-A0C4B67C47BC}"/>
-              </a:ext>
-            </a:extLst>
-          </p:cNvPr>
-          <p:cNvSpPr txBox="1"/>
+      <p:pic>
+        <p:nvPicPr>
+          <p:cNvPr id="2052" name="Picture 4">
+            <a:extLst>
+              <a:ext uri="{FF2B5EF4-FFF2-40B4-BE49-F238E27FC236}">
+                <a16:creationId xmlns:a16="http://schemas.microsoft.com/office/drawing/2014/main" id="{FE1A0961-C6C5-4C51-86DA-33ECF0C42488}"/>
+              </a:ext>
+            </a:extLst>
+          </p:cNvPr>
+          <p:cNvPicPr>
+            <a:picLocks noChangeAspect="1" noChangeArrowheads="1"/>
+          </p:cNvPicPr>
           <p:nvPr/>
-        </p:nvSpPr>
-        <p:spPr>
-          <a:xfrm>
-            <a:off x="609600" y="5200650"/>
-            <a:ext cx="10839450" cy="923330"/>
+        </p:nvPicPr>
+        <p:blipFill>
+          <a:blip r:embed="rId3">
+            <a:extLst>
+              <a:ext uri="{28A0092B-C50C-407E-A947-70E740481C1C}">
+                <a14:useLocalDpi xmlns:a14="http://schemas.microsoft.com/office/drawing/2010/main" val="0"/>
+              </a:ext>
+            </a:extLst>
+          </a:blip>
+          <a:srcRect/>
+          <a:stretch>
+            <a:fillRect/>
+          </a:stretch>
+        </p:blipFill>
+        <p:spPr bwMode="auto">
+          <a:xfrm>
+            <a:off x="191416" y="1095375"/>
+            <a:ext cx="5857875" cy="3371850"/>
           </a:xfrm>
           <a:prstGeom prst="rect">
             <a:avLst/>
           </a:prstGeom>
           <a:noFill/>
+          <a:extLst>
+            <a:ext uri="{909E8E84-426E-40DD-AFC4-6F175D3DCCD1}">
+              <a14:hiddenFill xmlns:a14="http://schemas.microsoft.com/office/drawing/2010/main">
+                <a:solidFill>
+                  <a:srgbClr val="FFFFFF"/>
+                </a:solidFill>
+              </a14:hiddenFill>
+            </a:ext>
+          </a:extLst>
+        </p:spPr>
+      </p:pic>
+      <p:sp>
+        <p:nvSpPr>
+          <p:cNvPr id="4" name="Rectangle 3">
+            <a:extLst>
+              <a:ext uri="{FF2B5EF4-FFF2-40B4-BE49-F238E27FC236}">
+                <a16:creationId xmlns:a16="http://schemas.microsoft.com/office/drawing/2014/main" id="{EF31AB56-B7B7-4B37-A5FB-8284B582D37C}"/>
+              </a:ext>
+            </a:extLst>
+          </p:cNvPr>
+          <p:cNvSpPr/>
+          <p:nvPr/>
+        </p:nvSpPr>
+        <p:spPr>
+          <a:xfrm>
+            <a:off x="318818" y="329684"/>
+            <a:ext cx="5603072" cy="461665"/>
+          </a:xfrm>
+          <a:prstGeom prst="rect">
+            <a:avLst/>
+          </a:prstGeom>
+        </p:spPr>
+        <p:txBody>
+          <a:bodyPr wrap="none">
+            <a:spAutoFit/>
+          </a:bodyPr>
+          <a:lstStyle/>
+          <a:p>
+            <a:r>
+              <a:rPr lang="en-US" sz="2400" b="1" dirty="0"/>
+              <a:t>Smoothing the variance of the stock prices</a:t>
+            </a:r>
+          </a:p>
+        </p:txBody>
+      </p:sp>
+      <p:sp>
+        <p:nvSpPr>
+          <p:cNvPr id="5" name="TextBox 4">
+            <a:extLst>
+              <a:ext uri="{FF2B5EF4-FFF2-40B4-BE49-F238E27FC236}">
+                <a16:creationId xmlns:a16="http://schemas.microsoft.com/office/drawing/2014/main" id="{1B15CF69-0BC4-4F48-9600-7E8F5ADD739D}"/>
+              </a:ext>
+            </a:extLst>
+          </p:cNvPr>
+          <p:cNvSpPr txBox="1"/>
+          <p:nvPr/>
+        </p:nvSpPr>
+        <p:spPr>
+          <a:xfrm>
+            <a:off x="1857375" y="5229225"/>
+            <a:ext cx="2324100" cy="369332"/>
+          </a:xfrm>
+          <a:prstGeom prst="rect">
+            <a:avLst/>
+          </a:prstGeom>
+          <a:noFill/>
         </p:spPr>
         <p:txBody>
           <a:bodyPr wrap="square" rtlCol="0">
@@ -5158,13 +9217,100 @@
           <a:p>
             <a:r>
               <a:rPr lang="en-US" dirty="0"/>
-              <a:t>- Correlation between stocks can be used to identify similar stocks. For example VGT (technology index and VOO (S&amp;P 500 index are heavily correlated))</a:t>
-            </a:r>
-          </a:p>
+              <a:t>50 day rolling average</a:t>
+            </a:r>
+          </a:p>
+        </p:txBody>
+      </p:sp>
+      <p:sp>
+        <p:nvSpPr>
+          <p:cNvPr id="6" name="Rectangle 5">
+            <a:extLst>
+              <a:ext uri="{FF2B5EF4-FFF2-40B4-BE49-F238E27FC236}">
+                <a16:creationId xmlns:a16="http://schemas.microsoft.com/office/drawing/2014/main" id="{5A6A0AD2-4BE1-4697-A605-B911543570F2}"/>
+              </a:ext>
+            </a:extLst>
+          </p:cNvPr>
+          <p:cNvSpPr/>
+          <p:nvPr/>
+        </p:nvSpPr>
+        <p:spPr>
+          <a:xfrm>
+            <a:off x="8104463" y="5229225"/>
+            <a:ext cx="2347181" cy="369332"/>
+          </a:xfrm>
+          <a:prstGeom prst="rect">
+            <a:avLst/>
+          </a:prstGeom>
+        </p:spPr>
+        <p:txBody>
+          <a:bodyPr wrap="none">
+            <a:spAutoFit/>
+          </a:bodyPr>
+          <a:lstStyle/>
           <a:p>
             <a:r>
               <a:rPr lang="en-US" dirty="0"/>
-              <a:t>- To enhance diversity of the portfolio,  avoid investing all of your investments in the same bucket</a:t>
+              <a:t>365 day rolling average</a:t>
+            </a:r>
+          </a:p>
+        </p:txBody>
+      </p:sp>
+      <p:sp>
+        <p:nvSpPr>
+          <p:cNvPr id="7" name="TextBox 6">
+            <a:extLst>
+              <a:ext uri="{FF2B5EF4-FFF2-40B4-BE49-F238E27FC236}">
+                <a16:creationId xmlns:a16="http://schemas.microsoft.com/office/drawing/2014/main" id="{3A990D38-0D14-48A4-8172-F60667024DAC}"/>
+              </a:ext>
+            </a:extLst>
+          </p:cNvPr>
+          <p:cNvSpPr txBox="1"/>
+          <p:nvPr/>
+        </p:nvSpPr>
+        <p:spPr>
+          <a:xfrm>
+            <a:off x="1585912" y="5834360"/>
+            <a:ext cx="9706484" cy="923330"/>
+          </a:xfrm>
+          <a:prstGeom prst="rect">
+            <a:avLst/>
+          </a:prstGeom>
+          <a:noFill/>
+        </p:spPr>
+        <p:txBody>
+          <a:bodyPr wrap="square" rtlCol="0">
+            <a:spAutoFit/>
+          </a:bodyPr>
+          <a:lstStyle/>
+          <a:p>
+            <a:pPr marL="285750" indent="-285750">
+              <a:buFontTx/>
+              <a:buChar char="-"/>
+            </a:pPr>
+            <a:r>
+              <a:rPr lang="en-US" dirty="0"/>
+              <a:t>Time series of the 50 day and 365 day rolling average gives a high-level idea about the stock type.</a:t>
+            </a:r>
+          </a:p>
+          <a:p>
+            <a:pPr marL="285750" indent="-285750">
+              <a:buFontTx/>
+              <a:buChar char="-"/>
+            </a:pPr>
+            <a:r>
+              <a:rPr lang="en-US" dirty="0"/>
+              <a:t>For example, MSFT is a still growing (growth stock)</a:t>
+            </a:r>
+          </a:p>
+          <a:p>
+            <a:pPr marL="285750" indent="-285750">
+              <a:buFontTx/>
+              <a:buChar char="-"/>
+            </a:pPr>
+            <a:r>
+              <a:rPr lang="en-US" dirty="0"/>
+              <a:t>Energy transfer  pays dividends to the share holders. It’s a dividend stock</a:t>
             </a:r>
           </a:p>
         </p:txBody>
@@ -5172,7 +9318,7 @@
     </p:spTree>
     <p:extLst>
       <p:ext uri="{BB962C8B-B14F-4D97-AF65-F5344CB8AC3E}">
-        <p14:creationId xmlns:p14="http://schemas.microsoft.com/office/powerpoint/2010/main" val="3847534159"/>
+        <p14:creationId xmlns:p14="http://schemas.microsoft.com/office/powerpoint/2010/main" val="1424065670"/>
       </p:ext>
     </p:extLst>
   </p:cSld>
@@ -5201,10 +9347,10 @@
       </p:grpSpPr>
       <p:sp>
         <p:nvSpPr>
-          <p:cNvPr id="5" name="Title 4">
-            <a:extLst>
-              <a:ext uri="{FF2B5EF4-FFF2-40B4-BE49-F238E27FC236}">
-                <a16:creationId xmlns:a16="http://schemas.microsoft.com/office/drawing/2014/main" id="{B3E90897-EC0E-4105-856F-898EEAD95FCE}"/>
+          <p:cNvPr id="2" name="Title 1">
+            <a:extLst>
+              <a:ext uri="{FF2B5EF4-FFF2-40B4-BE49-F238E27FC236}">
+                <a16:creationId xmlns:a16="http://schemas.microsoft.com/office/drawing/2014/main" id="{9BE9A6D1-62F2-4C99-B3FE-C9BFA80D3A0D}"/>
               </a:ext>
             </a:extLst>
           </p:cNvPr>
@@ -5217,8 +9363,8 @@
         </p:nvSpPr>
         <p:spPr>
           <a:xfrm>
-            <a:off x="123825" y="88901"/>
-            <a:ext cx="10515600" cy="711200"/>
+            <a:off x="200025" y="75350"/>
+            <a:ext cx="4429125" cy="539750"/>
           </a:xfrm>
         </p:spPr>
         <p:txBody>
@@ -5229,17 +9375,17 @@
           <a:p>
             <a:r>
               <a:rPr lang="en-US" sz="2400" b="1" dirty="0"/>
-              <a:t>50 Day moving avg vs 200 day moving Avg.</a:t>
+              <a:t>Correlation between stock price </a:t>
             </a:r>
           </a:p>
         </p:txBody>
       </p:sp>
       <p:pic>
         <p:nvPicPr>
-          <p:cNvPr id="4100" name="Picture 4">
-            <a:extLst>
-              <a:ext uri="{FF2B5EF4-FFF2-40B4-BE49-F238E27FC236}">
-                <a16:creationId xmlns:a16="http://schemas.microsoft.com/office/drawing/2014/main" id="{2919B41D-C0C0-4996-8300-026E8D74BA4F}"/>
+          <p:cNvPr id="3074" name="Picture 2">
+            <a:extLst>
+              <a:ext uri="{FF2B5EF4-FFF2-40B4-BE49-F238E27FC236}">
+                <a16:creationId xmlns:a16="http://schemas.microsoft.com/office/drawing/2014/main" id="{4CC8130F-4399-48C0-A5E1-4B6F08F8CB4A}"/>
               </a:ext>
             </a:extLst>
           </p:cNvPr>
@@ -5263,8 +9409,8 @@
         </p:blipFill>
         <p:spPr bwMode="auto">
           <a:xfrm>
-            <a:off x="2166938" y="800101"/>
-            <a:ext cx="6791325" cy="4295775"/>
+            <a:off x="2491896" y="639544"/>
+            <a:ext cx="7208207" cy="4161573"/>
           </a:xfrm>
           <a:prstGeom prst="rect">
             <a:avLst/>
@@ -5283,10 +9429,10 @@
       </p:pic>
       <p:sp>
         <p:nvSpPr>
-          <p:cNvPr id="6" name="TextBox 5">
-            <a:extLst>
-              <a:ext uri="{FF2B5EF4-FFF2-40B4-BE49-F238E27FC236}">
-                <a16:creationId xmlns:a16="http://schemas.microsoft.com/office/drawing/2014/main" id="{BABF1BC8-C178-42E2-8973-F749C07C8270}"/>
+          <p:cNvPr id="5" name="TextBox 4">
+            <a:extLst>
+              <a:ext uri="{FF2B5EF4-FFF2-40B4-BE49-F238E27FC236}">
+                <a16:creationId xmlns:a16="http://schemas.microsoft.com/office/drawing/2014/main" id="{B8953D56-F061-4D13-9EB3-A0C4B67C47BC}"/>
               </a:ext>
             </a:extLst>
           </p:cNvPr>
@@ -5295,8 +9441,8 @@
         </p:nvSpPr>
         <p:spPr>
           <a:xfrm>
-            <a:off x="561975" y="5180736"/>
-            <a:ext cx="11068050" cy="1754326"/>
+            <a:off x="609600" y="5200650"/>
+            <a:ext cx="10839450" cy="923330"/>
           </a:xfrm>
           <a:prstGeom prst="rect">
             <a:avLst/>
@@ -5311,183 +9457,13 @@
           <a:p>
             <a:r>
               <a:rPr lang="en-US" dirty="0"/>
-              <a:t>- When 50day moving average cuts the 200day moving average, it is called the golden cross</a:t>
+              <a:t>- Correlation between stocks can be used to identify similar stocks. For example VGT (technology index and VOO (S&amp;P 500 index are heavily correlated))</a:t>
             </a:r>
           </a:p>
           <a:p>
             <a:r>
               <a:rPr lang="en-US" dirty="0"/>
-              <a:t>- 50day moving average cuts the 200day moving average and the slop is positive, it’s a bullish signal (buy)</a:t>
-            </a:r>
-          </a:p>
-          <a:p>
-            <a:r>
-              <a:rPr lang="en-US" dirty="0"/>
-              <a:t>- 50day moving average cuts the 200day moving average and the slop is positive, it’s a bearish signal (sell)</a:t>
-            </a:r>
-          </a:p>
-          <a:p>
-            <a:endParaRPr lang="en-US" dirty="0"/>
-          </a:p>
-          <a:p>
-            <a:r>
-              <a:rPr lang="en-US" dirty="0"/>
-              <a:t>The figure above for the ticker ‘ABBV’ (a pharmaceutical stock) validates the above-mentioned fact</a:t>
-            </a:r>
-          </a:p>
-          <a:p>
-            <a:endParaRPr lang="en-US" dirty="0"/>
-          </a:p>
-        </p:txBody>
-      </p:sp>
-      <p:cxnSp>
-        <p:nvCxnSpPr>
-          <p:cNvPr id="8" name="Straight Arrow Connector 7">
-            <a:extLst>
-              <a:ext uri="{FF2B5EF4-FFF2-40B4-BE49-F238E27FC236}">
-                <a16:creationId xmlns:a16="http://schemas.microsoft.com/office/drawing/2014/main" id="{6148C440-39C3-4E58-B819-0E3E3946ADDB}"/>
-              </a:ext>
-            </a:extLst>
-          </p:cNvPr>
-          <p:cNvCxnSpPr/>
-          <p:nvPr/>
-        </p:nvCxnSpPr>
-        <p:spPr>
-          <a:xfrm flipV="1">
-            <a:off x="5486400" y="1609725"/>
-            <a:ext cx="1238250" cy="1628775"/>
-          </a:xfrm>
-          <a:prstGeom prst="straightConnector1">
-            <a:avLst/>
-          </a:prstGeom>
-          <a:ln w="25400">
-            <a:solidFill>
-              <a:schemeClr val="tx1"/>
-            </a:solidFill>
-            <a:tailEnd type="triangle"/>
-          </a:ln>
-        </p:spPr>
-        <p:style>
-          <a:lnRef idx="1">
-            <a:schemeClr val="accent1"/>
-          </a:lnRef>
-          <a:fillRef idx="0">
-            <a:schemeClr val="accent1"/>
-          </a:fillRef>
-          <a:effectRef idx="0">
-            <a:schemeClr val="accent1"/>
-          </a:effectRef>
-          <a:fontRef idx="minor">
-            <a:schemeClr val="tx1"/>
-          </a:fontRef>
-        </p:style>
-      </p:cxnSp>
-      <p:cxnSp>
-        <p:nvCxnSpPr>
-          <p:cNvPr id="11" name="Straight Arrow Connector 10">
-            <a:extLst>
-              <a:ext uri="{FF2B5EF4-FFF2-40B4-BE49-F238E27FC236}">
-                <a16:creationId xmlns:a16="http://schemas.microsoft.com/office/drawing/2014/main" id="{9B7EF204-4492-4300-B632-4DC7C7254737}"/>
-              </a:ext>
-            </a:extLst>
-          </p:cNvPr>
-          <p:cNvCxnSpPr>
-            <a:cxnSpLocks/>
-          </p:cNvCxnSpPr>
-          <p:nvPr/>
-        </p:nvCxnSpPr>
-        <p:spPr>
-          <a:xfrm>
-            <a:off x="7179052" y="1677880"/>
-            <a:ext cx="961771" cy="1038163"/>
-          </a:xfrm>
-          <a:prstGeom prst="straightConnector1">
-            <a:avLst/>
-          </a:prstGeom>
-          <a:ln w="25400">
-            <a:tailEnd type="triangle"/>
-          </a:ln>
-        </p:spPr>
-        <p:style>
-          <a:lnRef idx="1">
-            <a:schemeClr val="dk1"/>
-          </a:lnRef>
-          <a:fillRef idx="0">
-            <a:schemeClr val="dk1"/>
-          </a:fillRef>
-          <a:effectRef idx="0">
-            <a:schemeClr val="dk1"/>
-          </a:effectRef>
-          <a:fontRef idx="minor">
-            <a:schemeClr val="tx1"/>
-          </a:fontRef>
-        </p:style>
-      </p:cxnSp>
-      <p:sp>
-        <p:nvSpPr>
-          <p:cNvPr id="14" name="TextBox 13">
-            <a:extLst>
-              <a:ext uri="{FF2B5EF4-FFF2-40B4-BE49-F238E27FC236}">
-                <a16:creationId xmlns:a16="http://schemas.microsoft.com/office/drawing/2014/main" id="{5C31E1AE-D6D5-43CC-A0DE-51475F90C17C}"/>
-              </a:ext>
-            </a:extLst>
-          </p:cNvPr>
-          <p:cNvSpPr txBox="1"/>
-          <p:nvPr/>
-        </p:nvSpPr>
-        <p:spPr>
-          <a:xfrm>
-            <a:off x="4762500" y="2061731"/>
-            <a:ext cx="1057275" cy="369332"/>
-          </a:xfrm>
-          <a:prstGeom prst="rect">
-            <a:avLst/>
-          </a:prstGeom>
-          <a:noFill/>
-        </p:spPr>
-        <p:txBody>
-          <a:bodyPr wrap="square" rtlCol="0">
-            <a:spAutoFit/>
-          </a:bodyPr>
-          <a:lstStyle/>
-          <a:p>
-            <a:r>
-              <a:rPr lang="en-US" dirty="0"/>
-              <a:t>bullish</a:t>
-            </a:r>
-          </a:p>
-        </p:txBody>
-      </p:sp>
-      <p:sp>
-        <p:nvSpPr>
-          <p:cNvPr id="15" name="Rectangle 14">
-            <a:extLst>
-              <a:ext uri="{FF2B5EF4-FFF2-40B4-BE49-F238E27FC236}">
-                <a16:creationId xmlns:a16="http://schemas.microsoft.com/office/drawing/2014/main" id="{81A77BC7-40E6-43F7-BF6F-C899A0FB9827}"/>
-              </a:ext>
-            </a:extLst>
-          </p:cNvPr>
-          <p:cNvSpPr/>
-          <p:nvPr/>
-        </p:nvSpPr>
-        <p:spPr>
-          <a:xfrm>
-            <a:off x="7563591" y="1620685"/>
-            <a:ext cx="877163" cy="369332"/>
-          </a:xfrm>
-          <a:prstGeom prst="rect">
-            <a:avLst/>
-          </a:prstGeom>
-        </p:spPr>
-        <p:txBody>
-          <a:bodyPr wrap="none">
-            <a:spAutoFit/>
-          </a:bodyPr>
-          <a:lstStyle/>
-          <a:p>
-            <a:r>
-              <a:rPr lang="en-US" dirty="0"/>
-              <a:t>bearish</a:t>
+              <a:t>- To enhance diversity of the portfolio,  avoid investing all of your investments in the same bucket</a:t>
             </a:r>
           </a:p>
         </p:txBody>
@@ -5495,7 +9471,7 @@
     </p:spTree>
     <p:extLst>
       <p:ext uri="{BB962C8B-B14F-4D97-AF65-F5344CB8AC3E}">
-        <p14:creationId xmlns:p14="http://schemas.microsoft.com/office/powerpoint/2010/main" val="1760148057"/>
+        <p14:creationId xmlns:p14="http://schemas.microsoft.com/office/powerpoint/2010/main" val="3847534159"/>
       </p:ext>
     </p:extLst>
   </p:cSld>
